--- a/images/bhm.pptx
+++ b/images/bhm.pptx
@@ -7,6 +7,8 @@
   <p:sldIdLst>
     <p:sldId id="338" r:id="rId2"/>
     <p:sldId id="339" r:id="rId3"/>
+    <p:sldId id="332" r:id="rId4"/>
+    <p:sldId id="333" r:id="rId5"/>
   </p:sldIdLst>
   <p:sldSz cx="12192000" cy="12599988"/>
   <p:notesSz cx="6858000" cy="9144000"/>
@@ -10576,6 +10578,5344 @@
 </p:sld>
 </file>
 
+<file path=ppt/slides/slide3.xml><?xml version="1.0" encoding="utf-8"?>
+<p:sld xmlns:a="http://schemas.openxmlformats.org/drawingml/2006/main" xmlns:r="http://schemas.openxmlformats.org/officeDocument/2006/relationships" xmlns:p="http://schemas.openxmlformats.org/presentationml/2006/main">
+  <p:cSld>
+    <p:spTree>
+      <p:nvGrpSpPr>
+        <p:cNvPr id="1" name=""/>
+        <p:cNvGrpSpPr/>
+        <p:nvPr/>
+      </p:nvGrpSpPr>
+      <p:grpSpPr>
+        <a:xfrm>
+          <a:off x="0" y="0"/>
+          <a:ext cx="0" cy="0"/>
+          <a:chOff x="0" y="0"/>
+          <a:chExt cx="0" cy="0"/>
+        </a:xfrm>
+      </p:grpSpPr>
+      <p:sp>
+        <p:nvSpPr>
+          <p:cNvPr id="3" name="フローチャート: 端子 2">
+            <a:extLst>
+              <a:ext uri="{FF2B5EF4-FFF2-40B4-BE49-F238E27FC236}">
+                <a16:creationId xmlns:a16="http://schemas.microsoft.com/office/drawing/2014/main" id="{4B45DA4F-5EC0-DC95-25E2-E0621266151B}"/>
+              </a:ext>
+            </a:extLst>
+          </p:cNvPr>
+          <p:cNvSpPr/>
+          <p:nvPr/>
+        </p:nvSpPr>
+        <p:spPr>
+          <a:xfrm>
+            <a:off x="1207164" y="107638"/>
+            <a:ext cx="1296144" cy="360040"/>
+          </a:xfrm>
+          <a:prstGeom prst="flowChartTerminator">
+            <a:avLst/>
+          </a:prstGeom>
+        </p:spPr>
+        <p:style>
+          <a:lnRef idx="1">
+            <a:schemeClr val="accent5"/>
+          </a:lnRef>
+          <a:fillRef idx="3">
+            <a:schemeClr val="accent5"/>
+          </a:fillRef>
+          <a:effectRef idx="2">
+            <a:schemeClr val="accent5"/>
+          </a:effectRef>
+          <a:fontRef idx="minor">
+            <a:schemeClr val="lt1"/>
+          </a:fontRef>
+        </p:style>
+        <p:txBody>
+          <a:bodyPr rtlCol="0" anchor="ctr"/>
+          <a:lstStyle/>
+          <a:p>
+            <a:pPr marL="0" marR="0" lvl="0" indent="0" algn="ctr" defTabSz="457200" rtl="0" eaLnBrk="1" fontAlgn="auto" latinLnBrk="0" hangingPunct="1">
+              <a:lnSpc>
+                <a:spcPct val="100000"/>
+              </a:lnSpc>
+              <a:spcBef>
+                <a:spcPts val="0"/>
+              </a:spcBef>
+              <a:spcAft>
+                <a:spcPts val="0"/>
+              </a:spcAft>
+              <a:buClrTx/>
+              <a:buSzTx/>
+              <a:buFontTx/>
+              <a:buNone/>
+              <a:tabLst/>
+              <a:defRPr/>
+            </a:pPr>
+            <a:r>
+              <a:rPr kumimoji="1" lang="en-US" altLang="ja-JP" sz="1600" b="0" i="0" u="none" strike="noStrike" kern="1200" cap="none" spc="0" normalizeH="0" baseline="0" noProof="0" dirty="0">
+                <a:ln>
+                  <a:noFill/>
+                </a:ln>
+                <a:solidFill>
+                  <a:prstClr val="white"/>
+                </a:solidFill>
+                <a:effectLst/>
+                <a:uLnTx/>
+                <a:uFillTx/>
+                <a:latin typeface="メイリオ" panose="020B0604030504040204" pitchFamily="50" charset="-128"/>
+                <a:ea typeface="メイリオ" panose="020B0604030504040204" pitchFamily="50" charset="-128"/>
+                <a:cs typeface="+mn-cs"/>
+              </a:rPr>
+              <a:t>START</a:t>
+            </a:r>
+            <a:endParaRPr kumimoji="1" lang="ja-JP" altLang="en-US" sz="1600" b="0" i="0" u="none" strike="noStrike" kern="1200" cap="none" spc="0" normalizeH="0" baseline="0" noProof="0" dirty="0">
+              <a:ln>
+                <a:noFill/>
+              </a:ln>
+              <a:solidFill>
+                <a:prstClr val="white"/>
+              </a:solidFill>
+              <a:effectLst/>
+              <a:uLnTx/>
+              <a:uFillTx/>
+              <a:latin typeface="メイリオ" panose="020B0604030504040204" pitchFamily="50" charset="-128"/>
+              <a:ea typeface="メイリオ" panose="020B0604030504040204" pitchFamily="50" charset="-128"/>
+              <a:cs typeface="+mn-cs"/>
+            </a:endParaRPr>
+          </a:p>
+        </p:txBody>
+      </p:sp>
+      <p:cxnSp>
+        <p:nvCxnSpPr>
+          <p:cNvPr id="4" name="直線矢印コネクタ 3">
+            <a:extLst>
+              <a:ext uri="{FF2B5EF4-FFF2-40B4-BE49-F238E27FC236}">
+                <a16:creationId xmlns:a16="http://schemas.microsoft.com/office/drawing/2014/main" id="{8EFA8C94-C05F-40BF-B0D7-0B9FB46BC9B7}"/>
+              </a:ext>
+            </a:extLst>
+          </p:cNvPr>
+          <p:cNvCxnSpPr>
+            <a:cxnSpLocks/>
+          </p:cNvCxnSpPr>
+          <p:nvPr/>
+        </p:nvCxnSpPr>
+        <p:spPr>
+          <a:xfrm>
+            <a:off x="1855236" y="462235"/>
+            <a:ext cx="0" cy="432000"/>
+          </a:xfrm>
+          <a:prstGeom prst="straightConnector1">
+            <a:avLst/>
+          </a:prstGeom>
+          <a:ln w="28575">
+            <a:solidFill>
+              <a:schemeClr val="tx1"/>
+            </a:solidFill>
+            <a:headEnd type="none" w="med" len="med"/>
+            <a:tailEnd type="arrow" w="med" len="med"/>
+          </a:ln>
+        </p:spPr>
+        <p:style>
+          <a:lnRef idx="1">
+            <a:schemeClr val="accent1"/>
+          </a:lnRef>
+          <a:fillRef idx="0">
+            <a:schemeClr val="accent1"/>
+          </a:fillRef>
+          <a:effectRef idx="0">
+            <a:schemeClr val="accent1"/>
+          </a:effectRef>
+          <a:fontRef idx="minor">
+            <a:schemeClr val="tx1"/>
+          </a:fontRef>
+        </p:style>
+      </p:cxnSp>
+      <p:cxnSp>
+        <p:nvCxnSpPr>
+          <p:cNvPr id="5" name="直線矢印コネクタ 4">
+            <a:extLst>
+              <a:ext uri="{FF2B5EF4-FFF2-40B4-BE49-F238E27FC236}">
+                <a16:creationId xmlns:a16="http://schemas.microsoft.com/office/drawing/2014/main" id="{AD8C6BC6-EF90-0E05-902A-D38A16B2CE9A}"/>
+              </a:ext>
+            </a:extLst>
+          </p:cNvPr>
+          <p:cNvCxnSpPr>
+            <a:cxnSpLocks/>
+          </p:cNvCxnSpPr>
+          <p:nvPr/>
+        </p:nvCxnSpPr>
+        <p:spPr>
+          <a:xfrm>
+            <a:off x="1855236" y="1370161"/>
+            <a:ext cx="0" cy="432000"/>
+          </a:xfrm>
+          <a:prstGeom prst="straightConnector1">
+            <a:avLst/>
+          </a:prstGeom>
+          <a:ln w="28575">
+            <a:solidFill>
+              <a:schemeClr val="tx1"/>
+            </a:solidFill>
+            <a:headEnd type="none" w="med" len="med"/>
+            <a:tailEnd type="arrow" w="med" len="med"/>
+          </a:ln>
+        </p:spPr>
+        <p:style>
+          <a:lnRef idx="1">
+            <a:schemeClr val="accent1"/>
+          </a:lnRef>
+          <a:fillRef idx="0">
+            <a:schemeClr val="accent1"/>
+          </a:fillRef>
+          <a:effectRef idx="0">
+            <a:schemeClr val="accent1"/>
+          </a:effectRef>
+          <a:fontRef idx="minor">
+            <a:schemeClr val="tx1"/>
+          </a:fontRef>
+        </p:style>
+      </p:cxnSp>
+      <p:sp>
+        <p:nvSpPr>
+          <p:cNvPr id="11" name="正方形/長方形 10">
+            <a:extLst>
+              <a:ext uri="{FF2B5EF4-FFF2-40B4-BE49-F238E27FC236}">
+                <a16:creationId xmlns:a16="http://schemas.microsoft.com/office/drawing/2014/main" id="{1CF01C72-6F57-BB27-EC00-9A4CEE9EE1C1}"/>
+              </a:ext>
+            </a:extLst>
+          </p:cNvPr>
+          <p:cNvSpPr/>
+          <p:nvPr/>
+        </p:nvSpPr>
+        <p:spPr>
+          <a:xfrm>
+            <a:off x="883236" y="912625"/>
+            <a:ext cx="1944000" cy="477020"/>
+          </a:xfrm>
+          <a:prstGeom prst="rect">
+            <a:avLst/>
+          </a:prstGeom>
+        </p:spPr>
+        <p:style>
+          <a:lnRef idx="1">
+            <a:schemeClr val="accent5"/>
+          </a:lnRef>
+          <a:fillRef idx="2">
+            <a:schemeClr val="accent5"/>
+          </a:fillRef>
+          <a:effectRef idx="1">
+            <a:schemeClr val="accent5"/>
+          </a:effectRef>
+          <a:fontRef idx="minor">
+            <a:schemeClr val="dk1"/>
+          </a:fontRef>
+        </p:style>
+        <p:txBody>
+          <a:bodyPr rtlCol="0" anchor="ctr"/>
+          <a:lstStyle/>
+          <a:p>
+            <a:pPr marL="0" marR="0" lvl="0" indent="0" algn="ctr" defTabSz="457200" rtl="0" eaLnBrk="1" fontAlgn="auto" latinLnBrk="0" hangingPunct="1">
+              <a:lnSpc>
+                <a:spcPct val="100000"/>
+              </a:lnSpc>
+              <a:spcBef>
+                <a:spcPts val="0"/>
+              </a:spcBef>
+              <a:spcAft>
+                <a:spcPts val="0"/>
+              </a:spcAft>
+              <a:buClrTx/>
+              <a:buSzTx/>
+              <a:buFontTx/>
+              <a:buNone/>
+              <a:tabLst/>
+              <a:defRPr/>
+            </a:pPr>
+            <a:r>
+              <a:rPr kumimoji="1" lang="en-US" altLang="ja-JP" sz="1200" dirty="0">
+                <a:solidFill>
+                  <a:prstClr val="black"/>
+                </a:solidFill>
+                <a:latin typeface="メイリオ" panose="020B0604030504040204" pitchFamily="50" charset="-128"/>
+                <a:ea typeface="メイリオ" panose="020B0604030504040204" pitchFamily="50" charset="-128"/>
+              </a:rPr>
+              <a:t>Set Software Access</a:t>
+            </a:r>
+          </a:p>
+          <a:p>
+            <a:pPr marL="0" marR="0" lvl="0" indent="0" algn="ctr" defTabSz="457200" rtl="0" eaLnBrk="1" fontAlgn="auto" latinLnBrk="0" hangingPunct="1">
+              <a:lnSpc>
+                <a:spcPct val="100000"/>
+              </a:lnSpc>
+              <a:spcBef>
+                <a:spcPts val="0"/>
+              </a:spcBef>
+              <a:spcAft>
+                <a:spcPts val="0"/>
+              </a:spcAft>
+              <a:buClrTx/>
+              <a:buSzTx/>
+              <a:buFontTx/>
+              <a:buNone/>
+              <a:tabLst/>
+              <a:defRPr/>
+            </a:pPr>
+            <a:r>
+              <a:rPr kumimoji="1" lang="en-US" altLang="ja-JP" sz="1200" dirty="0">
+                <a:solidFill>
+                  <a:prstClr val="black"/>
+                </a:solidFill>
+                <a:latin typeface="メイリオ" panose="020B0604030504040204" pitchFamily="50" charset="-128"/>
+                <a:ea typeface="メイリオ" panose="020B0604030504040204" pitchFamily="50" charset="-128"/>
+              </a:rPr>
+              <a:t>Write Data Register</a:t>
+            </a:r>
+          </a:p>
+        </p:txBody>
+      </p:sp>
+      <p:sp>
+        <p:nvSpPr>
+          <p:cNvPr id="12" name="テキスト ボックス 11">
+            <a:extLst>
+              <a:ext uri="{FF2B5EF4-FFF2-40B4-BE49-F238E27FC236}">
+                <a16:creationId xmlns:a16="http://schemas.microsoft.com/office/drawing/2014/main" id="{AE93E65F-C37E-EB16-D842-D795AF777569}"/>
+              </a:ext>
+            </a:extLst>
+          </p:cNvPr>
+          <p:cNvSpPr txBox="1"/>
+          <p:nvPr/>
+        </p:nvSpPr>
+        <p:spPr>
+          <a:xfrm>
+            <a:off x="3256193" y="912625"/>
+            <a:ext cx="3563913" cy="553998"/>
+          </a:xfrm>
+          <a:prstGeom prst="rect">
+            <a:avLst/>
+          </a:prstGeom>
+          <a:noFill/>
+        </p:spPr>
+        <p:txBody>
+          <a:bodyPr wrap="square" tIns="0" rtlCol="0">
+            <a:spAutoFit/>
+          </a:bodyPr>
+          <a:lstStyle/>
+          <a:p>
+            <a:pPr marL="0" marR="0" lvl="0" indent="0" algn="l" defTabSz="457200" rtl="0" eaLnBrk="1" fontAlgn="auto" latinLnBrk="0" hangingPunct="1">
+              <a:lnSpc>
+                <a:spcPct val="100000"/>
+              </a:lnSpc>
+              <a:spcBef>
+                <a:spcPts val="0"/>
+              </a:spcBef>
+              <a:spcAft>
+                <a:spcPts val="0"/>
+              </a:spcAft>
+              <a:buClrTx/>
+              <a:buSzTx/>
+              <a:buFontTx/>
+              <a:buNone/>
+              <a:tabLst/>
+              <a:defRPr/>
+            </a:pPr>
+            <a:r>
+              <a:rPr kumimoji="0" lang="en-US" altLang="ja-JP" sz="1100" b="1" i="0" u="none" strike="noStrike" kern="1200" cap="none" spc="0" normalizeH="0" baseline="0" noProof="0" dirty="0">
+                <a:ln>
+                  <a:noFill/>
+                </a:ln>
+                <a:solidFill>
+                  <a:prstClr val="black"/>
+                </a:solidFill>
+                <a:effectLst/>
+                <a:uLnTx/>
+                <a:uFillTx/>
+                <a:latin typeface="Meirio"/>
+                <a:ea typeface="游ゴシック" panose="020B0400000000000000" pitchFamily="50" charset="-128"/>
+                <a:cs typeface="+mn-cs"/>
+              </a:rPr>
+              <a:t>1.</a:t>
+            </a:r>
+            <a:r>
+              <a:rPr kumimoji="0" lang="ja-JP" altLang="en-US" sz="1100" b="1" i="0" u="none" strike="noStrike" kern="1200" cap="none" spc="0" normalizeH="0" baseline="0" noProof="0" dirty="0">
+                <a:ln>
+                  <a:noFill/>
+                </a:ln>
+                <a:solidFill>
+                  <a:prstClr val="black"/>
+                </a:solidFill>
+                <a:effectLst/>
+                <a:uLnTx/>
+                <a:uFillTx/>
+                <a:latin typeface="Meirio"/>
+                <a:ea typeface="游ゴシック" panose="020B0400000000000000" pitchFamily="50" charset="-128"/>
+                <a:cs typeface="+mn-cs"/>
+              </a:rPr>
+              <a:t> </a:t>
+            </a:r>
+            <a:r>
+              <a:rPr kumimoji="0" lang="en-US" altLang="ja-JP" sz="1100" b="1" i="0" u="none" strike="noStrike" kern="1200" cap="none" spc="0" normalizeH="0" baseline="0" noProof="0" dirty="0">
+                <a:ln>
+                  <a:noFill/>
+                </a:ln>
+                <a:solidFill>
+                  <a:srgbClr val="3366FF"/>
+                </a:solidFill>
+                <a:effectLst/>
+                <a:uLnTx/>
+                <a:uFillTx/>
+                <a:latin typeface="Meirio"/>
+                <a:ea typeface="游ゴシック" panose="020B0400000000000000" pitchFamily="50" charset="-128"/>
+                <a:cs typeface="+mn-cs"/>
+              </a:rPr>
+              <a:t>Register</a:t>
+            </a:r>
+            <a:r>
+              <a:rPr kumimoji="0" lang="ja-JP" altLang="en-US" sz="1100" b="1" i="0" u="none" strike="noStrike" kern="1200" cap="none" spc="0" normalizeH="0" baseline="0" noProof="0" dirty="0">
+                <a:ln>
+                  <a:noFill/>
+                </a:ln>
+                <a:solidFill>
+                  <a:srgbClr val="3366FF"/>
+                </a:solidFill>
+                <a:effectLst/>
+                <a:uLnTx/>
+                <a:uFillTx/>
+                <a:latin typeface="Meirio"/>
+                <a:ea typeface="游ゴシック" panose="020B0400000000000000" pitchFamily="50" charset="-128"/>
+                <a:cs typeface="+mn-cs"/>
+              </a:rPr>
+              <a:t> </a:t>
+            </a:r>
+            <a:r>
+              <a:rPr kumimoji="0" lang="en-US" altLang="ja-JP" sz="1100" b="1" i="0" u="none" strike="noStrike" kern="1200" cap="none" spc="0" normalizeH="0" baseline="0" noProof="0" dirty="0">
+                <a:ln>
+                  <a:noFill/>
+                </a:ln>
+                <a:solidFill>
+                  <a:srgbClr val="3366FF"/>
+                </a:solidFill>
+                <a:effectLst/>
+                <a:uLnTx/>
+                <a:uFillTx/>
+                <a:latin typeface="Meirio"/>
+                <a:ea typeface="游ゴシック" panose="020B0400000000000000" pitchFamily="50" charset="-128"/>
+                <a:cs typeface="+mn-cs"/>
+              </a:rPr>
+              <a:t>Write</a:t>
+            </a:r>
+            <a:r>
+              <a:rPr kumimoji="0" lang="en-US" altLang="ja-JP" sz="1100" b="0" i="0" u="none" strike="noStrike" kern="1200" cap="none" spc="0" normalizeH="0" baseline="0" noProof="0" dirty="0">
+                <a:ln>
+                  <a:noFill/>
+                </a:ln>
+                <a:solidFill>
+                  <a:srgbClr val="3366FF"/>
+                </a:solidFill>
+                <a:effectLst/>
+                <a:uLnTx/>
+                <a:uFillTx/>
+                <a:latin typeface="Meirio"/>
+                <a:ea typeface="游ゴシック" panose="020B0400000000000000" pitchFamily="50" charset="-128"/>
+                <a:cs typeface="+mn-cs"/>
+              </a:rPr>
+              <a:t> </a:t>
+            </a:r>
+          </a:p>
+          <a:p>
+            <a:pPr marL="0" marR="0" lvl="0" indent="0" algn="l" defTabSz="457200" rtl="0" eaLnBrk="1" fontAlgn="auto" latinLnBrk="0" hangingPunct="1">
+              <a:lnSpc>
+                <a:spcPct val="100000"/>
+              </a:lnSpc>
+              <a:spcBef>
+                <a:spcPts val="0"/>
+              </a:spcBef>
+              <a:spcAft>
+                <a:spcPts val="0"/>
+              </a:spcAft>
+              <a:buClrTx/>
+              <a:buSzTx/>
+              <a:buFontTx/>
+              <a:buNone/>
+              <a:tabLst/>
+              <a:defRPr/>
+            </a:pPr>
+            <a:r>
+              <a:rPr kumimoji="0" lang="ja-JP" altLang="en-US" sz="1100" b="1" i="0" u="none" strike="noStrike" kern="1200" cap="none" spc="0" normalizeH="0" baseline="0" noProof="0" dirty="0">
+                <a:ln>
+                  <a:noFill/>
+                </a:ln>
+                <a:solidFill>
+                  <a:prstClr val="black"/>
+                </a:solidFill>
+                <a:effectLst/>
+                <a:uLnTx/>
+                <a:uFillTx/>
+                <a:latin typeface="Meirio"/>
+                <a:ea typeface="游ゴシック" panose="020B0400000000000000" pitchFamily="50" charset="-128"/>
+                <a:cs typeface="+mn-cs"/>
+              </a:rPr>
+              <a:t>　</a:t>
+            </a:r>
+            <a:r>
+              <a:rPr kumimoji="0" lang="en-US" altLang="ja-JP" sz="1100" b="1" i="0" u="none" strike="noStrike" kern="1200" cap="none" spc="0" normalizeH="0" baseline="0" noProof="0" dirty="0">
+                <a:ln>
+                  <a:noFill/>
+                </a:ln>
+                <a:solidFill>
+                  <a:prstClr val="black"/>
+                </a:solidFill>
+                <a:effectLst/>
+                <a:uLnTx/>
+                <a:uFillTx/>
+                <a:latin typeface="Meirio"/>
+                <a:ea typeface="游ゴシック" panose="020B0400000000000000" pitchFamily="50" charset="-128"/>
+                <a:cs typeface="+mn-cs"/>
+              </a:rPr>
+              <a:t>BHM </a:t>
+            </a:r>
+            <a:r>
+              <a:rPr kumimoji="0" lang="it-IT" altLang="ja-JP" sz="1100" b="1" i="0" u="none" strike="noStrike" kern="1200" cap="none" spc="0" normalizeH="0" baseline="0" noProof="0" dirty="0">
+                <a:ln>
+                  <a:noFill/>
+                </a:ln>
+                <a:solidFill>
+                  <a:prstClr val="black"/>
+                </a:solidFill>
+                <a:effectLst/>
+                <a:uLnTx/>
+                <a:uFillTx/>
+                <a:latin typeface="Meirio"/>
+                <a:ea typeface="游ゴシック" panose="020B0400000000000000" pitchFamily="50" charset="-128"/>
+                <a:cs typeface="+mn-cs"/>
+              </a:rPr>
+              <a:t>Software Access Write Data Register</a:t>
+            </a:r>
+            <a:endParaRPr kumimoji="0" lang="en-US" altLang="ja-JP" sz="1100" b="1" i="0" u="none" strike="noStrike" kern="1200" cap="none" spc="0" normalizeH="0" baseline="0" noProof="0" dirty="0">
+              <a:ln>
+                <a:noFill/>
+              </a:ln>
+              <a:solidFill>
+                <a:prstClr val="black"/>
+              </a:solidFill>
+              <a:effectLst/>
+              <a:uLnTx/>
+              <a:uFillTx/>
+              <a:latin typeface="Meirio"/>
+              <a:ea typeface="游ゴシック" panose="020B0400000000000000" pitchFamily="50" charset="-128"/>
+              <a:cs typeface="+mn-cs"/>
+            </a:endParaRPr>
+          </a:p>
+          <a:p>
+            <a:pPr marL="0" marR="0" lvl="0" indent="0" algn="l" defTabSz="457200" rtl="0" eaLnBrk="1" fontAlgn="auto" latinLnBrk="0" hangingPunct="1">
+              <a:lnSpc>
+                <a:spcPct val="100000"/>
+              </a:lnSpc>
+              <a:spcBef>
+                <a:spcPts val="0"/>
+              </a:spcBef>
+              <a:spcAft>
+                <a:spcPts val="0"/>
+              </a:spcAft>
+              <a:buClrTx/>
+              <a:buSzTx/>
+              <a:buFontTx/>
+              <a:buNone/>
+              <a:tabLst/>
+              <a:defRPr/>
+            </a:pPr>
+            <a:r>
+              <a:rPr kumimoji="0" lang="ja-JP" altLang="en-US" sz="1100" b="0" i="0" u="none" strike="noStrike" kern="1200" cap="none" spc="0" normalizeH="0" baseline="0" noProof="0" dirty="0">
+                <a:ln>
+                  <a:noFill/>
+                </a:ln>
+                <a:solidFill>
+                  <a:prstClr val="black"/>
+                </a:solidFill>
+                <a:effectLst/>
+                <a:uLnTx/>
+                <a:uFillTx/>
+                <a:latin typeface="Meirio"/>
+                <a:ea typeface="游ゴシック" panose="020B0400000000000000" pitchFamily="50" charset="-128"/>
+                <a:cs typeface="+mn-cs"/>
+              </a:rPr>
+              <a:t>　</a:t>
+            </a:r>
+            <a:r>
+              <a:rPr kumimoji="0" lang="en-US" altLang="ja-JP" sz="1100" b="0" i="0" u="none" strike="noStrike" kern="1200" cap="none" spc="0" normalizeH="0" baseline="0" noProof="0" dirty="0">
+                <a:ln>
+                  <a:noFill/>
+                </a:ln>
+                <a:solidFill>
+                  <a:prstClr val="black"/>
+                </a:solidFill>
+                <a:effectLst/>
+                <a:uLnTx/>
+                <a:uFillTx/>
+                <a:latin typeface="Meirio"/>
+                <a:ea typeface="游ゴシック" panose="020B0400000000000000" pitchFamily="50" charset="-128"/>
+                <a:cs typeface="+mn-cs"/>
+              </a:rPr>
+              <a:t>Write Data: {SWWRDATA[15:0]}</a:t>
+            </a:r>
+            <a:endParaRPr kumimoji="0" lang="en-US" altLang="ja-JP" sz="1100" b="1" i="0" u="none" strike="noStrike" kern="1200" cap="none" spc="0" normalizeH="0" baseline="0" noProof="0" dirty="0">
+              <a:ln>
+                <a:noFill/>
+              </a:ln>
+              <a:solidFill>
+                <a:srgbClr val="3366FF"/>
+              </a:solidFill>
+              <a:effectLst/>
+              <a:uLnTx/>
+              <a:uFillTx/>
+              <a:latin typeface="Meirio"/>
+              <a:ea typeface="游ゴシック" panose="020B0400000000000000" pitchFamily="50" charset="-128"/>
+              <a:cs typeface="+mn-cs"/>
+            </a:endParaRPr>
+          </a:p>
+        </p:txBody>
+      </p:sp>
+      <p:cxnSp>
+        <p:nvCxnSpPr>
+          <p:cNvPr id="13" name="直線コネクタ 12">
+            <a:extLst>
+              <a:ext uri="{FF2B5EF4-FFF2-40B4-BE49-F238E27FC236}">
+                <a16:creationId xmlns:a16="http://schemas.microsoft.com/office/drawing/2014/main" id="{1C578B13-72E9-EDD2-7139-02EBB414EEC6}"/>
+              </a:ext>
+            </a:extLst>
+          </p:cNvPr>
+          <p:cNvCxnSpPr>
+            <a:cxnSpLocks/>
+          </p:cNvCxnSpPr>
+          <p:nvPr/>
+        </p:nvCxnSpPr>
+        <p:spPr>
+          <a:xfrm>
+            <a:off x="3256193" y="912625"/>
+            <a:ext cx="0" cy="477025"/>
+          </a:xfrm>
+          <a:prstGeom prst="line">
+            <a:avLst/>
+          </a:prstGeom>
+          <a:ln w="28575">
+            <a:solidFill>
+              <a:schemeClr val="accent1"/>
+            </a:solidFill>
+          </a:ln>
+        </p:spPr>
+        <p:style>
+          <a:lnRef idx="1">
+            <a:schemeClr val="accent1"/>
+          </a:lnRef>
+          <a:fillRef idx="0">
+            <a:schemeClr val="accent1"/>
+          </a:fillRef>
+          <a:effectRef idx="0">
+            <a:schemeClr val="accent1"/>
+          </a:effectRef>
+          <a:fontRef idx="minor">
+            <a:schemeClr val="tx1"/>
+          </a:fontRef>
+        </p:style>
+      </p:cxnSp>
+      <p:sp>
+        <p:nvSpPr>
+          <p:cNvPr id="61" name="正方形/長方形 60">
+            <a:extLst>
+              <a:ext uri="{FF2B5EF4-FFF2-40B4-BE49-F238E27FC236}">
+                <a16:creationId xmlns:a16="http://schemas.microsoft.com/office/drawing/2014/main" id="{EC497452-C68A-90BD-2265-503BB248DF90}"/>
+              </a:ext>
+            </a:extLst>
+          </p:cNvPr>
+          <p:cNvSpPr/>
+          <p:nvPr/>
+        </p:nvSpPr>
+        <p:spPr>
+          <a:xfrm>
+            <a:off x="883236" y="1812106"/>
+            <a:ext cx="1944000" cy="566634"/>
+          </a:xfrm>
+          <a:prstGeom prst="rect">
+            <a:avLst/>
+          </a:prstGeom>
+        </p:spPr>
+        <p:style>
+          <a:lnRef idx="1">
+            <a:schemeClr val="accent5"/>
+          </a:lnRef>
+          <a:fillRef idx="2">
+            <a:schemeClr val="accent5"/>
+          </a:fillRef>
+          <a:effectRef idx="1">
+            <a:schemeClr val="accent5"/>
+          </a:effectRef>
+          <a:fontRef idx="minor">
+            <a:schemeClr val="dk1"/>
+          </a:fontRef>
+        </p:style>
+        <p:txBody>
+          <a:bodyPr rtlCol="0" anchor="ctr"/>
+          <a:lstStyle/>
+          <a:p>
+            <a:pPr marL="0" marR="0" lvl="0" indent="0" algn="ctr" defTabSz="457200" rtl="0" eaLnBrk="1" fontAlgn="auto" latinLnBrk="0" hangingPunct="1">
+              <a:lnSpc>
+                <a:spcPct val="100000"/>
+              </a:lnSpc>
+              <a:spcBef>
+                <a:spcPts val="0"/>
+              </a:spcBef>
+              <a:spcAft>
+                <a:spcPts val="0"/>
+              </a:spcAft>
+              <a:buClrTx/>
+              <a:buSzTx/>
+              <a:buFontTx/>
+              <a:buNone/>
+              <a:tabLst/>
+              <a:defRPr/>
+            </a:pPr>
+            <a:r>
+              <a:rPr lang="en-US" altLang="ja-JP" sz="1200" dirty="0">
+                <a:solidFill>
+                  <a:prstClr val="black"/>
+                </a:solidFill>
+                <a:latin typeface="メイリオ" panose="020B0604030504040204" pitchFamily="50" charset="-128"/>
+                <a:ea typeface="メイリオ" panose="020B0604030504040204" pitchFamily="50" charset="-128"/>
+              </a:rPr>
+              <a:t>Set Software Access</a:t>
+            </a:r>
+            <a:endParaRPr kumimoji="0" lang="en-US" altLang="ja-JP" sz="1200" b="0" i="0" u="none" strike="noStrike" kern="1200" cap="none" spc="0" normalizeH="0" baseline="0" noProof="0" dirty="0">
+              <a:ln>
+                <a:noFill/>
+              </a:ln>
+              <a:solidFill>
+                <a:prstClr val="black"/>
+              </a:solidFill>
+              <a:effectLst/>
+              <a:uLnTx/>
+              <a:uFillTx/>
+              <a:latin typeface="メイリオ" panose="020B0604030504040204" pitchFamily="50" charset="-128"/>
+              <a:ea typeface="メイリオ" panose="020B0604030504040204" pitchFamily="50" charset="-128"/>
+              <a:cs typeface="+mn-cs"/>
+            </a:endParaRPr>
+          </a:p>
+          <a:p>
+            <a:pPr marL="0" marR="0" lvl="0" indent="0" algn="ctr" defTabSz="457200" rtl="0" eaLnBrk="1" fontAlgn="auto" latinLnBrk="0" hangingPunct="1">
+              <a:lnSpc>
+                <a:spcPct val="100000"/>
+              </a:lnSpc>
+              <a:spcBef>
+                <a:spcPts val="0"/>
+              </a:spcBef>
+              <a:spcAft>
+                <a:spcPts val="0"/>
+              </a:spcAft>
+              <a:buClrTx/>
+              <a:buSzTx/>
+              <a:buFontTx/>
+              <a:buNone/>
+              <a:tabLst/>
+              <a:defRPr/>
+            </a:pPr>
+            <a:r>
+              <a:rPr kumimoji="0" lang="en-US" altLang="ja-JP" sz="1200" b="0" i="0" u="none" strike="noStrike" kern="1200" cap="none" spc="0" normalizeH="0" baseline="0" noProof="0" dirty="0">
+                <a:ln>
+                  <a:noFill/>
+                </a:ln>
+                <a:solidFill>
+                  <a:prstClr val="black"/>
+                </a:solidFill>
+                <a:effectLst/>
+                <a:uLnTx/>
+                <a:uFillTx/>
+                <a:latin typeface="メイリオ" panose="020B0604030504040204" pitchFamily="50" charset="-128"/>
+                <a:ea typeface="メイリオ" panose="020B0604030504040204" pitchFamily="50" charset="-128"/>
+                <a:cs typeface="+mn-cs"/>
+              </a:rPr>
+              <a:t>Control</a:t>
+            </a:r>
+            <a:r>
+              <a:rPr lang="en-US" altLang="ja-JP" sz="1200" dirty="0">
+                <a:solidFill>
+                  <a:prstClr val="black"/>
+                </a:solidFill>
+                <a:latin typeface="メイリオ" panose="020B0604030504040204" pitchFamily="50" charset="-128"/>
+                <a:ea typeface="メイリオ" panose="020B0604030504040204" pitchFamily="50" charset="-128"/>
+              </a:rPr>
+              <a:t> Register</a:t>
+            </a:r>
+            <a:endParaRPr kumimoji="0" lang="en-US" altLang="ja-JP" sz="1200" b="0" i="0" u="none" strike="noStrike" kern="1200" cap="none" spc="0" normalizeH="0" baseline="0" noProof="0" dirty="0">
+              <a:ln>
+                <a:noFill/>
+              </a:ln>
+              <a:solidFill>
+                <a:prstClr val="black"/>
+              </a:solidFill>
+              <a:effectLst/>
+              <a:uLnTx/>
+              <a:uFillTx/>
+              <a:latin typeface="メイリオ" panose="020B0604030504040204" pitchFamily="50" charset="-128"/>
+              <a:ea typeface="メイリオ" panose="020B0604030504040204" pitchFamily="50" charset="-128"/>
+              <a:cs typeface="+mn-cs"/>
+            </a:endParaRPr>
+          </a:p>
+        </p:txBody>
+      </p:sp>
+      <p:sp>
+        <p:nvSpPr>
+          <p:cNvPr id="62" name="テキスト ボックス 61">
+            <a:extLst>
+              <a:ext uri="{FF2B5EF4-FFF2-40B4-BE49-F238E27FC236}">
+                <a16:creationId xmlns:a16="http://schemas.microsoft.com/office/drawing/2014/main" id="{D2961484-C205-1621-F53A-0A26577D7E60}"/>
+              </a:ext>
+            </a:extLst>
+          </p:cNvPr>
+          <p:cNvSpPr txBox="1"/>
+          <p:nvPr/>
+        </p:nvSpPr>
+        <p:spPr>
+          <a:xfrm>
+            <a:off x="3256193" y="1812106"/>
+            <a:ext cx="3249875" cy="723275"/>
+          </a:xfrm>
+          <a:prstGeom prst="rect">
+            <a:avLst/>
+          </a:prstGeom>
+          <a:noFill/>
+        </p:spPr>
+        <p:txBody>
+          <a:bodyPr wrap="square" tIns="0" rtlCol="0">
+            <a:spAutoFit/>
+          </a:bodyPr>
+          <a:lstStyle/>
+          <a:p>
+            <a:pPr marL="0" marR="0" lvl="0" indent="0" algn="l" defTabSz="457200" rtl="0" eaLnBrk="1" fontAlgn="auto" latinLnBrk="0" hangingPunct="1">
+              <a:lnSpc>
+                <a:spcPct val="100000"/>
+              </a:lnSpc>
+              <a:spcBef>
+                <a:spcPts val="0"/>
+              </a:spcBef>
+              <a:spcAft>
+                <a:spcPts val="0"/>
+              </a:spcAft>
+              <a:buClrTx/>
+              <a:buSzTx/>
+              <a:buFontTx/>
+              <a:buNone/>
+              <a:tabLst/>
+              <a:defRPr/>
+            </a:pPr>
+            <a:r>
+              <a:rPr kumimoji="0" lang="en-US" altLang="ja-JP" sz="1100" b="1" i="0" u="none" strike="noStrike" kern="1200" cap="none" spc="0" normalizeH="0" baseline="0" noProof="0" dirty="0">
+                <a:ln>
+                  <a:noFill/>
+                </a:ln>
+                <a:solidFill>
+                  <a:prstClr val="black"/>
+                </a:solidFill>
+                <a:effectLst/>
+                <a:uLnTx/>
+                <a:uFillTx/>
+                <a:latin typeface="Meirio"/>
+                <a:ea typeface="游ゴシック" panose="020B0400000000000000" pitchFamily="50" charset="-128"/>
+                <a:cs typeface="+mn-cs"/>
+              </a:rPr>
+              <a:t>2. </a:t>
+            </a:r>
+            <a:r>
+              <a:rPr kumimoji="0" lang="en-US" altLang="ja-JP" sz="1100" b="1" i="0" u="none" strike="noStrike" kern="1200" cap="none" spc="0" normalizeH="0" baseline="0" noProof="0" dirty="0">
+                <a:ln>
+                  <a:noFill/>
+                </a:ln>
+                <a:solidFill>
+                  <a:srgbClr val="3366FF"/>
+                </a:solidFill>
+                <a:effectLst/>
+                <a:uLnTx/>
+                <a:uFillTx/>
+                <a:latin typeface="Meirio"/>
+                <a:ea typeface="游ゴシック" panose="020B0400000000000000" pitchFamily="50" charset="-128"/>
+                <a:cs typeface="+mn-cs"/>
+              </a:rPr>
+              <a:t>Register</a:t>
+            </a:r>
+            <a:r>
+              <a:rPr kumimoji="0" lang="ja-JP" altLang="en-US" sz="1100" b="1" i="0" u="none" strike="noStrike" kern="1200" cap="none" spc="0" normalizeH="0" baseline="0" noProof="0" dirty="0">
+                <a:ln>
+                  <a:noFill/>
+                </a:ln>
+                <a:solidFill>
+                  <a:srgbClr val="3366FF"/>
+                </a:solidFill>
+                <a:effectLst/>
+                <a:uLnTx/>
+                <a:uFillTx/>
+                <a:latin typeface="Meirio"/>
+                <a:ea typeface="游ゴシック" panose="020B0400000000000000" pitchFamily="50" charset="-128"/>
+                <a:cs typeface="+mn-cs"/>
+              </a:rPr>
+              <a:t> </a:t>
+            </a:r>
+            <a:r>
+              <a:rPr kumimoji="0" lang="en-US" altLang="ja-JP" sz="1100" b="1" i="0" u="none" strike="noStrike" kern="1200" cap="none" spc="0" normalizeH="0" baseline="0" noProof="0" dirty="0">
+                <a:ln>
+                  <a:noFill/>
+                </a:ln>
+                <a:solidFill>
+                  <a:srgbClr val="3366FF"/>
+                </a:solidFill>
+                <a:effectLst/>
+                <a:uLnTx/>
+                <a:uFillTx/>
+                <a:latin typeface="Meirio"/>
+                <a:ea typeface="游ゴシック" panose="020B0400000000000000" pitchFamily="50" charset="-128"/>
+                <a:cs typeface="+mn-cs"/>
+              </a:rPr>
+              <a:t>Write</a:t>
+            </a:r>
+          </a:p>
+          <a:p>
+            <a:pPr marL="0" marR="0" lvl="0" indent="0" algn="l" defTabSz="457200" rtl="0" eaLnBrk="1" fontAlgn="auto" latinLnBrk="0" hangingPunct="1">
+              <a:lnSpc>
+                <a:spcPct val="100000"/>
+              </a:lnSpc>
+              <a:spcBef>
+                <a:spcPts val="0"/>
+              </a:spcBef>
+              <a:spcAft>
+                <a:spcPts val="0"/>
+              </a:spcAft>
+              <a:buClrTx/>
+              <a:buSzTx/>
+              <a:buFontTx/>
+              <a:buNone/>
+              <a:tabLst/>
+              <a:defRPr/>
+            </a:pPr>
+            <a:r>
+              <a:rPr kumimoji="0" lang="ja-JP" altLang="en-US" sz="1100" b="1" i="0" u="none" strike="noStrike" kern="1200" cap="none" spc="0" normalizeH="0" baseline="0" noProof="0" dirty="0">
+                <a:ln>
+                  <a:noFill/>
+                </a:ln>
+                <a:solidFill>
+                  <a:prstClr val="black"/>
+                </a:solidFill>
+                <a:effectLst/>
+                <a:uLnTx/>
+                <a:uFillTx/>
+                <a:latin typeface="Meirio"/>
+                <a:ea typeface="游ゴシック" panose="020B0400000000000000" pitchFamily="50" charset="-128"/>
+                <a:cs typeface="+mn-cs"/>
+              </a:rPr>
+              <a:t>　</a:t>
+            </a:r>
+            <a:r>
+              <a:rPr kumimoji="0" lang="en-US" altLang="ja-JP" sz="1100" b="1" i="0" u="none" strike="noStrike" kern="1200" cap="none" spc="0" normalizeH="0" baseline="0" noProof="0" dirty="0">
+                <a:ln>
+                  <a:noFill/>
+                </a:ln>
+                <a:solidFill>
+                  <a:prstClr val="black"/>
+                </a:solidFill>
+                <a:effectLst/>
+                <a:uLnTx/>
+                <a:uFillTx/>
+                <a:latin typeface="Meirio"/>
+                <a:ea typeface="游ゴシック" panose="020B0400000000000000" pitchFamily="50" charset="-128"/>
+                <a:cs typeface="+mn-cs"/>
+              </a:rPr>
+              <a:t>BHM Software Access Control Register</a:t>
+            </a:r>
+          </a:p>
+          <a:p>
+            <a:pPr marL="0" marR="0" lvl="0" indent="0" algn="l" defTabSz="457200" rtl="0" eaLnBrk="1" fontAlgn="auto" latinLnBrk="0" hangingPunct="1">
+              <a:lnSpc>
+                <a:spcPct val="100000"/>
+              </a:lnSpc>
+              <a:spcBef>
+                <a:spcPts val="0"/>
+              </a:spcBef>
+              <a:spcAft>
+                <a:spcPts val="0"/>
+              </a:spcAft>
+              <a:buClrTx/>
+              <a:buSzTx/>
+              <a:buFontTx/>
+              <a:buNone/>
+              <a:tabLst/>
+              <a:defRPr/>
+            </a:pPr>
+            <a:r>
+              <a:rPr kumimoji="0" lang="ja-JP" altLang="en-US" sz="1100" b="1" i="0" u="none" strike="noStrike" kern="1200" cap="none" spc="0" normalizeH="0" baseline="0" noProof="0" dirty="0">
+                <a:ln>
+                  <a:noFill/>
+                </a:ln>
+                <a:solidFill>
+                  <a:prstClr val="black"/>
+                </a:solidFill>
+                <a:effectLst/>
+                <a:uLnTx/>
+                <a:uFillTx/>
+                <a:latin typeface="Meirio"/>
+                <a:ea typeface="游ゴシック" panose="020B0400000000000000" pitchFamily="50" charset="-128"/>
+                <a:cs typeface="+mn-cs"/>
+              </a:rPr>
+              <a:t>　</a:t>
+            </a:r>
+            <a:r>
+              <a:rPr kumimoji="0" lang="en-US" altLang="ja-JP" sz="1100" b="0" i="0" u="none" strike="noStrike" kern="1200" cap="none" spc="0" normalizeH="0" baseline="0" noProof="0" dirty="0">
+                <a:ln>
+                  <a:noFill/>
+                </a:ln>
+                <a:solidFill>
+                  <a:prstClr val="black"/>
+                </a:solidFill>
+                <a:effectLst/>
+                <a:uLnTx/>
+                <a:uFillTx/>
+                <a:latin typeface="Meirio"/>
+                <a:ea typeface="游ゴシック" panose="020B0400000000000000" pitchFamily="50" charset="-128"/>
+                <a:cs typeface="+mn-cs"/>
+              </a:rPr>
+              <a:t>Write Data:</a:t>
+            </a:r>
+            <a:r>
+              <a:rPr kumimoji="0" lang="ja-JP" altLang="en-US" sz="1100" b="0" i="0" u="none" strike="noStrike" kern="1200" cap="none" spc="0" normalizeH="0" baseline="0" noProof="0" dirty="0">
+                <a:ln>
+                  <a:noFill/>
+                </a:ln>
+                <a:solidFill>
+                  <a:prstClr val="black"/>
+                </a:solidFill>
+                <a:effectLst/>
+                <a:uLnTx/>
+                <a:uFillTx/>
+                <a:latin typeface="Meirio"/>
+                <a:ea typeface="游ゴシック" panose="020B0400000000000000" pitchFamily="50" charset="-128"/>
+                <a:cs typeface="+mn-cs"/>
+              </a:rPr>
+              <a:t> </a:t>
+            </a:r>
+            <a:r>
+              <a:rPr kumimoji="0" lang="en-US" altLang="ja-JP" sz="1100" b="0" i="0" u="none" strike="noStrike" kern="1200" cap="none" spc="0" normalizeH="0" baseline="0" noProof="0" dirty="0">
+                <a:ln>
+                  <a:noFill/>
+                </a:ln>
+                <a:solidFill>
+                  <a:prstClr val="black"/>
+                </a:solidFill>
+                <a:effectLst/>
+                <a:uLnTx/>
+                <a:uFillTx/>
+                <a:latin typeface="Meirio"/>
+                <a:ea typeface="游ゴシック" panose="020B0400000000000000" pitchFamily="50" charset="-128"/>
+                <a:cs typeface="+mn-cs"/>
+              </a:rPr>
+              <a:t>{SWACCREQ, SWDEVSEL[2:0], </a:t>
+            </a:r>
+          </a:p>
+          <a:p>
+            <a:pPr marL="0" marR="0" lvl="0" indent="0" algn="l" defTabSz="457200" rtl="0" eaLnBrk="1" fontAlgn="auto" latinLnBrk="0" hangingPunct="1">
+              <a:lnSpc>
+                <a:spcPct val="100000"/>
+              </a:lnSpc>
+              <a:spcBef>
+                <a:spcPts val="0"/>
+              </a:spcBef>
+              <a:spcAft>
+                <a:spcPts val="0"/>
+              </a:spcAft>
+              <a:buClrTx/>
+              <a:buSzTx/>
+              <a:buFontTx/>
+              <a:buNone/>
+              <a:tabLst/>
+              <a:defRPr/>
+            </a:pPr>
+            <a:r>
+              <a:rPr kumimoji="0" lang="ja-JP" altLang="en-US" sz="1100" b="0" i="0" u="none" strike="noStrike" kern="1200" cap="none" spc="0" normalizeH="0" baseline="0" noProof="0" dirty="0">
+                <a:ln>
+                  <a:noFill/>
+                </a:ln>
+                <a:solidFill>
+                  <a:prstClr val="black"/>
+                </a:solidFill>
+                <a:effectLst/>
+                <a:uLnTx/>
+                <a:uFillTx/>
+                <a:latin typeface="Meirio"/>
+                <a:ea typeface="游ゴシック" panose="020B0400000000000000" pitchFamily="50" charset="-128"/>
+                <a:cs typeface="+mn-cs"/>
+              </a:rPr>
+              <a:t>　　　　　　  </a:t>
+            </a:r>
+            <a:r>
+              <a:rPr kumimoji="0" lang="en-US" altLang="ja-JP" sz="1100" b="0" i="0" u="none" strike="noStrike" kern="1200" cap="none" spc="0" normalizeH="0" baseline="0" noProof="0" dirty="0">
+                <a:ln>
+                  <a:noFill/>
+                </a:ln>
+                <a:solidFill>
+                  <a:prstClr val="black"/>
+                </a:solidFill>
+                <a:effectLst/>
+                <a:uLnTx/>
+                <a:uFillTx/>
+                <a:latin typeface="Meirio"/>
+                <a:ea typeface="游ゴシック" panose="020B0400000000000000" pitchFamily="50" charset="-128"/>
+                <a:cs typeface="+mn-cs"/>
+              </a:rPr>
+              <a:t>SWREGADR[7:0], SWRWSEL}</a:t>
+            </a:r>
+          </a:p>
+        </p:txBody>
+      </p:sp>
+      <p:cxnSp>
+        <p:nvCxnSpPr>
+          <p:cNvPr id="63" name="直線コネクタ 62">
+            <a:extLst>
+              <a:ext uri="{FF2B5EF4-FFF2-40B4-BE49-F238E27FC236}">
+                <a16:creationId xmlns:a16="http://schemas.microsoft.com/office/drawing/2014/main" id="{BC1362A1-2769-D96A-212C-27460FD4DE21}"/>
+              </a:ext>
+            </a:extLst>
+          </p:cNvPr>
+          <p:cNvCxnSpPr>
+            <a:cxnSpLocks/>
+          </p:cNvCxnSpPr>
+          <p:nvPr/>
+        </p:nvCxnSpPr>
+        <p:spPr>
+          <a:xfrm>
+            <a:off x="3256193" y="1812106"/>
+            <a:ext cx="0" cy="477024"/>
+          </a:xfrm>
+          <a:prstGeom prst="line">
+            <a:avLst/>
+          </a:prstGeom>
+          <a:ln w="28575">
+            <a:solidFill>
+              <a:schemeClr val="accent1"/>
+            </a:solidFill>
+          </a:ln>
+        </p:spPr>
+        <p:style>
+          <a:lnRef idx="1">
+            <a:schemeClr val="accent1"/>
+          </a:lnRef>
+          <a:fillRef idx="0">
+            <a:schemeClr val="accent1"/>
+          </a:fillRef>
+          <a:effectRef idx="0">
+            <a:schemeClr val="accent1"/>
+          </a:effectRef>
+          <a:fontRef idx="minor">
+            <a:schemeClr val="tx1"/>
+          </a:fontRef>
+        </p:style>
+      </p:cxnSp>
+      <p:cxnSp>
+        <p:nvCxnSpPr>
+          <p:cNvPr id="83" name="直線矢印コネクタ 82">
+            <a:extLst>
+              <a:ext uri="{FF2B5EF4-FFF2-40B4-BE49-F238E27FC236}">
+                <a16:creationId xmlns:a16="http://schemas.microsoft.com/office/drawing/2014/main" id="{BFC98DC1-A320-CBAB-5345-1C3D81A74DA5}"/>
+              </a:ext>
+            </a:extLst>
+          </p:cNvPr>
+          <p:cNvCxnSpPr>
+            <a:cxnSpLocks/>
+          </p:cNvCxnSpPr>
+          <p:nvPr/>
+        </p:nvCxnSpPr>
+        <p:spPr>
+          <a:xfrm flipH="1">
+            <a:off x="142875" y="3110457"/>
+            <a:ext cx="853893" cy="0"/>
+          </a:xfrm>
+          <a:prstGeom prst="straightConnector1">
+            <a:avLst/>
+          </a:prstGeom>
+          <a:ln w="28575">
+            <a:solidFill>
+              <a:schemeClr val="tx1"/>
+            </a:solidFill>
+            <a:headEnd type="none" w="med" len="med"/>
+            <a:tailEnd type="arrow" w="med" len="med"/>
+          </a:ln>
+        </p:spPr>
+        <p:style>
+          <a:lnRef idx="1">
+            <a:schemeClr val="accent1"/>
+          </a:lnRef>
+          <a:fillRef idx="0">
+            <a:schemeClr val="accent1"/>
+          </a:fillRef>
+          <a:effectRef idx="0">
+            <a:schemeClr val="accent1"/>
+          </a:effectRef>
+          <a:fontRef idx="minor">
+            <a:schemeClr val="tx1"/>
+          </a:fontRef>
+        </p:style>
+      </p:cxnSp>
+      <p:sp>
+        <p:nvSpPr>
+          <p:cNvPr id="85" name="テキスト ボックス 84">
+            <a:extLst>
+              <a:ext uri="{FF2B5EF4-FFF2-40B4-BE49-F238E27FC236}">
+                <a16:creationId xmlns:a16="http://schemas.microsoft.com/office/drawing/2014/main" id="{AC7883F7-F75E-D14C-311B-CEB485D554C0}"/>
+              </a:ext>
+            </a:extLst>
+          </p:cNvPr>
+          <p:cNvSpPr txBox="1"/>
+          <p:nvPr/>
+        </p:nvSpPr>
+        <p:spPr>
+          <a:xfrm>
+            <a:off x="3256193" y="3824589"/>
+            <a:ext cx="3328503" cy="1061829"/>
+          </a:xfrm>
+          <a:prstGeom prst="rect">
+            <a:avLst/>
+          </a:prstGeom>
+          <a:noFill/>
+        </p:spPr>
+        <p:txBody>
+          <a:bodyPr wrap="square" tIns="0" rtlCol="0">
+            <a:spAutoFit/>
+          </a:bodyPr>
+          <a:lstStyle/>
+          <a:p>
+            <a:pPr marL="0" marR="0" lvl="0" indent="0" algn="l" defTabSz="457200" rtl="0" eaLnBrk="1" fontAlgn="auto" latinLnBrk="0" hangingPunct="1">
+              <a:lnSpc>
+                <a:spcPct val="100000"/>
+              </a:lnSpc>
+              <a:spcBef>
+                <a:spcPts val="0"/>
+              </a:spcBef>
+              <a:spcAft>
+                <a:spcPts val="0"/>
+              </a:spcAft>
+              <a:buClrTx/>
+              <a:buSzTx/>
+              <a:buFontTx/>
+              <a:buNone/>
+              <a:tabLst/>
+              <a:defRPr/>
+            </a:pPr>
+            <a:r>
+              <a:rPr kumimoji="0" lang="en-US" altLang="ja-JP" sz="1100" b="1" i="0" u="none" strike="noStrike" kern="1200" cap="none" spc="0" normalizeH="0" baseline="0" noProof="0" dirty="0">
+                <a:ln>
+                  <a:noFill/>
+                </a:ln>
+                <a:solidFill>
+                  <a:prstClr val="black"/>
+                </a:solidFill>
+                <a:effectLst/>
+                <a:uLnTx/>
+                <a:uFillTx/>
+                <a:latin typeface="Meirio"/>
+                <a:ea typeface="游ゴシック" panose="020B0400000000000000" pitchFamily="50" charset="-128"/>
+                <a:cs typeface="+mn-cs"/>
+              </a:rPr>
+              <a:t>4. </a:t>
+            </a:r>
+            <a:r>
+              <a:rPr kumimoji="0" lang="en-US" altLang="ja-JP" sz="1100" b="1" i="0" u="none" strike="noStrike" kern="1200" cap="none" spc="0" normalizeH="0" baseline="0" noProof="0" dirty="0">
+                <a:ln>
+                  <a:noFill/>
+                </a:ln>
+                <a:solidFill>
+                  <a:srgbClr val="3366FF"/>
+                </a:solidFill>
+                <a:effectLst/>
+                <a:uLnTx/>
+                <a:uFillTx/>
+                <a:latin typeface="Meirio"/>
+                <a:ea typeface="游ゴシック" panose="020B0400000000000000" pitchFamily="50" charset="-128"/>
+                <a:cs typeface="+mn-cs"/>
+              </a:rPr>
+              <a:t>Register</a:t>
+            </a:r>
+            <a:r>
+              <a:rPr kumimoji="0" lang="ja-JP" altLang="en-US" sz="1100" b="1" i="0" u="none" strike="noStrike" kern="1200" cap="none" spc="0" normalizeH="0" baseline="0" noProof="0" dirty="0">
+                <a:ln>
+                  <a:noFill/>
+                </a:ln>
+                <a:solidFill>
+                  <a:srgbClr val="3366FF"/>
+                </a:solidFill>
+                <a:effectLst/>
+                <a:uLnTx/>
+                <a:uFillTx/>
+                <a:latin typeface="Meirio"/>
+                <a:ea typeface="游ゴシック" panose="020B0400000000000000" pitchFamily="50" charset="-128"/>
+                <a:cs typeface="+mn-cs"/>
+              </a:rPr>
+              <a:t> </a:t>
+            </a:r>
+            <a:r>
+              <a:rPr kumimoji="0" lang="en-US" altLang="ja-JP" sz="1100" b="1" i="0" u="none" strike="noStrike" kern="1200" cap="none" spc="0" normalizeH="0" baseline="0" noProof="0" dirty="0">
+                <a:ln>
+                  <a:noFill/>
+                </a:ln>
+                <a:solidFill>
+                  <a:srgbClr val="3366FF"/>
+                </a:solidFill>
+                <a:effectLst/>
+                <a:uLnTx/>
+                <a:uFillTx/>
+                <a:latin typeface="Meirio"/>
+                <a:ea typeface="游ゴシック" panose="020B0400000000000000" pitchFamily="50" charset="-128"/>
+                <a:cs typeface="+mn-cs"/>
+              </a:rPr>
+              <a:t>Write</a:t>
+            </a:r>
+          </a:p>
+          <a:p>
+            <a:pPr marL="0" marR="0" lvl="0" indent="0" algn="l" defTabSz="457200" rtl="0" eaLnBrk="1" fontAlgn="auto" latinLnBrk="0" hangingPunct="1">
+              <a:lnSpc>
+                <a:spcPct val="100000"/>
+              </a:lnSpc>
+              <a:spcBef>
+                <a:spcPts val="0"/>
+              </a:spcBef>
+              <a:spcAft>
+                <a:spcPts val="0"/>
+              </a:spcAft>
+              <a:buClrTx/>
+              <a:buSzTx/>
+              <a:buFontTx/>
+              <a:buNone/>
+              <a:tabLst/>
+              <a:defRPr/>
+            </a:pPr>
+            <a:r>
+              <a:rPr kumimoji="0" lang="ja-JP" altLang="en-US" sz="1100" b="1" i="0" u="none" strike="noStrike" kern="1200" cap="none" spc="0" normalizeH="0" baseline="0" noProof="0" dirty="0">
+                <a:ln>
+                  <a:noFill/>
+                </a:ln>
+                <a:solidFill>
+                  <a:srgbClr val="3366FF"/>
+                </a:solidFill>
+                <a:effectLst/>
+                <a:uLnTx/>
+                <a:uFillTx/>
+                <a:latin typeface="Meirio"/>
+                <a:ea typeface="游ゴシック" panose="020B0400000000000000" pitchFamily="50" charset="-128"/>
+                <a:cs typeface="+mn-cs"/>
+              </a:rPr>
+              <a:t>　</a:t>
+            </a:r>
+            <a:r>
+              <a:rPr kumimoji="0" lang="en-US" altLang="ja-JP" sz="1100" b="1" i="0" u="none" strike="noStrike" kern="1200" cap="none" spc="0" normalizeH="0" baseline="0" noProof="0" dirty="0">
+                <a:ln>
+                  <a:noFill/>
+                </a:ln>
+                <a:solidFill>
+                  <a:prstClr val="black"/>
+                </a:solidFill>
+                <a:effectLst/>
+                <a:uLnTx/>
+                <a:uFillTx/>
+                <a:latin typeface="Meirio"/>
+                <a:ea typeface="游ゴシック" panose="020B0400000000000000" pitchFamily="50" charset="-128"/>
+                <a:cs typeface="+mn-cs"/>
+              </a:rPr>
+              <a:t>BHM Interrupt Status Register</a:t>
+            </a:r>
+          </a:p>
+          <a:p>
+            <a:pPr marL="0" marR="0" lvl="0" indent="0" algn="l" defTabSz="457200" rtl="0" eaLnBrk="1" fontAlgn="auto" latinLnBrk="0" hangingPunct="1">
+              <a:lnSpc>
+                <a:spcPct val="100000"/>
+              </a:lnSpc>
+              <a:spcBef>
+                <a:spcPts val="0"/>
+              </a:spcBef>
+              <a:spcAft>
+                <a:spcPts val="0"/>
+              </a:spcAft>
+              <a:buClrTx/>
+              <a:buSzTx/>
+              <a:buFontTx/>
+              <a:buNone/>
+              <a:tabLst/>
+              <a:defRPr/>
+            </a:pPr>
+            <a:r>
+              <a:rPr kumimoji="0" lang="ja-JP" altLang="en-US" sz="1100" b="0" i="0" u="none" strike="noStrike" kern="1200" cap="none" spc="0" normalizeH="0" baseline="0" noProof="0" dirty="0">
+                <a:ln>
+                  <a:noFill/>
+                </a:ln>
+                <a:solidFill>
+                  <a:prstClr val="black"/>
+                </a:solidFill>
+                <a:effectLst/>
+                <a:uLnTx/>
+                <a:uFillTx/>
+                <a:latin typeface="Meirio"/>
+                <a:ea typeface="游ゴシック" panose="020B0400000000000000" pitchFamily="50" charset="-128"/>
+                <a:cs typeface="+mn-cs"/>
+              </a:rPr>
+              <a:t>　</a:t>
+            </a:r>
+            <a:r>
+              <a:rPr kumimoji="0" lang="en-US" altLang="ja-JP" sz="1100" b="0" i="0" u="none" strike="noStrike" kern="1200" cap="none" spc="0" normalizeH="0" baseline="0" noProof="0" dirty="0">
+                <a:ln>
+                  <a:noFill/>
+                </a:ln>
+                <a:solidFill>
+                  <a:prstClr val="black"/>
+                </a:solidFill>
+                <a:effectLst/>
+                <a:uLnTx/>
+                <a:uFillTx/>
+                <a:latin typeface="Meirio"/>
+                <a:ea typeface="游ゴシック" panose="020B0400000000000000" pitchFamily="50" charset="-128"/>
+                <a:cs typeface="+mn-cs"/>
+              </a:rPr>
+              <a:t>Write Data: 0x00000002</a:t>
+            </a:r>
+          </a:p>
+          <a:p>
+            <a:pPr marL="0" marR="0" lvl="0" indent="0" algn="l" defTabSz="457200" rtl="0" eaLnBrk="1" fontAlgn="auto" latinLnBrk="0" hangingPunct="1">
+              <a:lnSpc>
+                <a:spcPct val="100000"/>
+              </a:lnSpc>
+              <a:spcBef>
+                <a:spcPts val="0"/>
+              </a:spcBef>
+              <a:spcAft>
+                <a:spcPts val="0"/>
+              </a:spcAft>
+              <a:buClrTx/>
+              <a:buSzTx/>
+              <a:buFontTx/>
+              <a:buNone/>
+              <a:tabLst/>
+              <a:defRPr/>
+            </a:pPr>
+            <a:r>
+              <a:rPr kumimoji="0" lang="ja-JP" altLang="en-US" sz="1100" b="1" i="0" u="none" strike="noStrike" kern="1200" cap="none" spc="0" normalizeH="0" baseline="0" noProof="0" dirty="0">
+                <a:ln>
+                  <a:noFill/>
+                </a:ln>
+                <a:solidFill>
+                  <a:srgbClr val="70AD47"/>
+                </a:solidFill>
+                <a:effectLst/>
+                <a:uLnTx/>
+                <a:uFillTx/>
+                <a:latin typeface="Meirio"/>
+                <a:ea typeface="游ゴシック" panose="020B0400000000000000" pitchFamily="50" charset="-128"/>
+                <a:cs typeface="+mn-cs"/>
+              </a:rPr>
+              <a:t>　</a:t>
+            </a:r>
+            <a:r>
+              <a:rPr kumimoji="0" lang="en-US" altLang="ja-JP" sz="1100" b="1" i="0" u="none" strike="noStrike" kern="1200" cap="none" spc="0" normalizeH="0" baseline="0" noProof="0" dirty="0">
+                <a:ln>
+                  <a:noFill/>
+                </a:ln>
+                <a:solidFill>
+                  <a:srgbClr val="70AD47"/>
+                </a:solidFill>
+                <a:effectLst/>
+                <a:uLnTx/>
+                <a:uFillTx/>
+                <a:latin typeface="Meirio"/>
+                <a:ea typeface="游ゴシック" panose="020B0400000000000000" pitchFamily="50" charset="-128"/>
+                <a:cs typeface="+mn-cs"/>
+              </a:rPr>
+              <a:t>Register</a:t>
+            </a:r>
+            <a:r>
+              <a:rPr kumimoji="0" lang="ja-JP" altLang="en-US" sz="1100" b="1" i="0" u="none" strike="noStrike" kern="1200" cap="none" spc="0" normalizeH="0" baseline="0" noProof="0" dirty="0">
+                <a:ln>
+                  <a:noFill/>
+                </a:ln>
+                <a:solidFill>
+                  <a:srgbClr val="70AD47"/>
+                </a:solidFill>
+                <a:effectLst/>
+                <a:uLnTx/>
+                <a:uFillTx/>
+                <a:latin typeface="Meirio"/>
+                <a:ea typeface="游ゴシック" panose="020B0400000000000000" pitchFamily="50" charset="-128"/>
+                <a:cs typeface="+mn-cs"/>
+              </a:rPr>
+              <a:t> </a:t>
+            </a:r>
+            <a:r>
+              <a:rPr kumimoji="0" lang="en-US" altLang="ja-JP" sz="1100" b="1" i="0" u="none" strike="noStrike" kern="1200" cap="none" spc="0" normalizeH="0" baseline="0" noProof="0" dirty="0">
+                <a:ln>
+                  <a:noFill/>
+                </a:ln>
+                <a:solidFill>
+                  <a:srgbClr val="70AD47"/>
+                </a:solidFill>
+                <a:effectLst/>
+                <a:uLnTx/>
+                <a:uFillTx/>
+                <a:latin typeface="Meirio"/>
+                <a:ea typeface="游ゴシック" panose="020B0400000000000000" pitchFamily="50" charset="-128"/>
+                <a:cs typeface="+mn-cs"/>
+              </a:rPr>
+              <a:t>Read</a:t>
+            </a:r>
+          </a:p>
+          <a:p>
+            <a:pPr marL="0" marR="0" lvl="0" indent="0" algn="l" defTabSz="457200" rtl="0" eaLnBrk="1" fontAlgn="auto" latinLnBrk="0" hangingPunct="1">
+              <a:lnSpc>
+                <a:spcPct val="100000"/>
+              </a:lnSpc>
+              <a:spcBef>
+                <a:spcPts val="0"/>
+              </a:spcBef>
+              <a:spcAft>
+                <a:spcPts val="0"/>
+              </a:spcAft>
+              <a:buClrTx/>
+              <a:buSzTx/>
+              <a:buFontTx/>
+              <a:buNone/>
+              <a:tabLst/>
+              <a:defRPr/>
+            </a:pPr>
+            <a:r>
+              <a:rPr kumimoji="0" lang="ja-JP" altLang="en-US" sz="1100" b="1" i="0" u="none" strike="noStrike" kern="1200" cap="none" spc="0" normalizeH="0" baseline="0" noProof="0" dirty="0">
+                <a:ln>
+                  <a:noFill/>
+                </a:ln>
+                <a:solidFill>
+                  <a:srgbClr val="70AD47"/>
+                </a:solidFill>
+                <a:effectLst/>
+                <a:uLnTx/>
+                <a:uFillTx/>
+                <a:latin typeface="Meirio"/>
+                <a:ea typeface="游ゴシック" panose="020B0400000000000000" pitchFamily="50" charset="-128"/>
+                <a:cs typeface="+mn-cs"/>
+              </a:rPr>
+              <a:t>　</a:t>
+            </a:r>
+            <a:r>
+              <a:rPr kumimoji="0" lang="en-US" altLang="ja-JP" sz="1100" b="1" i="0" u="none" strike="noStrike" kern="1200" cap="none" spc="0" normalizeH="0" baseline="0" noProof="0" dirty="0">
+                <a:ln>
+                  <a:noFill/>
+                </a:ln>
+                <a:solidFill>
+                  <a:prstClr val="black"/>
+                </a:solidFill>
+                <a:effectLst/>
+                <a:uLnTx/>
+                <a:uFillTx/>
+                <a:latin typeface="Meirio"/>
+                <a:ea typeface="游ゴシック" panose="020B0400000000000000" pitchFamily="50" charset="-128"/>
+                <a:cs typeface="+mn-cs"/>
+              </a:rPr>
+              <a:t>BHM Interrupt Status Register</a:t>
+            </a:r>
+          </a:p>
+          <a:p>
+            <a:pPr marL="0" marR="0" lvl="0" indent="0" algn="l" defTabSz="457200" rtl="0" eaLnBrk="1" fontAlgn="auto" latinLnBrk="0" hangingPunct="1">
+              <a:lnSpc>
+                <a:spcPct val="100000"/>
+              </a:lnSpc>
+              <a:spcBef>
+                <a:spcPts val="0"/>
+              </a:spcBef>
+              <a:spcAft>
+                <a:spcPts val="0"/>
+              </a:spcAft>
+              <a:buClrTx/>
+              <a:buSzTx/>
+              <a:buFontTx/>
+              <a:buNone/>
+              <a:tabLst/>
+              <a:defRPr/>
+            </a:pPr>
+            <a:r>
+              <a:rPr kumimoji="0" lang="ja-JP" altLang="en-US" sz="1100" b="0" i="0" u="none" strike="noStrike" kern="1200" cap="none" spc="0" normalizeH="0" baseline="0" noProof="0" dirty="0">
+                <a:ln>
+                  <a:noFill/>
+                </a:ln>
+                <a:solidFill>
+                  <a:prstClr val="black"/>
+                </a:solidFill>
+                <a:effectLst/>
+                <a:uLnTx/>
+                <a:uFillTx/>
+                <a:latin typeface="Meirio"/>
+                <a:ea typeface="游ゴシック" panose="020B0400000000000000" pitchFamily="50" charset="-128"/>
+                <a:cs typeface="+mn-cs"/>
+              </a:rPr>
+              <a:t>　</a:t>
+            </a:r>
+            <a:r>
+              <a:rPr kumimoji="0" lang="en-US" altLang="ja-JP" sz="1100" b="0" i="0" u="none" strike="noStrike" kern="1200" cap="none" spc="0" normalizeH="0" baseline="0" noProof="0" dirty="0">
+                <a:ln>
+                  <a:noFill/>
+                </a:ln>
+                <a:solidFill>
+                  <a:prstClr val="black"/>
+                </a:solidFill>
+                <a:effectLst/>
+                <a:uLnTx/>
+                <a:uFillTx/>
+                <a:latin typeface="Meirio"/>
+                <a:ea typeface="游ゴシック" panose="020B0400000000000000" pitchFamily="50" charset="-128"/>
+                <a:cs typeface="+mn-cs"/>
+              </a:rPr>
+              <a:t>Read Data: 0x00000000</a:t>
+            </a:r>
+          </a:p>
+        </p:txBody>
+      </p:sp>
+      <p:cxnSp>
+        <p:nvCxnSpPr>
+          <p:cNvPr id="86" name="直線矢印コネクタ 85">
+            <a:extLst>
+              <a:ext uri="{FF2B5EF4-FFF2-40B4-BE49-F238E27FC236}">
+                <a16:creationId xmlns:a16="http://schemas.microsoft.com/office/drawing/2014/main" id="{836C28B2-C6D3-71F8-EFBE-2D64F0D968B9}"/>
+              </a:ext>
+            </a:extLst>
+          </p:cNvPr>
+          <p:cNvCxnSpPr>
+            <a:cxnSpLocks/>
+          </p:cNvCxnSpPr>
+          <p:nvPr/>
+        </p:nvCxnSpPr>
+        <p:spPr>
+          <a:xfrm>
+            <a:off x="1855236" y="2391204"/>
+            <a:ext cx="0" cy="432000"/>
+          </a:xfrm>
+          <a:prstGeom prst="straightConnector1">
+            <a:avLst/>
+          </a:prstGeom>
+          <a:ln w="28575">
+            <a:solidFill>
+              <a:schemeClr val="tx1"/>
+            </a:solidFill>
+            <a:headEnd type="none" w="med" len="med"/>
+            <a:tailEnd type="arrow" w="med" len="med"/>
+          </a:ln>
+        </p:spPr>
+        <p:style>
+          <a:lnRef idx="1">
+            <a:schemeClr val="accent1"/>
+          </a:lnRef>
+          <a:fillRef idx="0">
+            <a:schemeClr val="accent1"/>
+          </a:fillRef>
+          <a:effectRef idx="0">
+            <a:schemeClr val="accent1"/>
+          </a:effectRef>
+          <a:fontRef idx="minor">
+            <a:schemeClr val="tx1"/>
+          </a:fontRef>
+        </p:style>
+      </p:cxnSp>
+      <p:sp>
+        <p:nvSpPr>
+          <p:cNvPr id="87" name="フローチャート: 判断 86">
+            <a:extLst>
+              <a:ext uri="{FF2B5EF4-FFF2-40B4-BE49-F238E27FC236}">
+                <a16:creationId xmlns:a16="http://schemas.microsoft.com/office/drawing/2014/main" id="{BB846F24-8019-3427-B19E-E78AC378A666}"/>
+              </a:ext>
+            </a:extLst>
+          </p:cNvPr>
+          <p:cNvSpPr/>
+          <p:nvPr/>
+        </p:nvSpPr>
+        <p:spPr>
+          <a:xfrm>
+            <a:off x="919135" y="2825274"/>
+            <a:ext cx="1872202" cy="576064"/>
+          </a:xfrm>
+          <a:prstGeom prst="flowChartDecision">
+            <a:avLst/>
+          </a:prstGeom>
+        </p:spPr>
+        <p:style>
+          <a:lnRef idx="1">
+            <a:schemeClr val="accent2"/>
+          </a:lnRef>
+          <a:fillRef idx="2">
+            <a:schemeClr val="accent2"/>
+          </a:fillRef>
+          <a:effectRef idx="1">
+            <a:schemeClr val="accent2"/>
+          </a:effectRef>
+          <a:fontRef idx="minor">
+            <a:schemeClr val="dk1"/>
+          </a:fontRef>
+        </p:style>
+        <p:txBody>
+          <a:bodyPr lIns="0" rIns="0" rtlCol="0" anchor="ctr"/>
+          <a:lstStyle/>
+          <a:p>
+            <a:pPr marL="0" marR="0" lvl="0" indent="0" algn="ctr" defTabSz="457200" rtl="0" eaLnBrk="1" fontAlgn="auto" latinLnBrk="0" hangingPunct="1">
+              <a:lnSpc>
+                <a:spcPct val="100000"/>
+              </a:lnSpc>
+              <a:spcBef>
+                <a:spcPts val="0"/>
+              </a:spcBef>
+              <a:spcAft>
+                <a:spcPts val="0"/>
+              </a:spcAft>
+              <a:buClrTx/>
+              <a:buSzTx/>
+              <a:buFontTx/>
+              <a:buNone/>
+              <a:tabLst/>
+              <a:defRPr/>
+            </a:pPr>
+            <a:endParaRPr kumimoji="1" lang="ja-JP" altLang="en-US" sz="1050" b="0" i="0" u="none" strike="noStrike" kern="1200" cap="none" spc="0" normalizeH="0" baseline="0" noProof="0" dirty="0">
+              <a:ln>
+                <a:noFill/>
+              </a:ln>
+              <a:solidFill>
+                <a:prstClr val="black"/>
+              </a:solidFill>
+              <a:effectLst/>
+              <a:uLnTx/>
+              <a:uFillTx/>
+              <a:latin typeface="メイリオ" panose="020B0604030504040204" pitchFamily="50" charset="-128"/>
+              <a:ea typeface="メイリオ" panose="020B0604030504040204" pitchFamily="50" charset="-128"/>
+              <a:cs typeface="+mn-cs"/>
+            </a:endParaRPr>
+          </a:p>
+        </p:txBody>
+      </p:sp>
+      <p:sp>
+        <p:nvSpPr>
+          <p:cNvPr id="88" name="正方形/長方形 87">
+            <a:extLst>
+              <a:ext uri="{FF2B5EF4-FFF2-40B4-BE49-F238E27FC236}">
+                <a16:creationId xmlns:a16="http://schemas.microsoft.com/office/drawing/2014/main" id="{06846741-DA08-7BC5-C510-FDBB93C94DEC}"/>
+              </a:ext>
+            </a:extLst>
+          </p:cNvPr>
+          <p:cNvSpPr/>
+          <p:nvPr/>
+        </p:nvSpPr>
+        <p:spPr>
+          <a:xfrm>
+            <a:off x="996768" y="3049669"/>
+            <a:ext cx="1716936" cy="288032"/>
+          </a:xfrm>
+          <a:prstGeom prst="rect">
+            <a:avLst/>
+          </a:prstGeom>
+          <a:noFill/>
+          <a:ln>
+            <a:noFill/>
+          </a:ln>
+        </p:spPr>
+        <p:style>
+          <a:lnRef idx="1">
+            <a:schemeClr val="accent5"/>
+          </a:lnRef>
+          <a:fillRef idx="2">
+            <a:schemeClr val="accent5"/>
+          </a:fillRef>
+          <a:effectRef idx="1">
+            <a:schemeClr val="accent5"/>
+          </a:effectRef>
+          <a:fontRef idx="minor">
+            <a:schemeClr val="dk1"/>
+          </a:fontRef>
+        </p:style>
+        <p:txBody>
+          <a:bodyPr rtlCol="0" anchor="ctr"/>
+          <a:lstStyle/>
+          <a:p>
+            <a:pPr marL="0" marR="0" lvl="0" indent="0" algn="ctr" defTabSz="457200" rtl="0" eaLnBrk="1" fontAlgn="auto" latinLnBrk="0" hangingPunct="1">
+              <a:lnSpc>
+                <a:spcPct val="100000"/>
+              </a:lnSpc>
+              <a:spcBef>
+                <a:spcPts val="0"/>
+              </a:spcBef>
+              <a:spcAft>
+                <a:spcPts val="0"/>
+              </a:spcAft>
+              <a:buClrTx/>
+              <a:buSzTx/>
+              <a:buFontTx/>
+              <a:buNone/>
+              <a:tabLst/>
+              <a:defRPr/>
+            </a:pPr>
+            <a:r>
+              <a:rPr kumimoji="0" lang="en-US" altLang="ja-JP" sz="1200" b="0" i="0" u="none" strike="noStrike" kern="1200" cap="none" spc="0" normalizeH="0" baseline="0" noProof="0" dirty="0">
+                <a:ln>
+                  <a:noFill/>
+                </a:ln>
+                <a:solidFill>
+                  <a:prstClr val="black"/>
+                </a:solidFill>
+                <a:effectLst/>
+                <a:uLnTx/>
+                <a:uFillTx/>
+                <a:latin typeface="メイリオ" panose="020B0604030504040204" pitchFamily="50" charset="-128"/>
+                <a:ea typeface="メイリオ" panose="020B0604030504040204" pitchFamily="50" charset="-128"/>
+                <a:cs typeface="+mn-cs"/>
+              </a:rPr>
+              <a:t>SYSMON_HBM_INT</a:t>
+            </a:r>
+          </a:p>
+          <a:p>
+            <a:pPr marL="0" marR="0" lvl="0" indent="0" algn="ctr" defTabSz="457200" rtl="0" eaLnBrk="1" fontAlgn="auto" latinLnBrk="0" hangingPunct="1">
+              <a:lnSpc>
+                <a:spcPct val="100000"/>
+              </a:lnSpc>
+              <a:spcBef>
+                <a:spcPts val="0"/>
+              </a:spcBef>
+              <a:spcAft>
+                <a:spcPts val="0"/>
+              </a:spcAft>
+              <a:buClrTx/>
+              <a:buSzTx/>
+              <a:buFontTx/>
+              <a:buNone/>
+              <a:tabLst/>
+              <a:defRPr/>
+            </a:pPr>
+            <a:r>
+              <a:rPr kumimoji="0" lang="en-US" altLang="ja-JP" sz="1200" b="0" i="0" u="none" strike="noStrike" kern="1200" cap="none" spc="0" normalizeH="0" baseline="0" noProof="0" dirty="0">
+                <a:ln>
+                  <a:noFill/>
+                </a:ln>
+                <a:solidFill>
+                  <a:prstClr val="black"/>
+                </a:solidFill>
+                <a:effectLst/>
+                <a:uLnTx/>
+                <a:uFillTx/>
+                <a:latin typeface="メイリオ" panose="020B0604030504040204" pitchFamily="50" charset="-128"/>
+                <a:ea typeface="メイリオ" panose="020B0604030504040204" pitchFamily="50" charset="-128"/>
+                <a:cs typeface="+mn-cs"/>
+              </a:rPr>
+              <a:t>=‘1’</a:t>
+            </a:r>
+          </a:p>
+        </p:txBody>
+      </p:sp>
+      <p:cxnSp>
+        <p:nvCxnSpPr>
+          <p:cNvPr id="89" name="直線矢印コネクタ 88">
+            <a:extLst>
+              <a:ext uri="{FF2B5EF4-FFF2-40B4-BE49-F238E27FC236}">
+                <a16:creationId xmlns:a16="http://schemas.microsoft.com/office/drawing/2014/main" id="{E894BC4A-11C5-46FE-9EEB-F51744167874}"/>
+              </a:ext>
+            </a:extLst>
+          </p:cNvPr>
+          <p:cNvCxnSpPr>
+            <a:cxnSpLocks/>
+          </p:cNvCxnSpPr>
+          <p:nvPr/>
+        </p:nvCxnSpPr>
+        <p:spPr>
+          <a:xfrm>
+            <a:off x="1855236" y="3401263"/>
+            <a:ext cx="0" cy="432000"/>
+          </a:xfrm>
+          <a:prstGeom prst="straightConnector1">
+            <a:avLst/>
+          </a:prstGeom>
+          <a:ln w="28575">
+            <a:solidFill>
+              <a:schemeClr val="tx1"/>
+            </a:solidFill>
+            <a:headEnd type="none" w="med" len="med"/>
+            <a:tailEnd type="arrow" w="med" len="med"/>
+          </a:ln>
+        </p:spPr>
+        <p:style>
+          <a:lnRef idx="1">
+            <a:schemeClr val="accent1"/>
+          </a:lnRef>
+          <a:fillRef idx="0">
+            <a:schemeClr val="accent1"/>
+          </a:fillRef>
+          <a:effectRef idx="0">
+            <a:schemeClr val="accent1"/>
+          </a:effectRef>
+          <a:fontRef idx="minor">
+            <a:schemeClr val="tx1"/>
+          </a:fontRef>
+        </p:style>
+      </p:cxnSp>
+      <p:sp>
+        <p:nvSpPr>
+          <p:cNvPr id="90" name="テキスト ボックス 89">
+            <a:extLst>
+              <a:ext uri="{FF2B5EF4-FFF2-40B4-BE49-F238E27FC236}">
+                <a16:creationId xmlns:a16="http://schemas.microsoft.com/office/drawing/2014/main" id="{F93F6BAC-A4F0-63BF-921E-25CB4627DEF6}"/>
+              </a:ext>
+            </a:extLst>
+          </p:cNvPr>
+          <p:cNvSpPr txBox="1"/>
+          <p:nvPr/>
+        </p:nvSpPr>
+        <p:spPr>
+          <a:xfrm>
+            <a:off x="3256193" y="2825274"/>
+            <a:ext cx="3328503" cy="723275"/>
+          </a:xfrm>
+          <a:prstGeom prst="rect">
+            <a:avLst/>
+          </a:prstGeom>
+          <a:noFill/>
+        </p:spPr>
+        <p:txBody>
+          <a:bodyPr wrap="square" tIns="0" rtlCol="0">
+            <a:spAutoFit/>
+          </a:bodyPr>
+          <a:lstStyle/>
+          <a:p>
+            <a:pPr marL="0" marR="0" lvl="0" indent="0" algn="l" defTabSz="457200" rtl="0" eaLnBrk="1" fontAlgn="auto" latinLnBrk="0" hangingPunct="1">
+              <a:lnSpc>
+                <a:spcPct val="100000"/>
+              </a:lnSpc>
+              <a:spcBef>
+                <a:spcPts val="0"/>
+              </a:spcBef>
+              <a:spcAft>
+                <a:spcPts val="0"/>
+              </a:spcAft>
+              <a:buClrTx/>
+              <a:buSzTx/>
+              <a:buFontTx/>
+              <a:buNone/>
+              <a:tabLst/>
+              <a:defRPr/>
+            </a:pPr>
+            <a:r>
+              <a:rPr kumimoji="0" lang="en-US" altLang="ja-JP" sz="1100" b="1" i="0" u="none" strike="noStrike" kern="1200" cap="none" spc="0" normalizeH="0" baseline="0" noProof="0" dirty="0">
+                <a:ln>
+                  <a:noFill/>
+                </a:ln>
+                <a:solidFill>
+                  <a:prstClr val="black"/>
+                </a:solidFill>
+                <a:effectLst/>
+                <a:uLnTx/>
+                <a:uFillTx/>
+                <a:latin typeface="Meirio"/>
+                <a:ea typeface="游ゴシック" panose="020B0400000000000000" pitchFamily="50" charset="-128"/>
+                <a:cs typeface="+mn-cs"/>
+              </a:rPr>
+              <a:t>3.</a:t>
+            </a:r>
+            <a:r>
+              <a:rPr kumimoji="0" lang="ja-JP" altLang="en-US" sz="1100" b="1" i="0" u="none" strike="noStrike" kern="1200" cap="none" spc="0" normalizeH="0" baseline="0" noProof="0" dirty="0">
+                <a:ln>
+                  <a:noFill/>
+                </a:ln>
+                <a:solidFill>
+                  <a:prstClr val="black"/>
+                </a:solidFill>
+                <a:effectLst/>
+                <a:uLnTx/>
+                <a:uFillTx/>
+                <a:latin typeface="Meirio"/>
+                <a:ea typeface="游ゴシック" panose="020B0400000000000000" pitchFamily="50" charset="-128"/>
+                <a:cs typeface="+mn-cs"/>
+              </a:rPr>
+              <a:t> </a:t>
+            </a:r>
+            <a:r>
+              <a:rPr kumimoji="0" lang="en-US" altLang="ja-JP" sz="1100" b="1" i="0" u="none" strike="noStrike" kern="1200" cap="none" spc="0" normalizeH="0" baseline="0" noProof="0" dirty="0">
+                <a:ln>
+                  <a:noFill/>
+                </a:ln>
+                <a:solidFill>
+                  <a:srgbClr val="ED7D31"/>
+                </a:solidFill>
+                <a:effectLst/>
+                <a:uLnTx/>
+                <a:uFillTx/>
+                <a:latin typeface="Meirio"/>
+                <a:ea typeface="游ゴシック" panose="020B0400000000000000" pitchFamily="50" charset="-128"/>
+                <a:cs typeface="+mn-cs"/>
+              </a:rPr>
+              <a:t>Assert</a:t>
+            </a:r>
+            <a:r>
+              <a:rPr kumimoji="0" lang="en-US" altLang="ja-JP" sz="1100" b="0" i="0" u="none" strike="noStrike" kern="1200" cap="none" spc="0" normalizeH="0" baseline="0" noProof="0" dirty="0">
+                <a:ln>
+                  <a:noFill/>
+                </a:ln>
+                <a:solidFill>
+                  <a:prstClr val="black"/>
+                </a:solidFill>
+                <a:effectLst/>
+                <a:uLnTx/>
+                <a:uFillTx/>
+                <a:latin typeface="Meirio"/>
+                <a:ea typeface="游ゴシック" panose="020B0400000000000000" pitchFamily="50" charset="-128"/>
+                <a:cs typeface="+mn-cs"/>
+              </a:rPr>
+              <a:t> </a:t>
+            </a:r>
+            <a:r>
+              <a:rPr kumimoji="0" lang="en-US" altLang="ja-JP" sz="1100" b="1" i="0" u="none" strike="noStrike" kern="1200" cap="none" spc="0" normalizeH="0" baseline="0" noProof="0" dirty="0">
+                <a:ln>
+                  <a:noFill/>
+                </a:ln>
+                <a:solidFill>
+                  <a:prstClr val="black"/>
+                </a:solidFill>
+                <a:effectLst/>
+                <a:uLnTx/>
+                <a:uFillTx/>
+                <a:latin typeface="Meirio"/>
+                <a:ea typeface="游ゴシック" panose="020B0400000000000000" pitchFamily="50" charset="-128"/>
+                <a:cs typeface="+mn-cs"/>
+              </a:rPr>
+              <a:t>SYSMON_HBM_INT</a:t>
+            </a:r>
+          </a:p>
+          <a:p>
+            <a:pPr marL="0" marR="0" lvl="0" indent="0" algn="l" defTabSz="457200" rtl="0" eaLnBrk="1" fontAlgn="auto" latinLnBrk="0" hangingPunct="1">
+              <a:lnSpc>
+                <a:spcPct val="100000"/>
+              </a:lnSpc>
+              <a:spcBef>
+                <a:spcPts val="0"/>
+              </a:spcBef>
+              <a:spcAft>
+                <a:spcPts val="0"/>
+              </a:spcAft>
+              <a:buClrTx/>
+              <a:buSzTx/>
+              <a:buFontTx/>
+              <a:buNone/>
+              <a:tabLst/>
+              <a:defRPr/>
+            </a:pPr>
+            <a:r>
+              <a:rPr kumimoji="0" lang="ja-JP" altLang="en-US" sz="1100" b="1" i="0" u="none" strike="noStrike" kern="1200" cap="none" spc="0" normalizeH="0" baseline="0" noProof="0" dirty="0">
+                <a:ln>
+                  <a:noFill/>
+                </a:ln>
+                <a:solidFill>
+                  <a:srgbClr val="70AD47"/>
+                </a:solidFill>
+                <a:effectLst/>
+                <a:uLnTx/>
+                <a:uFillTx/>
+                <a:latin typeface="Meirio"/>
+                <a:ea typeface="游ゴシック" panose="020B0400000000000000" pitchFamily="50" charset="-128"/>
+                <a:cs typeface="+mn-cs"/>
+              </a:rPr>
+              <a:t>　</a:t>
+            </a:r>
+            <a:r>
+              <a:rPr kumimoji="0" lang="en-US" altLang="ja-JP" sz="1100" b="1" i="0" u="none" strike="noStrike" kern="1200" cap="none" spc="0" normalizeH="0" baseline="0" noProof="0" dirty="0">
+                <a:ln>
+                  <a:noFill/>
+                </a:ln>
+                <a:solidFill>
+                  <a:srgbClr val="70AD47"/>
+                </a:solidFill>
+                <a:effectLst/>
+                <a:uLnTx/>
+                <a:uFillTx/>
+                <a:latin typeface="Meirio"/>
+                <a:ea typeface="游ゴシック" panose="020B0400000000000000" pitchFamily="50" charset="-128"/>
+                <a:cs typeface="+mn-cs"/>
+              </a:rPr>
+              <a:t>Register</a:t>
+            </a:r>
+            <a:r>
+              <a:rPr kumimoji="0" lang="ja-JP" altLang="en-US" sz="1100" b="1" i="0" u="none" strike="noStrike" kern="1200" cap="none" spc="0" normalizeH="0" baseline="0" noProof="0" dirty="0">
+                <a:ln>
+                  <a:noFill/>
+                </a:ln>
+                <a:solidFill>
+                  <a:srgbClr val="70AD47"/>
+                </a:solidFill>
+                <a:effectLst/>
+                <a:uLnTx/>
+                <a:uFillTx/>
+                <a:latin typeface="Meirio"/>
+                <a:ea typeface="游ゴシック" panose="020B0400000000000000" pitchFamily="50" charset="-128"/>
+                <a:cs typeface="+mn-cs"/>
+              </a:rPr>
+              <a:t> </a:t>
+            </a:r>
+            <a:r>
+              <a:rPr kumimoji="0" lang="en-US" altLang="ja-JP" sz="1100" b="1" i="0" u="none" strike="noStrike" kern="1200" cap="none" spc="0" normalizeH="0" baseline="0" noProof="0" dirty="0">
+                <a:ln>
+                  <a:noFill/>
+                </a:ln>
+                <a:solidFill>
+                  <a:srgbClr val="70AD47"/>
+                </a:solidFill>
+                <a:effectLst/>
+                <a:uLnTx/>
+                <a:uFillTx/>
+                <a:latin typeface="Meirio"/>
+                <a:ea typeface="游ゴシック" panose="020B0400000000000000" pitchFamily="50" charset="-128"/>
+                <a:cs typeface="+mn-cs"/>
+              </a:rPr>
+              <a:t>Read</a:t>
+            </a:r>
+          </a:p>
+          <a:p>
+            <a:pPr marL="0" marR="0" lvl="0" indent="0" algn="l" defTabSz="457200" rtl="0" eaLnBrk="1" fontAlgn="auto" latinLnBrk="0" hangingPunct="1">
+              <a:lnSpc>
+                <a:spcPct val="100000"/>
+              </a:lnSpc>
+              <a:spcBef>
+                <a:spcPts val="0"/>
+              </a:spcBef>
+              <a:spcAft>
+                <a:spcPts val="0"/>
+              </a:spcAft>
+              <a:buClrTx/>
+              <a:buSzTx/>
+              <a:buFontTx/>
+              <a:buNone/>
+              <a:tabLst/>
+              <a:defRPr/>
+            </a:pPr>
+            <a:r>
+              <a:rPr kumimoji="0" lang="ja-JP" altLang="en-US" sz="1100" b="1" i="0" u="none" strike="noStrike" kern="1200" cap="none" spc="0" normalizeH="0" baseline="0" noProof="0" dirty="0">
+                <a:ln>
+                  <a:noFill/>
+                </a:ln>
+                <a:solidFill>
+                  <a:srgbClr val="70AD47"/>
+                </a:solidFill>
+                <a:effectLst/>
+                <a:uLnTx/>
+                <a:uFillTx/>
+                <a:latin typeface="Meirio"/>
+                <a:ea typeface="游ゴシック" panose="020B0400000000000000" pitchFamily="50" charset="-128"/>
+                <a:cs typeface="+mn-cs"/>
+              </a:rPr>
+              <a:t>　</a:t>
+            </a:r>
+            <a:r>
+              <a:rPr kumimoji="0" lang="en-US" altLang="ja-JP" sz="1100" b="1" i="0" u="none" strike="noStrike" kern="1200" cap="none" spc="0" normalizeH="0" baseline="0" noProof="0" dirty="0">
+                <a:ln>
+                  <a:noFill/>
+                </a:ln>
+                <a:solidFill>
+                  <a:prstClr val="black"/>
+                </a:solidFill>
+                <a:effectLst/>
+                <a:uLnTx/>
+                <a:uFillTx/>
+                <a:latin typeface="Meirio"/>
+                <a:ea typeface="游ゴシック" panose="020B0400000000000000" pitchFamily="50" charset="-128"/>
+                <a:cs typeface="+mn-cs"/>
+              </a:rPr>
+              <a:t>BHM Interrupt Status Register</a:t>
+            </a:r>
+          </a:p>
+          <a:p>
+            <a:pPr marL="0" marR="0" lvl="0" indent="0" algn="l" defTabSz="457200" rtl="0" eaLnBrk="1" fontAlgn="auto" latinLnBrk="0" hangingPunct="1">
+              <a:lnSpc>
+                <a:spcPct val="100000"/>
+              </a:lnSpc>
+              <a:spcBef>
+                <a:spcPts val="0"/>
+              </a:spcBef>
+              <a:spcAft>
+                <a:spcPts val="0"/>
+              </a:spcAft>
+              <a:buClrTx/>
+              <a:buSzTx/>
+              <a:buFontTx/>
+              <a:buNone/>
+              <a:tabLst/>
+              <a:defRPr/>
+            </a:pPr>
+            <a:r>
+              <a:rPr kumimoji="0" lang="ja-JP" altLang="en-US" sz="1100" b="1" i="0" u="none" strike="noStrike" kern="1200" cap="none" spc="0" normalizeH="0" baseline="0" noProof="0" dirty="0">
+                <a:ln>
+                  <a:noFill/>
+                </a:ln>
+                <a:solidFill>
+                  <a:prstClr val="black"/>
+                </a:solidFill>
+                <a:effectLst/>
+                <a:uLnTx/>
+                <a:uFillTx/>
+                <a:latin typeface="Meirio"/>
+                <a:ea typeface="游ゴシック" panose="020B0400000000000000" pitchFamily="50" charset="-128"/>
+                <a:cs typeface="+mn-cs"/>
+              </a:rPr>
+              <a:t>　</a:t>
+            </a:r>
+            <a:r>
+              <a:rPr kumimoji="0" lang="en-US" altLang="ja-JP" sz="1100" b="0" i="0" u="none" strike="noStrike" kern="1200" cap="none" spc="0" normalizeH="0" baseline="0" noProof="0" dirty="0">
+                <a:ln>
+                  <a:noFill/>
+                </a:ln>
+                <a:solidFill>
+                  <a:prstClr val="black"/>
+                </a:solidFill>
+                <a:effectLst/>
+                <a:uLnTx/>
+                <a:uFillTx/>
+                <a:latin typeface="Meirio"/>
+                <a:ea typeface="游ゴシック" panose="020B0400000000000000" pitchFamily="50" charset="-128"/>
+                <a:cs typeface="+mn-cs"/>
+              </a:rPr>
+              <a:t>Read Data: 0x00000002</a:t>
+            </a:r>
+          </a:p>
+        </p:txBody>
+      </p:sp>
+      <p:cxnSp>
+        <p:nvCxnSpPr>
+          <p:cNvPr id="91" name="直線コネクタ 90">
+            <a:extLst>
+              <a:ext uri="{FF2B5EF4-FFF2-40B4-BE49-F238E27FC236}">
+                <a16:creationId xmlns:a16="http://schemas.microsoft.com/office/drawing/2014/main" id="{4AA7834A-3E4D-2D31-4E5A-6831C76EC3D8}"/>
+              </a:ext>
+            </a:extLst>
+          </p:cNvPr>
+          <p:cNvCxnSpPr>
+            <a:cxnSpLocks/>
+          </p:cNvCxnSpPr>
+          <p:nvPr/>
+        </p:nvCxnSpPr>
+        <p:spPr>
+          <a:xfrm>
+            <a:off x="3256193" y="2825274"/>
+            <a:ext cx="0" cy="635529"/>
+          </a:xfrm>
+          <a:prstGeom prst="line">
+            <a:avLst/>
+          </a:prstGeom>
+          <a:ln w="28575">
+            <a:solidFill>
+              <a:schemeClr val="accent1"/>
+            </a:solidFill>
+          </a:ln>
+        </p:spPr>
+        <p:style>
+          <a:lnRef idx="1">
+            <a:schemeClr val="accent1"/>
+          </a:lnRef>
+          <a:fillRef idx="0">
+            <a:schemeClr val="accent1"/>
+          </a:fillRef>
+          <a:effectRef idx="0">
+            <a:schemeClr val="accent1"/>
+          </a:effectRef>
+          <a:fontRef idx="minor">
+            <a:schemeClr val="tx1"/>
+          </a:fontRef>
+        </p:style>
+      </p:cxnSp>
+      <p:cxnSp>
+        <p:nvCxnSpPr>
+          <p:cNvPr id="92" name="直線コネクタ 91">
+            <a:extLst>
+              <a:ext uri="{FF2B5EF4-FFF2-40B4-BE49-F238E27FC236}">
+                <a16:creationId xmlns:a16="http://schemas.microsoft.com/office/drawing/2014/main" id="{A89B9EA6-DC71-FC48-85B8-9739F11F1E8B}"/>
+              </a:ext>
+            </a:extLst>
+          </p:cNvPr>
+          <p:cNvCxnSpPr>
+            <a:cxnSpLocks/>
+          </p:cNvCxnSpPr>
+          <p:nvPr/>
+        </p:nvCxnSpPr>
+        <p:spPr>
+          <a:xfrm>
+            <a:off x="3256193" y="3824589"/>
+            <a:ext cx="0" cy="1024591"/>
+          </a:xfrm>
+          <a:prstGeom prst="line">
+            <a:avLst/>
+          </a:prstGeom>
+          <a:ln w="28575">
+            <a:solidFill>
+              <a:schemeClr val="accent1"/>
+            </a:solidFill>
+          </a:ln>
+        </p:spPr>
+        <p:style>
+          <a:lnRef idx="1">
+            <a:schemeClr val="accent1"/>
+          </a:lnRef>
+          <a:fillRef idx="0">
+            <a:schemeClr val="accent1"/>
+          </a:fillRef>
+          <a:effectRef idx="0">
+            <a:schemeClr val="accent1"/>
+          </a:effectRef>
+          <a:fontRef idx="minor">
+            <a:schemeClr val="tx1"/>
+          </a:fontRef>
+        </p:style>
+      </p:cxnSp>
+      <p:sp>
+        <p:nvSpPr>
+          <p:cNvPr id="93" name="正方形/長方形 92">
+            <a:extLst>
+              <a:ext uri="{FF2B5EF4-FFF2-40B4-BE49-F238E27FC236}">
+                <a16:creationId xmlns:a16="http://schemas.microsoft.com/office/drawing/2014/main" id="{43BE19C0-039A-D835-81BD-CAFAEF8AA26B}"/>
+              </a:ext>
+            </a:extLst>
+          </p:cNvPr>
+          <p:cNvSpPr/>
+          <p:nvPr/>
+        </p:nvSpPr>
+        <p:spPr>
+          <a:xfrm>
+            <a:off x="883236" y="3824589"/>
+            <a:ext cx="1944000" cy="514967"/>
+          </a:xfrm>
+          <a:prstGeom prst="rect">
+            <a:avLst/>
+          </a:prstGeom>
+        </p:spPr>
+        <p:style>
+          <a:lnRef idx="1">
+            <a:schemeClr val="accent5"/>
+          </a:lnRef>
+          <a:fillRef idx="2">
+            <a:schemeClr val="accent5"/>
+          </a:fillRef>
+          <a:effectRef idx="1">
+            <a:schemeClr val="accent5"/>
+          </a:effectRef>
+          <a:fontRef idx="minor">
+            <a:schemeClr val="dk1"/>
+          </a:fontRef>
+        </p:style>
+        <p:txBody>
+          <a:bodyPr rtlCol="0" anchor="ctr"/>
+          <a:lstStyle/>
+          <a:p>
+            <a:pPr marL="0" marR="0" lvl="0" indent="0" algn="ctr" defTabSz="457200" rtl="0" eaLnBrk="1" fontAlgn="auto" latinLnBrk="0" hangingPunct="1">
+              <a:lnSpc>
+                <a:spcPct val="100000"/>
+              </a:lnSpc>
+              <a:spcBef>
+                <a:spcPts val="0"/>
+              </a:spcBef>
+              <a:spcAft>
+                <a:spcPts val="0"/>
+              </a:spcAft>
+              <a:buClrTx/>
+              <a:buSzTx/>
+              <a:buFontTx/>
+              <a:buNone/>
+              <a:tabLst/>
+              <a:defRPr/>
+            </a:pPr>
+            <a:r>
+              <a:rPr kumimoji="0" lang="en-US" altLang="ja-JP" sz="1200" b="0" i="0" u="none" strike="noStrike" kern="1200" cap="none" spc="0" normalizeH="0" baseline="0" noProof="0" dirty="0">
+                <a:ln>
+                  <a:noFill/>
+                </a:ln>
+                <a:solidFill>
+                  <a:prstClr val="black"/>
+                </a:solidFill>
+                <a:effectLst/>
+                <a:uLnTx/>
+                <a:uFillTx/>
+                <a:latin typeface="メイリオ" panose="020B0604030504040204" pitchFamily="50" charset="-128"/>
+                <a:ea typeface="メイリオ" panose="020B0604030504040204" pitchFamily="50" charset="-128"/>
+                <a:cs typeface="+mn-cs"/>
+              </a:rPr>
+              <a:t>Interrupt</a:t>
+            </a:r>
+            <a:r>
+              <a:rPr kumimoji="0" lang="ja-JP" altLang="en-US" sz="1200" b="0" i="0" u="none" strike="noStrike" kern="1200" cap="none" spc="0" normalizeH="0" baseline="0" noProof="0" dirty="0">
+                <a:ln>
+                  <a:noFill/>
+                </a:ln>
+                <a:solidFill>
+                  <a:prstClr val="black"/>
+                </a:solidFill>
+                <a:effectLst/>
+                <a:uLnTx/>
+                <a:uFillTx/>
+                <a:latin typeface="メイリオ" panose="020B0604030504040204" pitchFamily="50" charset="-128"/>
+                <a:ea typeface="メイリオ" panose="020B0604030504040204" pitchFamily="50" charset="-128"/>
+                <a:cs typeface="+mn-cs"/>
+              </a:rPr>
+              <a:t> </a:t>
+            </a:r>
+            <a:r>
+              <a:rPr kumimoji="0" lang="en-US" altLang="ja-JP" sz="1200" b="0" i="0" u="none" strike="noStrike" kern="1200" cap="none" spc="0" normalizeH="0" baseline="0" noProof="0" dirty="0">
+                <a:ln>
+                  <a:noFill/>
+                </a:ln>
+                <a:solidFill>
+                  <a:prstClr val="black"/>
+                </a:solidFill>
+                <a:effectLst/>
+                <a:uLnTx/>
+                <a:uFillTx/>
+                <a:latin typeface="メイリオ" panose="020B0604030504040204" pitchFamily="50" charset="-128"/>
+                <a:ea typeface="メイリオ" panose="020B0604030504040204" pitchFamily="50" charset="-128"/>
+                <a:cs typeface="+mn-cs"/>
+              </a:rPr>
+              <a:t>Clear</a:t>
+            </a:r>
+          </a:p>
+        </p:txBody>
+      </p:sp>
+      <p:sp>
+        <p:nvSpPr>
+          <p:cNvPr id="95" name="フローチャート: 端子 94">
+            <a:extLst>
+              <a:ext uri="{FF2B5EF4-FFF2-40B4-BE49-F238E27FC236}">
+                <a16:creationId xmlns:a16="http://schemas.microsoft.com/office/drawing/2014/main" id="{EDF3EB3E-99D8-61C7-2666-38F1E8366B58}"/>
+              </a:ext>
+            </a:extLst>
+          </p:cNvPr>
+          <p:cNvSpPr/>
+          <p:nvPr/>
+        </p:nvSpPr>
+        <p:spPr>
+          <a:xfrm>
+            <a:off x="1207164" y="4777118"/>
+            <a:ext cx="1296144" cy="360040"/>
+          </a:xfrm>
+          <a:prstGeom prst="flowChartTerminator">
+            <a:avLst/>
+          </a:prstGeom>
+        </p:spPr>
+        <p:style>
+          <a:lnRef idx="1">
+            <a:schemeClr val="accent5"/>
+          </a:lnRef>
+          <a:fillRef idx="3">
+            <a:schemeClr val="accent5"/>
+          </a:fillRef>
+          <a:effectRef idx="2">
+            <a:schemeClr val="accent5"/>
+          </a:effectRef>
+          <a:fontRef idx="minor">
+            <a:schemeClr val="lt1"/>
+          </a:fontRef>
+        </p:style>
+        <p:txBody>
+          <a:bodyPr rtlCol="0" anchor="ctr"/>
+          <a:lstStyle/>
+          <a:p>
+            <a:pPr marL="0" marR="0" lvl="0" indent="0" algn="ctr" defTabSz="457200" rtl="0" eaLnBrk="1" fontAlgn="auto" latinLnBrk="0" hangingPunct="1">
+              <a:lnSpc>
+                <a:spcPct val="100000"/>
+              </a:lnSpc>
+              <a:spcBef>
+                <a:spcPts val="0"/>
+              </a:spcBef>
+              <a:spcAft>
+                <a:spcPts val="0"/>
+              </a:spcAft>
+              <a:buClrTx/>
+              <a:buSzTx/>
+              <a:buFontTx/>
+              <a:buNone/>
+              <a:tabLst/>
+              <a:defRPr/>
+            </a:pPr>
+            <a:r>
+              <a:rPr kumimoji="1" lang="en-US" altLang="ja-JP" sz="1600" b="0" i="0" u="none" strike="noStrike" kern="1200" cap="none" spc="0" normalizeH="0" baseline="0" noProof="0" dirty="0">
+                <a:ln>
+                  <a:noFill/>
+                </a:ln>
+                <a:solidFill>
+                  <a:prstClr val="white"/>
+                </a:solidFill>
+                <a:effectLst/>
+                <a:uLnTx/>
+                <a:uFillTx/>
+                <a:latin typeface="メイリオ" panose="020B0604030504040204" pitchFamily="50" charset="-128"/>
+                <a:ea typeface="メイリオ" panose="020B0604030504040204" pitchFamily="50" charset="-128"/>
+                <a:cs typeface="+mn-cs"/>
+              </a:rPr>
+              <a:t>END</a:t>
+            </a:r>
+            <a:endParaRPr kumimoji="1" lang="ja-JP" altLang="en-US" sz="1600" b="0" i="0" u="none" strike="noStrike" kern="1200" cap="none" spc="0" normalizeH="0" baseline="0" noProof="0" dirty="0">
+              <a:ln>
+                <a:noFill/>
+              </a:ln>
+              <a:solidFill>
+                <a:prstClr val="white"/>
+              </a:solidFill>
+              <a:effectLst/>
+              <a:uLnTx/>
+              <a:uFillTx/>
+              <a:latin typeface="メイリオ" panose="020B0604030504040204" pitchFamily="50" charset="-128"/>
+              <a:ea typeface="メイリオ" panose="020B0604030504040204" pitchFamily="50" charset="-128"/>
+              <a:cs typeface="+mn-cs"/>
+            </a:endParaRPr>
+          </a:p>
+        </p:txBody>
+      </p:sp>
+      <p:cxnSp>
+        <p:nvCxnSpPr>
+          <p:cNvPr id="99" name="直線矢印コネクタ 98">
+            <a:extLst>
+              <a:ext uri="{FF2B5EF4-FFF2-40B4-BE49-F238E27FC236}">
+                <a16:creationId xmlns:a16="http://schemas.microsoft.com/office/drawing/2014/main" id="{D9D8AFED-D84B-23A9-6777-860BB26D1231}"/>
+              </a:ext>
+            </a:extLst>
+          </p:cNvPr>
+          <p:cNvCxnSpPr>
+            <a:cxnSpLocks/>
+          </p:cNvCxnSpPr>
+          <p:nvPr/>
+        </p:nvCxnSpPr>
+        <p:spPr>
+          <a:xfrm>
+            <a:off x="1855236" y="4335232"/>
+            <a:ext cx="0" cy="432000"/>
+          </a:xfrm>
+          <a:prstGeom prst="straightConnector1">
+            <a:avLst/>
+          </a:prstGeom>
+          <a:ln w="28575">
+            <a:solidFill>
+              <a:schemeClr val="tx1"/>
+            </a:solidFill>
+            <a:headEnd type="none" w="med" len="med"/>
+            <a:tailEnd type="arrow" w="med" len="med"/>
+          </a:ln>
+        </p:spPr>
+        <p:style>
+          <a:lnRef idx="1">
+            <a:schemeClr val="accent1"/>
+          </a:lnRef>
+          <a:fillRef idx="0">
+            <a:schemeClr val="accent1"/>
+          </a:fillRef>
+          <a:effectRef idx="0">
+            <a:schemeClr val="accent1"/>
+          </a:effectRef>
+          <a:fontRef idx="minor">
+            <a:schemeClr val="tx1"/>
+          </a:fontRef>
+        </p:style>
+      </p:cxnSp>
+      <p:sp>
+        <p:nvSpPr>
+          <p:cNvPr id="2" name="テキスト ボックス 1">
+            <a:extLst>
+              <a:ext uri="{FF2B5EF4-FFF2-40B4-BE49-F238E27FC236}">
+                <a16:creationId xmlns:a16="http://schemas.microsoft.com/office/drawing/2014/main" id="{BBF38244-8598-9AFC-3E4E-64364A22C193}"/>
+              </a:ext>
+            </a:extLst>
+          </p:cNvPr>
+          <p:cNvSpPr txBox="1"/>
+          <p:nvPr/>
+        </p:nvSpPr>
+        <p:spPr>
+          <a:xfrm>
+            <a:off x="183961" y="3176739"/>
+            <a:ext cx="1023203" cy="400110"/>
+          </a:xfrm>
+          <a:prstGeom prst="rect">
+            <a:avLst/>
+          </a:prstGeom>
+          <a:noFill/>
+        </p:spPr>
+        <p:txBody>
+          <a:bodyPr wrap="square" lIns="0" rIns="0" rtlCol="0">
+            <a:spAutoFit/>
+          </a:bodyPr>
+          <a:lstStyle/>
+          <a:p>
+            <a:r>
+              <a:rPr kumimoji="1" lang="en-US" altLang="ja-JP" sz="1000" i="1" dirty="0">
+                <a:latin typeface="メイリオ" panose="020B0604030504040204" pitchFamily="50" charset="-128"/>
+                <a:ea typeface="メイリオ" panose="020B0604030504040204" pitchFamily="50" charset="-128"/>
+              </a:rPr>
+              <a:t>Other Interrupt</a:t>
+            </a:r>
+          </a:p>
+          <a:p>
+            <a:r>
+              <a:rPr kumimoji="1" lang="en-US" altLang="ja-JP" sz="1000" i="1" dirty="0">
+                <a:latin typeface="メイリオ" panose="020B0604030504040204" pitchFamily="50" charset="-128"/>
+                <a:ea typeface="メイリオ" panose="020B0604030504040204" pitchFamily="50" charset="-128"/>
+              </a:rPr>
+              <a:t>Operation </a:t>
+            </a:r>
+          </a:p>
+        </p:txBody>
+      </p:sp>
+      <p:sp>
+        <p:nvSpPr>
+          <p:cNvPr id="6" name="テキスト ボックス 5">
+            <a:extLst>
+              <a:ext uri="{FF2B5EF4-FFF2-40B4-BE49-F238E27FC236}">
+                <a16:creationId xmlns:a16="http://schemas.microsoft.com/office/drawing/2014/main" id="{B178A579-DA2C-721F-70A9-45B28BF6ADCF}"/>
+              </a:ext>
+            </a:extLst>
+          </p:cNvPr>
+          <p:cNvSpPr txBox="1"/>
+          <p:nvPr/>
+        </p:nvSpPr>
+        <p:spPr>
+          <a:xfrm>
+            <a:off x="602035" y="2859961"/>
+            <a:ext cx="392671" cy="261610"/>
+          </a:xfrm>
+          <a:prstGeom prst="rect">
+            <a:avLst/>
+          </a:prstGeom>
+          <a:noFill/>
+        </p:spPr>
+        <p:txBody>
+          <a:bodyPr wrap="square" rtlCol="0">
+            <a:spAutoFit/>
+          </a:bodyPr>
+          <a:lstStyle/>
+          <a:p>
+            <a:pPr algn="ctr"/>
+            <a:r>
+              <a:rPr kumimoji="1" lang="en-US" altLang="ja-JP" sz="1050" i="1" dirty="0">
+                <a:latin typeface="メイリオ" panose="020B0604030504040204" pitchFamily="50" charset="-128"/>
+                <a:ea typeface="メイリオ" panose="020B0604030504040204" pitchFamily="50" charset="-128"/>
+              </a:rPr>
+              <a:t>NO</a:t>
+            </a:r>
+            <a:endParaRPr kumimoji="1" lang="ja-JP" altLang="en-US" sz="1050" i="1" dirty="0">
+              <a:latin typeface="メイリオ" panose="020B0604030504040204" pitchFamily="50" charset="-128"/>
+              <a:ea typeface="メイリオ" panose="020B0604030504040204" pitchFamily="50" charset="-128"/>
+            </a:endParaRPr>
+          </a:p>
+        </p:txBody>
+      </p:sp>
+      <p:sp>
+        <p:nvSpPr>
+          <p:cNvPr id="7" name="テキスト ボックス 6">
+            <a:extLst>
+              <a:ext uri="{FF2B5EF4-FFF2-40B4-BE49-F238E27FC236}">
+                <a16:creationId xmlns:a16="http://schemas.microsoft.com/office/drawing/2014/main" id="{9C9A8382-D057-058F-AAB9-E90E02543837}"/>
+              </a:ext>
+            </a:extLst>
+          </p:cNvPr>
+          <p:cNvSpPr txBox="1"/>
+          <p:nvPr/>
+        </p:nvSpPr>
+        <p:spPr>
+          <a:xfrm>
+            <a:off x="1866138" y="3415716"/>
+            <a:ext cx="456354" cy="261610"/>
+          </a:xfrm>
+          <a:prstGeom prst="rect">
+            <a:avLst/>
+          </a:prstGeom>
+          <a:noFill/>
+        </p:spPr>
+        <p:txBody>
+          <a:bodyPr wrap="square" rtlCol="0">
+            <a:spAutoFit/>
+          </a:bodyPr>
+          <a:lstStyle/>
+          <a:p>
+            <a:pPr algn="ctr"/>
+            <a:r>
+              <a:rPr kumimoji="1" lang="en-US" altLang="ja-JP" sz="1050" i="1" dirty="0">
+                <a:latin typeface="メイリオ" panose="020B0604030504040204" pitchFamily="50" charset="-128"/>
+                <a:ea typeface="メイリオ" panose="020B0604030504040204" pitchFamily="50" charset="-128"/>
+              </a:rPr>
+              <a:t>YES</a:t>
+            </a:r>
+            <a:endParaRPr kumimoji="1" lang="ja-JP" altLang="en-US" sz="1050" i="1" dirty="0">
+              <a:latin typeface="メイリオ" panose="020B0604030504040204" pitchFamily="50" charset="-128"/>
+              <a:ea typeface="メイリオ" panose="020B0604030504040204" pitchFamily="50" charset="-128"/>
+            </a:endParaRPr>
+          </a:p>
+        </p:txBody>
+      </p:sp>
+    </p:spTree>
+    <p:extLst>
+      <p:ext uri="{BB962C8B-B14F-4D97-AF65-F5344CB8AC3E}">
+        <p14:creationId xmlns:p14="http://schemas.microsoft.com/office/powerpoint/2010/main" val="2990865912"/>
+      </p:ext>
+    </p:extLst>
+  </p:cSld>
+  <p:clrMapOvr>
+    <a:masterClrMapping/>
+  </p:clrMapOvr>
+</p:sld>
+</file>
+
+<file path=ppt/slides/slide4.xml><?xml version="1.0" encoding="utf-8"?>
+<p:sld xmlns:a="http://schemas.openxmlformats.org/drawingml/2006/main" xmlns:r="http://schemas.openxmlformats.org/officeDocument/2006/relationships" xmlns:p="http://schemas.openxmlformats.org/presentationml/2006/main">
+  <p:cSld>
+    <p:spTree>
+      <p:nvGrpSpPr>
+        <p:cNvPr id="1" name=""/>
+        <p:cNvGrpSpPr/>
+        <p:nvPr/>
+      </p:nvGrpSpPr>
+      <p:grpSpPr>
+        <a:xfrm>
+          <a:off x="0" y="0"/>
+          <a:ext cx="0" cy="0"/>
+          <a:chOff x="0" y="0"/>
+          <a:chExt cx="0" cy="0"/>
+        </a:xfrm>
+      </p:grpSpPr>
+      <p:sp>
+        <p:nvSpPr>
+          <p:cNvPr id="12" name="テキスト ボックス 11">
+            <a:extLst>
+              <a:ext uri="{FF2B5EF4-FFF2-40B4-BE49-F238E27FC236}">
+                <a16:creationId xmlns:a16="http://schemas.microsoft.com/office/drawing/2014/main" id="{AE93E65F-C37E-EB16-D842-D795AF777569}"/>
+              </a:ext>
+            </a:extLst>
+          </p:cNvPr>
+          <p:cNvSpPr txBox="1"/>
+          <p:nvPr/>
+        </p:nvSpPr>
+        <p:spPr>
+          <a:xfrm>
+            <a:off x="3257820" y="4160650"/>
+            <a:ext cx="3563913" cy="553998"/>
+          </a:xfrm>
+          <a:prstGeom prst="rect">
+            <a:avLst/>
+          </a:prstGeom>
+          <a:noFill/>
+        </p:spPr>
+        <p:txBody>
+          <a:bodyPr wrap="square" tIns="0" rtlCol="0">
+            <a:spAutoFit/>
+          </a:bodyPr>
+          <a:lstStyle/>
+          <a:p>
+            <a:pPr marL="0" marR="0" lvl="0" indent="0" algn="l" defTabSz="457200" rtl="0" eaLnBrk="1" fontAlgn="auto" latinLnBrk="0" hangingPunct="1">
+              <a:lnSpc>
+                <a:spcPct val="100000"/>
+              </a:lnSpc>
+              <a:spcBef>
+                <a:spcPts val="0"/>
+              </a:spcBef>
+              <a:spcAft>
+                <a:spcPts val="0"/>
+              </a:spcAft>
+              <a:buClrTx/>
+              <a:buSzTx/>
+              <a:buFontTx/>
+              <a:buNone/>
+              <a:tabLst/>
+              <a:defRPr/>
+            </a:pPr>
+            <a:r>
+              <a:rPr kumimoji="0" lang="en-US" altLang="ja-JP" sz="1100" b="1" i="0" u="none" strike="noStrike" kern="1200" cap="none" spc="0" normalizeH="0" baseline="0" noProof="0" dirty="0">
+                <a:ln>
+                  <a:noFill/>
+                </a:ln>
+                <a:solidFill>
+                  <a:prstClr val="black"/>
+                </a:solidFill>
+                <a:effectLst/>
+                <a:uLnTx/>
+                <a:uFillTx/>
+                <a:latin typeface="Meirio"/>
+                <a:ea typeface="游ゴシック" panose="020B0400000000000000" pitchFamily="50" charset="-128"/>
+                <a:cs typeface="+mn-cs"/>
+              </a:rPr>
+              <a:t>4.</a:t>
+            </a:r>
+            <a:r>
+              <a:rPr kumimoji="0" lang="ja-JP" altLang="en-US" sz="1100" b="1" i="0" u="none" strike="noStrike" kern="1200" cap="none" spc="0" normalizeH="0" baseline="0" noProof="0" dirty="0">
+                <a:ln>
+                  <a:noFill/>
+                </a:ln>
+                <a:solidFill>
+                  <a:prstClr val="black"/>
+                </a:solidFill>
+                <a:effectLst/>
+                <a:uLnTx/>
+                <a:uFillTx/>
+                <a:latin typeface="Meirio"/>
+                <a:ea typeface="游ゴシック" panose="020B0400000000000000" pitchFamily="50" charset="-128"/>
+                <a:cs typeface="+mn-cs"/>
+              </a:rPr>
+              <a:t> </a:t>
+            </a:r>
+            <a:r>
+              <a:rPr kumimoji="0" lang="en-US" altLang="ja-JP" sz="1100" b="1" i="0" u="none" strike="noStrike" kern="1200" cap="none" spc="0" normalizeH="0" baseline="0" noProof="0" dirty="0">
+                <a:ln>
+                  <a:noFill/>
+                </a:ln>
+                <a:solidFill>
+                  <a:srgbClr val="70AD47"/>
+                </a:solidFill>
+                <a:effectLst/>
+                <a:uLnTx/>
+                <a:uFillTx/>
+                <a:latin typeface="Meirio"/>
+                <a:ea typeface="游ゴシック" panose="020B0400000000000000" pitchFamily="50" charset="-128"/>
+                <a:cs typeface="+mn-cs"/>
+              </a:rPr>
+              <a:t>Register</a:t>
+            </a:r>
+            <a:r>
+              <a:rPr kumimoji="0" lang="ja-JP" altLang="en-US" sz="1100" b="1" i="0" u="none" strike="noStrike" kern="1200" cap="none" spc="0" normalizeH="0" baseline="0" noProof="0" dirty="0">
+                <a:ln>
+                  <a:noFill/>
+                </a:ln>
+                <a:solidFill>
+                  <a:srgbClr val="70AD47"/>
+                </a:solidFill>
+                <a:effectLst/>
+                <a:uLnTx/>
+                <a:uFillTx/>
+                <a:latin typeface="Meirio"/>
+                <a:ea typeface="游ゴシック" panose="020B0400000000000000" pitchFamily="50" charset="-128"/>
+                <a:cs typeface="+mn-cs"/>
+              </a:rPr>
+              <a:t> </a:t>
+            </a:r>
+            <a:r>
+              <a:rPr kumimoji="0" lang="en-US" altLang="ja-JP" sz="1100" b="1" i="0" u="none" strike="noStrike" kern="1200" cap="none" spc="0" normalizeH="0" baseline="0" noProof="0" dirty="0">
+                <a:ln>
+                  <a:noFill/>
+                </a:ln>
+                <a:solidFill>
+                  <a:srgbClr val="70AD47"/>
+                </a:solidFill>
+                <a:effectLst/>
+                <a:uLnTx/>
+                <a:uFillTx/>
+                <a:latin typeface="Meirio"/>
+                <a:ea typeface="游ゴシック" panose="020B0400000000000000" pitchFamily="50" charset="-128"/>
+                <a:cs typeface="+mn-cs"/>
+              </a:rPr>
+              <a:t>Read</a:t>
+            </a:r>
+            <a:r>
+              <a:rPr kumimoji="0" lang="en-US" altLang="ja-JP" sz="1100" b="0" i="0" u="none" strike="noStrike" kern="1200" cap="none" spc="0" normalizeH="0" baseline="0" noProof="0" dirty="0">
+                <a:ln>
+                  <a:noFill/>
+                </a:ln>
+                <a:solidFill>
+                  <a:srgbClr val="70AD47"/>
+                </a:solidFill>
+                <a:effectLst/>
+                <a:uLnTx/>
+                <a:uFillTx/>
+                <a:latin typeface="Meirio"/>
+                <a:ea typeface="游ゴシック" panose="020B0400000000000000" pitchFamily="50" charset="-128"/>
+                <a:cs typeface="+mn-cs"/>
+              </a:rPr>
+              <a:t> </a:t>
+            </a:r>
+          </a:p>
+          <a:p>
+            <a:pPr marL="0" marR="0" lvl="0" indent="0" algn="l" defTabSz="457200" rtl="0" eaLnBrk="1" fontAlgn="auto" latinLnBrk="0" hangingPunct="1">
+              <a:lnSpc>
+                <a:spcPct val="100000"/>
+              </a:lnSpc>
+              <a:spcBef>
+                <a:spcPts val="0"/>
+              </a:spcBef>
+              <a:spcAft>
+                <a:spcPts val="0"/>
+              </a:spcAft>
+              <a:buClrTx/>
+              <a:buSzTx/>
+              <a:buFontTx/>
+              <a:buNone/>
+              <a:tabLst/>
+              <a:defRPr/>
+            </a:pPr>
+            <a:r>
+              <a:rPr kumimoji="0" lang="ja-JP" altLang="en-US" sz="1100" b="1" i="0" u="none" strike="noStrike" kern="1200" cap="none" spc="0" normalizeH="0" baseline="0" noProof="0" dirty="0">
+                <a:ln>
+                  <a:noFill/>
+                </a:ln>
+                <a:solidFill>
+                  <a:prstClr val="black"/>
+                </a:solidFill>
+                <a:effectLst/>
+                <a:uLnTx/>
+                <a:uFillTx/>
+                <a:latin typeface="Meirio"/>
+                <a:ea typeface="游ゴシック" panose="020B0400000000000000" pitchFamily="50" charset="-128"/>
+                <a:cs typeface="+mn-cs"/>
+              </a:rPr>
+              <a:t>　</a:t>
+            </a:r>
+            <a:r>
+              <a:rPr kumimoji="0" lang="en-US" altLang="ja-JP" sz="1100" b="1" i="0" u="none" strike="noStrike" kern="1200" cap="none" spc="0" normalizeH="0" baseline="0" noProof="0" dirty="0">
+                <a:ln>
+                  <a:noFill/>
+                </a:ln>
+                <a:solidFill>
+                  <a:prstClr val="black"/>
+                </a:solidFill>
+                <a:effectLst/>
+                <a:uLnTx/>
+                <a:uFillTx/>
+                <a:latin typeface="Meirio"/>
+                <a:ea typeface="游ゴシック" panose="020B0400000000000000" pitchFamily="50" charset="-128"/>
+                <a:cs typeface="+mn-cs"/>
+              </a:rPr>
+              <a:t>BHM Software Access Read Data Register</a:t>
+            </a:r>
+          </a:p>
+          <a:p>
+            <a:pPr marL="0" marR="0" lvl="0" indent="0" algn="l" defTabSz="457200" rtl="0" eaLnBrk="1" fontAlgn="auto" latinLnBrk="0" hangingPunct="1">
+              <a:lnSpc>
+                <a:spcPct val="100000"/>
+              </a:lnSpc>
+              <a:spcBef>
+                <a:spcPts val="0"/>
+              </a:spcBef>
+              <a:spcAft>
+                <a:spcPts val="0"/>
+              </a:spcAft>
+              <a:buClrTx/>
+              <a:buSzTx/>
+              <a:buFontTx/>
+              <a:buNone/>
+              <a:tabLst/>
+              <a:defRPr/>
+            </a:pPr>
+            <a:r>
+              <a:rPr kumimoji="0" lang="ja-JP" altLang="en-US" sz="1100" b="0" i="0" u="none" strike="noStrike" kern="1200" cap="none" spc="0" normalizeH="0" baseline="0" noProof="0" dirty="0">
+                <a:ln>
+                  <a:noFill/>
+                </a:ln>
+                <a:solidFill>
+                  <a:prstClr val="black"/>
+                </a:solidFill>
+                <a:effectLst/>
+                <a:uLnTx/>
+                <a:uFillTx/>
+                <a:latin typeface="Meirio"/>
+                <a:ea typeface="游ゴシック" panose="020B0400000000000000" pitchFamily="50" charset="-128"/>
+                <a:cs typeface="+mn-cs"/>
+              </a:rPr>
+              <a:t>　</a:t>
+            </a:r>
+            <a:r>
+              <a:rPr kumimoji="0" lang="en-US" altLang="ja-JP" sz="1100" b="0" i="0" u="none" strike="noStrike" kern="1200" cap="none" spc="0" normalizeH="0" baseline="0" noProof="0" dirty="0">
+                <a:ln>
+                  <a:noFill/>
+                </a:ln>
+                <a:solidFill>
+                  <a:prstClr val="black"/>
+                </a:solidFill>
+                <a:effectLst/>
+                <a:uLnTx/>
+                <a:uFillTx/>
+                <a:latin typeface="Meirio"/>
+                <a:ea typeface="游ゴシック" panose="020B0400000000000000" pitchFamily="50" charset="-128"/>
+                <a:cs typeface="+mn-cs"/>
+              </a:rPr>
+              <a:t>Write Data: {SWRDDATA[15:0]}</a:t>
+            </a:r>
+            <a:endParaRPr kumimoji="0" lang="en-US" altLang="ja-JP" sz="1100" b="1" i="0" u="none" strike="noStrike" kern="1200" cap="none" spc="0" normalizeH="0" baseline="0" noProof="0" dirty="0">
+              <a:ln>
+                <a:noFill/>
+              </a:ln>
+              <a:solidFill>
+                <a:srgbClr val="3366FF"/>
+              </a:solidFill>
+              <a:effectLst/>
+              <a:uLnTx/>
+              <a:uFillTx/>
+              <a:latin typeface="Meirio"/>
+              <a:ea typeface="游ゴシック" panose="020B0400000000000000" pitchFamily="50" charset="-128"/>
+              <a:cs typeface="+mn-cs"/>
+            </a:endParaRPr>
+          </a:p>
+        </p:txBody>
+      </p:sp>
+      <p:cxnSp>
+        <p:nvCxnSpPr>
+          <p:cNvPr id="13" name="直線コネクタ 12">
+            <a:extLst>
+              <a:ext uri="{FF2B5EF4-FFF2-40B4-BE49-F238E27FC236}">
+                <a16:creationId xmlns:a16="http://schemas.microsoft.com/office/drawing/2014/main" id="{1C578B13-72E9-EDD2-7139-02EBB414EEC6}"/>
+              </a:ext>
+            </a:extLst>
+          </p:cNvPr>
+          <p:cNvCxnSpPr>
+            <a:cxnSpLocks/>
+          </p:cNvCxnSpPr>
+          <p:nvPr/>
+        </p:nvCxnSpPr>
+        <p:spPr>
+          <a:xfrm>
+            <a:off x="3257820" y="4160650"/>
+            <a:ext cx="0" cy="477025"/>
+          </a:xfrm>
+          <a:prstGeom prst="line">
+            <a:avLst/>
+          </a:prstGeom>
+          <a:ln w="28575">
+            <a:solidFill>
+              <a:schemeClr val="accent1"/>
+            </a:solidFill>
+          </a:ln>
+        </p:spPr>
+        <p:style>
+          <a:lnRef idx="1">
+            <a:schemeClr val="accent1"/>
+          </a:lnRef>
+          <a:fillRef idx="0">
+            <a:schemeClr val="accent1"/>
+          </a:fillRef>
+          <a:effectRef idx="0">
+            <a:schemeClr val="accent1"/>
+          </a:effectRef>
+          <a:fontRef idx="minor">
+            <a:schemeClr val="tx1"/>
+          </a:fontRef>
+        </p:style>
+      </p:cxnSp>
+      <p:sp>
+        <p:nvSpPr>
+          <p:cNvPr id="62" name="テキスト ボックス 61">
+            <a:extLst>
+              <a:ext uri="{FF2B5EF4-FFF2-40B4-BE49-F238E27FC236}">
+                <a16:creationId xmlns:a16="http://schemas.microsoft.com/office/drawing/2014/main" id="{D2961484-C205-1621-F53A-0A26577D7E60}"/>
+              </a:ext>
+            </a:extLst>
+          </p:cNvPr>
+          <p:cNvSpPr txBox="1"/>
+          <p:nvPr/>
+        </p:nvSpPr>
+        <p:spPr>
+          <a:xfrm>
+            <a:off x="3257820" y="907231"/>
+            <a:ext cx="3249875" cy="723275"/>
+          </a:xfrm>
+          <a:prstGeom prst="rect">
+            <a:avLst/>
+          </a:prstGeom>
+          <a:noFill/>
+        </p:spPr>
+        <p:txBody>
+          <a:bodyPr wrap="square" tIns="0" rtlCol="0">
+            <a:spAutoFit/>
+          </a:bodyPr>
+          <a:lstStyle/>
+          <a:p>
+            <a:pPr marL="0" marR="0" lvl="0" indent="0" algn="l" defTabSz="457200" rtl="0" eaLnBrk="1" fontAlgn="auto" latinLnBrk="0" hangingPunct="1">
+              <a:lnSpc>
+                <a:spcPct val="100000"/>
+              </a:lnSpc>
+              <a:spcBef>
+                <a:spcPts val="0"/>
+              </a:spcBef>
+              <a:spcAft>
+                <a:spcPts val="0"/>
+              </a:spcAft>
+              <a:buClrTx/>
+              <a:buSzTx/>
+              <a:buFontTx/>
+              <a:buNone/>
+              <a:tabLst/>
+              <a:defRPr/>
+            </a:pPr>
+            <a:r>
+              <a:rPr kumimoji="0" lang="en-US" altLang="ja-JP" sz="1100" b="1" i="0" u="none" strike="noStrike" kern="1200" cap="none" spc="0" normalizeH="0" baseline="0" noProof="0" dirty="0">
+                <a:ln>
+                  <a:noFill/>
+                </a:ln>
+                <a:solidFill>
+                  <a:prstClr val="black"/>
+                </a:solidFill>
+                <a:effectLst/>
+                <a:uLnTx/>
+                <a:uFillTx/>
+                <a:latin typeface="Meirio"/>
+                <a:ea typeface="游ゴシック" panose="020B0400000000000000" pitchFamily="50" charset="-128"/>
+                <a:cs typeface="+mn-cs"/>
+              </a:rPr>
+              <a:t>1. </a:t>
+            </a:r>
+            <a:r>
+              <a:rPr kumimoji="0" lang="en-US" altLang="ja-JP" sz="1100" b="1" i="0" u="none" strike="noStrike" kern="1200" cap="none" spc="0" normalizeH="0" baseline="0" noProof="0" dirty="0">
+                <a:ln>
+                  <a:noFill/>
+                </a:ln>
+                <a:solidFill>
+                  <a:srgbClr val="3366FF"/>
+                </a:solidFill>
+                <a:effectLst/>
+                <a:uLnTx/>
+                <a:uFillTx/>
+                <a:latin typeface="Meirio"/>
+                <a:ea typeface="游ゴシック" panose="020B0400000000000000" pitchFamily="50" charset="-128"/>
+                <a:cs typeface="+mn-cs"/>
+              </a:rPr>
+              <a:t>Register</a:t>
+            </a:r>
+            <a:r>
+              <a:rPr kumimoji="0" lang="ja-JP" altLang="en-US" sz="1100" b="1" i="0" u="none" strike="noStrike" kern="1200" cap="none" spc="0" normalizeH="0" baseline="0" noProof="0" dirty="0">
+                <a:ln>
+                  <a:noFill/>
+                </a:ln>
+                <a:solidFill>
+                  <a:srgbClr val="3366FF"/>
+                </a:solidFill>
+                <a:effectLst/>
+                <a:uLnTx/>
+                <a:uFillTx/>
+                <a:latin typeface="Meirio"/>
+                <a:ea typeface="游ゴシック" panose="020B0400000000000000" pitchFamily="50" charset="-128"/>
+                <a:cs typeface="+mn-cs"/>
+              </a:rPr>
+              <a:t> </a:t>
+            </a:r>
+            <a:r>
+              <a:rPr kumimoji="0" lang="en-US" altLang="ja-JP" sz="1100" b="1" i="0" u="none" strike="noStrike" kern="1200" cap="none" spc="0" normalizeH="0" baseline="0" noProof="0" dirty="0">
+                <a:ln>
+                  <a:noFill/>
+                </a:ln>
+                <a:solidFill>
+                  <a:srgbClr val="3366FF"/>
+                </a:solidFill>
+                <a:effectLst/>
+                <a:uLnTx/>
+                <a:uFillTx/>
+                <a:latin typeface="Meirio"/>
+                <a:ea typeface="游ゴシック" panose="020B0400000000000000" pitchFamily="50" charset="-128"/>
+                <a:cs typeface="+mn-cs"/>
+              </a:rPr>
+              <a:t>Write</a:t>
+            </a:r>
+          </a:p>
+          <a:p>
+            <a:pPr marL="0" marR="0" lvl="0" indent="0" algn="l" defTabSz="457200" rtl="0" eaLnBrk="1" fontAlgn="auto" latinLnBrk="0" hangingPunct="1">
+              <a:lnSpc>
+                <a:spcPct val="100000"/>
+              </a:lnSpc>
+              <a:spcBef>
+                <a:spcPts val="0"/>
+              </a:spcBef>
+              <a:spcAft>
+                <a:spcPts val="0"/>
+              </a:spcAft>
+              <a:buClrTx/>
+              <a:buSzTx/>
+              <a:buFontTx/>
+              <a:buNone/>
+              <a:tabLst/>
+              <a:defRPr/>
+            </a:pPr>
+            <a:r>
+              <a:rPr kumimoji="0" lang="ja-JP" altLang="en-US" sz="1100" b="1" i="0" u="none" strike="noStrike" kern="1200" cap="none" spc="0" normalizeH="0" baseline="0" noProof="0" dirty="0">
+                <a:ln>
+                  <a:noFill/>
+                </a:ln>
+                <a:solidFill>
+                  <a:prstClr val="black"/>
+                </a:solidFill>
+                <a:effectLst/>
+                <a:uLnTx/>
+                <a:uFillTx/>
+                <a:latin typeface="Meirio"/>
+                <a:ea typeface="游ゴシック" panose="020B0400000000000000" pitchFamily="50" charset="-128"/>
+                <a:cs typeface="+mn-cs"/>
+              </a:rPr>
+              <a:t>　</a:t>
+            </a:r>
+            <a:r>
+              <a:rPr kumimoji="0" lang="en-US" altLang="ja-JP" sz="1100" b="1" i="0" u="none" strike="noStrike" kern="1200" cap="none" spc="0" normalizeH="0" baseline="0" noProof="0" dirty="0" err="1">
+                <a:ln>
+                  <a:noFill/>
+                </a:ln>
+                <a:solidFill>
+                  <a:prstClr val="black"/>
+                </a:solidFill>
+                <a:effectLst/>
+                <a:uLnTx/>
+                <a:uFillTx/>
+                <a:latin typeface="Meirio"/>
+                <a:ea typeface="游ゴシック" panose="020B0400000000000000" pitchFamily="50" charset="-128"/>
+                <a:cs typeface="+mn-cs"/>
+              </a:rPr>
+              <a:t>BHMSoftware</a:t>
+            </a:r>
+            <a:r>
+              <a:rPr kumimoji="0" lang="en-US" altLang="ja-JP" sz="1100" b="1" i="0" u="none" strike="noStrike" kern="1200" cap="none" spc="0" normalizeH="0" baseline="0" noProof="0" dirty="0">
+                <a:ln>
+                  <a:noFill/>
+                </a:ln>
+                <a:solidFill>
+                  <a:prstClr val="black"/>
+                </a:solidFill>
+                <a:effectLst/>
+                <a:uLnTx/>
+                <a:uFillTx/>
+                <a:latin typeface="Meirio"/>
+                <a:ea typeface="游ゴシック" panose="020B0400000000000000" pitchFamily="50" charset="-128"/>
+                <a:cs typeface="+mn-cs"/>
+              </a:rPr>
+              <a:t> Access Control Register</a:t>
+            </a:r>
+          </a:p>
+          <a:p>
+            <a:pPr marL="0" marR="0" lvl="0" indent="0" algn="l" defTabSz="457200" rtl="0" eaLnBrk="1" fontAlgn="auto" latinLnBrk="0" hangingPunct="1">
+              <a:lnSpc>
+                <a:spcPct val="100000"/>
+              </a:lnSpc>
+              <a:spcBef>
+                <a:spcPts val="0"/>
+              </a:spcBef>
+              <a:spcAft>
+                <a:spcPts val="0"/>
+              </a:spcAft>
+              <a:buClrTx/>
+              <a:buSzTx/>
+              <a:buFontTx/>
+              <a:buNone/>
+              <a:tabLst/>
+              <a:defRPr/>
+            </a:pPr>
+            <a:r>
+              <a:rPr kumimoji="0" lang="ja-JP" altLang="en-US" sz="1100" b="1" i="0" u="none" strike="noStrike" kern="1200" cap="none" spc="0" normalizeH="0" baseline="0" noProof="0" dirty="0">
+                <a:ln>
+                  <a:noFill/>
+                </a:ln>
+                <a:solidFill>
+                  <a:prstClr val="black"/>
+                </a:solidFill>
+                <a:effectLst/>
+                <a:uLnTx/>
+                <a:uFillTx/>
+                <a:latin typeface="Meirio"/>
+                <a:ea typeface="游ゴシック" panose="020B0400000000000000" pitchFamily="50" charset="-128"/>
+                <a:cs typeface="+mn-cs"/>
+              </a:rPr>
+              <a:t>　</a:t>
+            </a:r>
+            <a:r>
+              <a:rPr kumimoji="0" lang="en-US" altLang="ja-JP" sz="1100" b="0" i="0" u="none" strike="noStrike" kern="1200" cap="none" spc="0" normalizeH="0" baseline="0" noProof="0" dirty="0">
+                <a:ln>
+                  <a:noFill/>
+                </a:ln>
+                <a:solidFill>
+                  <a:prstClr val="black"/>
+                </a:solidFill>
+                <a:effectLst/>
+                <a:uLnTx/>
+                <a:uFillTx/>
+                <a:latin typeface="Meirio"/>
+                <a:ea typeface="游ゴシック" panose="020B0400000000000000" pitchFamily="50" charset="-128"/>
+                <a:cs typeface="+mn-cs"/>
+              </a:rPr>
+              <a:t>Write Data:</a:t>
+            </a:r>
+            <a:r>
+              <a:rPr kumimoji="0" lang="ja-JP" altLang="en-US" sz="1100" b="0" i="0" u="none" strike="noStrike" kern="1200" cap="none" spc="0" normalizeH="0" baseline="0" noProof="0" dirty="0">
+                <a:ln>
+                  <a:noFill/>
+                </a:ln>
+                <a:solidFill>
+                  <a:prstClr val="black"/>
+                </a:solidFill>
+                <a:effectLst/>
+                <a:uLnTx/>
+                <a:uFillTx/>
+                <a:latin typeface="Meirio"/>
+                <a:ea typeface="游ゴシック" panose="020B0400000000000000" pitchFamily="50" charset="-128"/>
+                <a:cs typeface="+mn-cs"/>
+              </a:rPr>
+              <a:t> </a:t>
+            </a:r>
+            <a:r>
+              <a:rPr kumimoji="0" lang="en-US" altLang="ja-JP" sz="1100" b="0" i="0" u="none" strike="noStrike" kern="1200" cap="none" spc="0" normalizeH="0" baseline="0" noProof="0" dirty="0">
+                <a:ln>
+                  <a:noFill/>
+                </a:ln>
+                <a:solidFill>
+                  <a:prstClr val="black"/>
+                </a:solidFill>
+                <a:effectLst/>
+                <a:uLnTx/>
+                <a:uFillTx/>
+                <a:latin typeface="Meirio"/>
+                <a:ea typeface="游ゴシック" panose="020B0400000000000000" pitchFamily="50" charset="-128"/>
+                <a:cs typeface="+mn-cs"/>
+              </a:rPr>
+              <a:t>{SWACCREQ, SWDEVSEL[2:0], </a:t>
+            </a:r>
+          </a:p>
+          <a:p>
+            <a:pPr marL="0" marR="0" lvl="0" indent="0" algn="l" defTabSz="457200" rtl="0" eaLnBrk="1" fontAlgn="auto" latinLnBrk="0" hangingPunct="1">
+              <a:lnSpc>
+                <a:spcPct val="100000"/>
+              </a:lnSpc>
+              <a:spcBef>
+                <a:spcPts val="0"/>
+              </a:spcBef>
+              <a:spcAft>
+                <a:spcPts val="0"/>
+              </a:spcAft>
+              <a:buClrTx/>
+              <a:buSzTx/>
+              <a:buFontTx/>
+              <a:buNone/>
+              <a:tabLst/>
+              <a:defRPr/>
+            </a:pPr>
+            <a:r>
+              <a:rPr kumimoji="0" lang="ja-JP" altLang="en-US" sz="1100" b="0" i="0" u="none" strike="noStrike" kern="1200" cap="none" spc="0" normalizeH="0" baseline="0" noProof="0" dirty="0">
+                <a:ln>
+                  <a:noFill/>
+                </a:ln>
+                <a:solidFill>
+                  <a:prstClr val="black"/>
+                </a:solidFill>
+                <a:effectLst/>
+                <a:uLnTx/>
+                <a:uFillTx/>
+                <a:latin typeface="Meirio"/>
+                <a:ea typeface="游ゴシック" panose="020B0400000000000000" pitchFamily="50" charset="-128"/>
+                <a:cs typeface="+mn-cs"/>
+              </a:rPr>
+              <a:t>　　　　　　  </a:t>
+            </a:r>
+            <a:r>
+              <a:rPr kumimoji="0" lang="en-US" altLang="ja-JP" sz="1100" b="0" i="0" u="none" strike="noStrike" kern="1200" cap="none" spc="0" normalizeH="0" baseline="0" noProof="0" dirty="0">
+                <a:ln>
+                  <a:noFill/>
+                </a:ln>
+                <a:solidFill>
+                  <a:prstClr val="black"/>
+                </a:solidFill>
+                <a:effectLst/>
+                <a:uLnTx/>
+                <a:uFillTx/>
+                <a:latin typeface="Meirio"/>
+                <a:ea typeface="游ゴシック" panose="020B0400000000000000" pitchFamily="50" charset="-128"/>
+                <a:cs typeface="+mn-cs"/>
+              </a:rPr>
+              <a:t>SWREGADR[7:0], SWRWSEL}</a:t>
+            </a:r>
+          </a:p>
+        </p:txBody>
+      </p:sp>
+      <p:cxnSp>
+        <p:nvCxnSpPr>
+          <p:cNvPr id="63" name="直線コネクタ 62">
+            <a:extLst>
+              <a:ext uri="{FF2B5EF4-FFF2-40B4-BE49-F238E27FC236}">
+                <a16:creationId xmlns:a16="http://schemas.microsoft.com/office/drawing/2014/main" id="{BC1362A1-2769-D96A-212C-27460FD4DE21}"/>
+              </a:ext>
+            </a:extLst>
+          </p:cNvPr>
+          <p:cNvCxnSpPr>
+            <a:cxnSpLocks/>
+          </p:cNvCxnSpPr>
+          <p:nvPr/>
+        </p:nvCxnSpPr>
+        <p:spPr>
+          <a:xfrm>
+            <a:off x="3257820" y="907231"/>
+            <a:ext cx="0" cy="477024"/>
+          </a:xfrm>
+          <a:prstGeom prst="line">
+            <a:avLst/>
+          </a:prstGeom>
+          <a:ln w="28575">
+            <a:solidFill>
+              <a:schemeClr val="accent1"/>
+            </a:solidFill>
+          </a:ln>
+        </p:spPr>
+        <p:style>
+          <a:lnRef idx="1">
+            <a:schemeClr val="accent1"/>
+          </a:lnRef>
+          <a:fillRef idx="0">
+            <a:schemeClr val="accent1"/>
+          </a:fillRef>
+          <a:effectRef idx="0">
+            <a:schemeClr val="accent1"/>
+          </a:effectRef>
+          <a:fontRef idx="minor">
+            <a:schemeClr val="tx1"/>
+          </a:fontRef>
+        </p:style>
+      </p:cxnSp>
+      <p:sp>
+        <p:nvSpPr>
+          <p:cNvPr id="85" name="テキスト ボックス 84">
+            <a:extLst>
+              <a:ext uri="{FF2B5EF4-FFF2-40B4-BE49-F238E27FC236}">
+                <a16:creationId xmlns:a16="http://schemas.microsoft.com/office/drawing/2014/main" id="{AC7883F7-F75E-D14C-311B-CEB485D554C0}"/>
+              </a:ext>
+            </a:extLst>
+          </p:cNvPr>
+          <p:cNvSpPr txBox="1"/>
+          <p:nvPr/>
+        </p:nvSpPr>
+        <p:spPr>
+          <a:xfrm>
+            <a:off x="3257820" y="2919714"/>
+            <a:ext cx="3328503" cy="1061829"/>
+          </a:xfrm>
+          <a:prstGeom prst="rect">
+            <a:avLst/>
+          </a:prstGeom>
+          <a:noFill/>
+        </p:spPr>
+        <p:txBody>
+          <a:bodyPr wrap="square" tIns="0" rtlCol="0">
+            <a:spAutoFit/>
+          </a:bodyPr>
+          <a:lstStyle/>
+          <a:p>
+            <a:pPr marL="0" marR="0" lvl="0" indent="0" algn="l" defTabSz="457200" rtl="0" eaLnBrk="1" fontAlgn="auto" latinLnBrk="0" hangingPunct="1">
+              <a:lnSpc>
+                <a:spcPct val="100000"/>
+              </a:lnSpc>
+              <a:spcBef>
+                <a:spcPts val="0"/>
+              </a:spcBef>
+              <a:spcAft>
+                <a:spcPts val="0"/>
+              </a:spcAft>
+              <a:buClrTx/>
+              <a:buSzTx/>
+              <a:buFontTx/>
+              <a:buNone/>
+              <a:tabLst/>
+              <a:defRPr/>
+            </a:pPr>
+            <a:r>
+              <a:rPr kumimoji="0" lang="en-US" altLang="ja-JP" sz="1100" b="1" i="0" u="none" strike="noStrike" kern="1200" cap="none" spc="0" normalizeH="0" baseline="0" noProof="0" dirty="0">
+                <a:ln>
+                  <a:noFill/>
+                </a:ln>
+                <a:solidFill>
+                  <a:prstClr val="black"/>
+                </a:solidFill>
+                <a:effectLst/>
+                <a:uLnTx/>
+                <a:uFillTx/>
+                <a:latin typeface="Meirio"/>
+                <a:ea typeface="游ゴシック" panose="020B0400000000000000" pitchFamily="50" charset="-128"/>
+                <a:cs typeface="+mn-cs"/>
+              </a:rPr>
+              <a:t>3. </a:t>
+            </a:r>
+            <a:r>
+              <a:rPr kumimoji="0" lang="en-US" altLang="ja-JP" sz="1100" b="1" i="0" u="none" strike="noStrike" kern="1200" cap="none" spc="0" normalizeH="0" baseline="0" noProof="0" dirty="0">
+                <a:ln>
+                  <a:noFill/>
+                </a:ln>
+                <a:solidFill>
+                  <a:srgbClr val="3366FF"/>
+                </a:solidFill>
+                <a:effectLst/>
+                <a:uLnTx/>
+                <a:uFillTx/>
+                <a:latin typeface="Meirio"/>
+                <a:ea typeface="游ゴシック" panose="020B0400000000000000" pitchFamily="50" charset="-128"/>
+                <a:cs typeface="+mn-cs"/>
+              </a:rPr>
+              <a:t>Register</a:t>
+            </a:r>
+            <a:r>
+              <a:rPr kumimoji="0" lang="ja-JP" altLang="en-US" sz="1100" b="1" i="0" u="none" strike="noStrike" kern="1200" cap="none" spc="0" normalizeH="0" baseline="0" noProof="0" dirty="0">
+                <a:ln>
+                  <a:noFill/>
+                </a:ln>
+                <a:solidFill>
+                  <a:srgbClr val="3366FF"/>
+                </a:solidFill>
+                <a:effectLst/>
+                <a:uLnTx/>
+                <a:uFillTx/>
+                <a:latin typeface="Meirio"/>
+                <a:ea typeface="游ゴシック" panose="020B0400000000000000" pitchFamily="50" charset="-128"/>
+                <a:cs typeface="+mn-cs"/>
+              </a:rPr>
+              <a:t> </a:t>
+            </a:r>
+            <a:r>
+              <a:rPr kumimoji="0" lang="en-US" altLang="ja-JP" sz="1100" b="1" i="0" u="none" strike="noStrike" kern="1200" cap="none" spc="0" normalizeH="0" baseline="0" noProof="0" dirty="0">
+                <a:ln>
+                  <a:noFill/>
+                </a:ln>
+                <a:solidFill>
+                  <a:srgbClr val="3366FF"/>
+                </a:solidFill>
+                <a:effectLst/>
+                <a:uLnTx/>
+                <a:uFillTx/>
+                <a:latin typeface="Meirio"/>
+                <a:ea typeface="游ゴシック" panose="020B0400000000000000" pitchFamily="50" charset="-128"/>
+                <a:cs typeface="+mn-cs"/>
+              </a:rPr>
+              <a:t>Write</a:t>
+            </a:r>
+          </a:p>
+          <a:p>
+            <a:pPr marL="0" marR="0" lvl="0" indent="0" algn="l" defTabSz="457200" rtl="0" eaLnBrk="1" fontAlgn="auto" latinLnBrk="0" hangingPunct="1">
+              <a:lnSpc>
+                <a:spcPct val="100000"/>
+              </a:lnSpc>
+              <a:spcBef>
+                <a:spcPts val="0"/>
+              </a:spcBef>
+              <a:spcAft>
+                <a:spcPts val="0"/>
+              </a:spcAft>
+              <a:buClrTx/>
+              <a:buSzTx/>
+              <a:buFontTx/>
+              <a:buNone/>
+              <a:tabLst/>
+              <a:defRPr/>
+            </a:pPr>
+            <a:r>
+              <a:rPr kumimoji="0" lang="ja-JP" altLang="en-US" sz="1100" b="1" i="0" u="none" strike="noStrike" kern="1200" cap="none" spc="0" normalizeH="0" baseline="0" noProof="0" dirty="0">
+                <a:ln>
+                  <a:noFill/>
+                </a:ln>
+                <a:solidFill>
+                  <a:srgbClr val="3366FF"/>
+                </a:solidFill>
+                <a:effectLst/>
+                <a:uLnTx/>
+                <a:uFillTx/>
+                <a:latin typeface="Meirio"/>
+                <a:ea typeface="游ゴシック" panose="020B0400000000000000" pitchFamily="50" charset="-128"/>
+                <a:cs typeface="+mn-cs"/>
+              </a:rPr>
+              <a:t>　</a:t>
+            </a:r>
+            <a:r>
+              <a:rPr kumimoji="0" lang="en-US" altLang="ja-JP" sz="1100" b="1" i="0" u="none" strike="noStrike" kern="1200" cap="none" spc="0" normalizeH="0" baseline="0" noProof="0" dirty="0">
+                <a:ln>
+                  <a:noFill/>
+                </a:ln>
+                <a:solidFill>
+                  <a:prstClr val="black"/>
+                </a:solidFill>
+                <a:effectLst/>
+                <a:uLnTx/>
+                <a:uFillTx/>
+                <a:latin typeface="Meirio"/>
+                <a:ea typeface="游ゴシック" panose="020B0400000000000000" pitchFamily="50" charset="-128"/>
+                <a:cs typeface="+mn-cs"/>
+              </a:rPr>
+              <a:t>BHM Interrupt Status Register</a:t>
+            </a:r>
+          </a:p>
+          <a:p>
+            <a:pPr marL="0" marR="0" lvl="0" indent="0" algn="l" defTabSz="457200" rtl="0" eaLnBrk="1" fontAlgn="auto" latinLnBrk="0" hangingPunct="1">
+              <a:lnSpc>
+                <a:spcPct val="100000"/>
+              </a:lnSpc>
+              <a:spcBef>
+                <a:spcPts val="0"/>
+              </a:spcBef>
+              <a:spcAft>
+                <a:spcPts val="0"/>
+              </a:spcAft>
+              <a:buClrTx/>
+              <a:buSzTx/>
+              <a:buFontTx/>
+              <a:buNone/>
+              <a:tabLst/>
+              <a:defRPr/>
+            </a:pPr>
+            <a:r>
+              <a:rPr kumimoji="0" lang="ja-JP" altLang="en-US" sz="1100" b="0" i="0" u="none" strike="noStrike" kern="1200" cap="none" spc="0" normalizeH="0" baseline="0" noProof="0" dirty="0">
+                <a:ln>
+                  <a:noFill/>
+                </a:ln>
+                <a:solidFill>
+                  <a:prstClr val="black"/>
+                </a:solidFill>
+                <a:effectLst/>
+                <a:uLnTx/>
+                <a:uFillTx/>
+                <a:latin typeface="Meirio"/>
+                <a:ea typeface="游ゴシック" panose="020B0400000000000000" pitchFamily="50" charset="-128"/>
+                <a:cs typeface="+mn-cs"/>
+              </a:rPr>
+              <a:t>　</a:t>
+            </a:r>
+            <a:r>
+              <a:rPr kumimoji="0" lang="en-US" altLang="ja-JP" sz="1100" b="0" i="0" u="none" strike="noStrike" kern="1200" cap="none" spc="0" normalizeH="0" baseline="0" noProof="0" dirty="0">
+                <a:ln>
+                  <a:noFill/>
+                </a:ln>
+                <a:solidFill>
+                  <a:prstClr val="black"/>
+                </a:solidFill>
+                <a:effectLst/>
+                <a:uLnTx/>
+                <a:uFillTx/>
+                <a:latin typeface="Meirio"/>
+                <a:ea typeface="游ゴシック" panose="020B0400000000000000" pitchFamily="50" charset="-128"/>
+                <a:cs typeface="+mn-cs"/>
+              </a:rPr>
+              <a:t>Write Data: 0x00000002</a:t>
+            </a:r>
+          </a:p>
+          <a:p>
+            <a:pPr marL="0" marR="0" lvl="0" indent="0" algn="l" defTabSz="457200" rtl="0" eaLnBrk="1" fontAlgn="auto" latinLnBrk="0" hangingPunct="1">
+              <a:lnSpc>
+                <a:spcPct val="100000"/>
+              </a:lnSpc>
+              <a:spcBef>
+                <a:spcPts val="0"/>
+              </a:spcBef>
+              <a:spcAft>
+                <a:spcPts val="0"/>
+              </a:spcAft>
+              <a:buClrTx/>
+              <a:buSzTx/>
+              <a:buFontTx/>
+              <a:buNone/>
+              <a:tabLst/>
+              <a:defRPr/>
+            </a:pPr>
+            <a:r>
+              <a:rPr kumimoji="0" lang="ja-JP" altLang="en-US" sz="1100" b="1" i="0" u="none" strike="noStrike" kern="1200" cap="none" spc="0" normalizeH="0" baseline="0" noProof="0" dirty="0">
+                <a:ln>
+                  <a:noFill/>
+                </a:ln>
+                <a:solidFill>
+                  <a:srgbClr val="70AD47"/>
+                </a:solidFill>
+                <a:effectLst/>
+                <a:uLnTx/>
+                <a:uFillTx/>
+                <a:latin typeface="Meirio"/>
+                <a:ea typeface="游ゴシック" panose="020B0400000000000000" pitchFamily="50" charset="-128"/>
+                <a:cs typeface="+mn-cs"/>
+              </a:rPr>
+              <a:t>　</a:t>
+            </a:r>
+            <a:r>
+              <a:rPr kumimoji="0" lang="en-US" altLang="ja-JP" sz="1100" b="1" i="0" u="none" strike="noStrike" kern="1200" cap="none" spc="0" normalizeH="0" baseline="0" noProof="0" dirty="0">
+                <a:ln>
+                  <a:noFill/>
+                </a:ln>
+                <a:solidFill>
+                  <a:srgbClr val="70AD47"/>
+                </a:solidFill>
+                <a:effectLst/>
+                <a:uLnTx/>
+                <a:uFillTx/>
+                <a:latin typeface="Meirio"/>
+                <a:ea typeface="游ゴシック" panose="020B0400000000000000" pitchFamily="50" charset="-128"/>
+                <a:cs typeface="+mn-cs"/>
+              </a:rPr>
+              <a:t>Register</a:t>
+            </a:r>
+            <a:r>
+              <a:rPr kumimoji="0" lang="ja-JP" altLang="en-US" sz="1100" b="1" i="0" u="none" strike="noStrike" kern="1200" cap="none" spc="0" normalizeH="0" baseline="0" noProof="0" dirty="0">
+                <a:ln>
+                  <a:noFill/>
+                </a:ln>
+                <a:solidFill>
+                  <a:srgbClr val="70AD47"/>
+                </a:solidFill>
+                <a:effectLst/>
+                <a:uLnTx/>
+                <a:uFillTx/>
+                <a:latin typeface="Meirio"/>
+                <a:ea typeface="游ゴシック" panose="020B0400000000000000" pitchFamily="50" charset="-128"/>
+                <a:cs typeface="+mn-cs"/>
+              </a:rPr>
+              <a:t> </a:t>
+            </a:r>
+            <a:r>
+              <a:rPr kumimoji="0" lang="en-US" altLang="ja-JP" sz="1100" b="1" i="0" u="none" strike="noStrike" kern="1200" cap="none" spc="0" normalizeH="0" baseline="0" noProof="0" dirty="0">
+                <a:ln>
+                  <a:noFill/>
+                </a:ln>
+                <a:solidFill>
+                  <a:srgbClr val="70AD47"/>
+                </a:solidFill>
+                <a:effectLst/>
+                <a:uLnTx/>
+                <a:uFillTx/>
+                <a:latin typeface="Meirio"/>
+                <a:ea typeface="游ゴシック" panose="020B0400000000000000" pitchFamily="50" charset="-128"/>
+                <a:cs typeface="+mn-cs"/>
+              </a:rPr>
+              <a:t>Read</a:t>
+            </a:r>
+          </a:p>
+          <a:p>
+            <a:pPr marL="0" marR="0" lvl="0" indent="0" algn="l" defTabSz="457200" rtl="0" eaLnBrk="1" fontAlgn="auto" latinLnBrk="0" hangingPunct="1">
+              <a:lnSpc>
+                <a:spcPct val="100000"/>
+              </a:lnSpc>
+              <a:spcBef>
+                <a:spcPts val="0"/>
+              </a:spcBef>
+              <a:spcAft>
+                <a:spcPts val="0"/>
+              </a:spcAft>
+              <a:buClrTx/>
+              <a:buSzTx/>
+              <a:buFontTx/>
+              <a:buNone/>
+              <a:tabLst/>
+              <a:defRPr/>
+            </a:pPr>
+            <a:r>
+              <a:rPr kumimoji="0" lang="ja-JP" altLang="en-US" sz="1100" b="1" i="0" u="none" strike="noStrike" kern="1200" cap="none" spc="0" normalizeH="0" baseline="0" noProof="0" dirty="0">
+                <a:ln>
+                  <a:noFill/>
+                </a:ln>
+                <a:solidFill>
+                  <a:srgbClr val="70AD47"/>
+                </a:solidFill>
+                <a:effectLst/>
+                <a:uLnTx/>
+                <a:uFillTx/>
+                <a:latin typeface="Meirio"/>
+                <a:ea typeface="游ゴシック" panose="020B0400000000000000" pitchFamily="50" charset="-128"/>
+                <a:cs typeface="+mn-cs"/>
+              </a:rPr>
+              <a:t>　</a:t>
+            </a:r>
+            <a:r>
+              <a:rPr kumimoji="0" lang="en-US" altLang="ja-JP" sz="1100" b="1" i="0" u="none" strike="noStrike" kern="1200" cap="none" spc="0" normalizeH="0" baseline="0" noProof="0" dirty="0">
+                <a:ln>
+                  <a:noFill/>
+                </a:ln>
+                <a:solidFill>
+                  <a:prstClr val="black"/>
+                </a:solidFill>
+                <a:effectLst/>
+                <a:uLnTx/>
+                <a:uFillTx/>
+                <a:latin typeface="Meirio"/>
+                <a:ea typeface="游ゴシック" panose="020B0400000000000000" pitchFamily="50" charset="-128"/>
+                <a:cs typeface="+mn-cs"/>
+              </a:rPr>
+              <a:t>BHM Interrupt Status Register</a:t>
+            </a:r>
+          </a:p>
+          <a:p>
+            <a:pPr marL="0" marR="0" lvl="0" indent="0" algn="l" defTabSz="457200" rtl="0" eaLnBrk="1" fontAlgn="auto" latinLnBrk="0" hangingPunct="1">
+              <a:lnSpc>
+                <a:spcPct val="100000"/>
+              </a:lnSpc>
+              <a:spcBef>
+                <a:spcPts val="0"/>
+              </a:spcBef>
+              <a:spcAft>
+                <a:spcPts val="0"/>
+              </a:spcAft>
+              <a:buClrTx/>
+              <a:buSzTx/>
+              <a:buFontTx/>
+              <a:buNone/>
+              <a:tabLst/>
+              <a:defRPr/>
+            </a:pPr>
+            <a:r>
+              <a:rPr kumimoji="0" lang="ja-JP" altLang="en-US" sz="1100" b="0" i="0" u="none" strike="noStrike" kern="1200" cap="none" spc="0" normalizeH="0" baseline="0" noProof="0" dirty="0">
+                <a:ln>
+                  <a:noFill/>
+                </a:ln>
+                <a:solidFill>
+                  <a:prstClr val="black"/>
+                </a:solidFill>
+                <a:effectLst/>
+                <a:uLnTx/>
+                <a:uFillTx/>
+                <a:latin typeface="Meirio"/>
+                <a:ea typeface="游ゴシック" panose="020B0400000000000000" pitchFamily="50" charset="-128"/>
+                <a:cs typeface="+mn-cs"/>
+              </a:rPr>
+              <a:t>　</a:t>
+            </a:r>
+            <a:r>
+              <a:rPr kumimoji="0" lang="en-US" altLang="ja-JP" sz="1100" b="0" i="0" u="none" strike="noStrike" kern="1200" cap="none" spc="0" normalizeH="0" baseline="0" noProof="0" dirty="0">
+                <a:ln>
+                  <a:noFill/>
+                </a:ln>
+                <a:solidFill>
+                  <a:prstClr val="black"/>
+                </a:solidFill>
+                <a:effectLst/>
+                <a:uLnTx/>
+                <a:uFillTx/>
+                <a:latin typeface="Meirio"/>
+                <a:ea typeface="游ゴシック" panose="020B0400000000000000" pitchFamily="50" charset="-128"/>
+                <a:cs typeface="+mn-cs"/>
+              </a:rPr>
+              <a:t>Read Data: 0x00000000</a:t>
+            </a:r>
+          </a:p>
+        </p:txBody>
+      </p:sp>
+      <p:sp>
+        <p:nvSpPr>
+          <p:cNvPr id="90" name="テキスト ボックス 89">
+            <a:extLst>
+              <a:ext uri="{FF2B5EF4-FFF2-40B4-BE49-F238E27FC236}">
+                <a16:creationId xmlns:a16="http://schemas.microsoft.com/office/drawing/2014/main" id="{F93F6BAC-A4F0-63BF-921E-25CB4627DEF6}"/>
+              </a:ext>
+            </a:extLst>
+          </p:cNvPr>
+          <p:cNvSpPr txBox="1"/>
+          <p:nvPr/>
+        </p:nvSpPr>
+        <p:spPr>
+          <a:xfrm>
+            <a:off x="3257820" y="1920399"/>
+            <a:ext cx="3328503" cy="723275"/>
+          </a:xfrm>
+          <a:prstGeom prst="rect">
+            <a:avLst/>
+          </a:prstGeom>
+          <a:noFill/>
+        </p:spPr>
+        <p:txBody>
+          <a:bodyPr wrap="square" tIns="0" rtlCol="0">
+            <a:spAutoFit/>
+          </a:bodyPr>
+          <a:lstStyle/>
+          <a:p>
+            <a:pPr marL="0" marR="0" lvl="0" indent="0" algn="l" defTabSz="457200" rtl="0" eaLnBrk="1" fontAlgn="auto" latinLnBrk="0" hangingPunct="1">
+              <a:lnSpc>
+                <a:spcPct val="100000"/>
+              </a:lnSpc>
+              <a:spcBef>
+                <a:spcPts val="0"/>
+              </a:spcBef>
+              <a:spcAft>
+                <a:spcPts val="0"/>
+              </a:spcAft>
+              <a:buClrTx/>
+              <a:buSzTx/>
+              <a:buFontTx/>
+              <a:buNone/>
+              <a:tabLst/>
+              <a:defRPr/>
+            </a:pPr>
+            <a:r>
+              <a:rPr kumimoji="0" lang="en-US" altLang="ja-JP" sz="1100" b="1" i="0" u="none" strike="noStrike" kern="1200" cap="none" spc="0" normalizeH="0" baseline="0" noProof="0" dirty="0">
+                <a:ln>
+                  <a:noFill/>
+                </a:ln>
+                <a:solidFill>
+                  <a:prstClr val="black"/>
+                </a:solidFill>
+                <a:effectLst/>
+                <a:uLnTx/>
+                <a:uFillTx/>
+                <a:latin typeface="Meirio"/>
+                <a:ea typeface="游ゴシック" panose="020B0400000000000000" pitchFamily="50" charset="-128"/>
+                <a:cs typeface="+mn-cs"/>
+              </a:rPr>
+              <a:t>2.</a:t>
+            </a:r>
+            <a:r>
+              <a:rPr kumimoji="0" lang="ja-JP" altLang="en-US" sz="1100" b="1" i="0" u="none" strike="noStrike" kern="1200" cap="none" spc="0" normalizeH="0" baseline="0" noProof="0" dirty="0">
+                <a:ln>
+                  <a:noFill/>
+                </a:ln>
+                <a:solidFill>
+                  <a:prstClr val="black"/>
+                </a:solidFill>
+                <a:effectLst/>
+                <a:uLnTx/>
+                <a:uFillTx/>
+                <a:latin typeface="Meirio"/>
+                <a:ea typeface="游ゴシック" panose="020B0400000000000000" pitchFamily="50" charset="-128"/>
+                <a:cs typeface="+mn-cs"/>
+              </a:rPr>
+              <a:t> </a:t>
+            </a:r>
+            <a:r>
+              <a:rPr kumimoji="0" lang="en-US" altLang="ja-JP" sz="1100" b="1" i="0" u="none" strike="noStrike" kern="1200" cap="none" spc="0" normalizeH="0" baseline="0" noProof="0" dirty="0">
+                <a:ln>
+                  <a:noFill/>
+                </a:ln>
+                <a:solidFill>
+                  <a:srgbClr val="ED7D31"/>
+                </a:solidFill>
+                <a:effectLst/>
+                <a:uLnTx/>
+                <a:uFillTx/>
+                <a:latin typeface="Meirio"/>
+                <a:ea typeface="游ゴシック" panose="020B0400000000000000" pitchFamily="50" charset="-128"/>
+                <a:cs typeface="+mn-cs"/>
+              </a:rPr>
+              <a:t>Assert</a:t>
+            </a:r>
+            <a:r>
+              <a:rPr kumimoji="0" lang="en-US" altLang="ja-JP" sz="1100" b="0" i="0" u="none" strike="noStrike" kern="1200" cap="none" spc="0" normalizeH="0" baseline="0" noProof="0" dirty="0">
+                <a:ln>
+                  <a:noFill/>
+                </a:ln>
+                <a:solidFill>
+                  <a:prstClr val="black"/>
+                </a:solidFill>
+                <a:effectLst/>
+                <a:uLnTx/>
+                <a:uFillTx/>
+                <a:latin typeface="Meirio"/>
+                <a:ea typeface="游ゴシック" panose="020B0400000000000000" pitchFamily="50" charset="-128"/>
+                <a:cs typeface="+mn-cs"/>
+              </a:rPr>
+              <a:t> </a:t>
+            </a:r>
+            <a:r>
+              <a:rPr kumimoji="0" lang="en-US" altLang="ja-JP" sz="1100" b="1" i="0" u="none" strike="noStrike" kern="1200" cap="none" spc="0" normalizeH="0" baseline="0" noProof="0" dirty="0">
+                <a:ln>
+                  <a:noFill/>
+                </a:ln>
+                <a:solidFill>
+                  <a:prstClr val="black"/>
+                </a:solidFill>
+                <a:effectLst/>
+                <a:uLnTx/>
+                <a:uFillTx/>
+                <a:latin typeface="Meirio"/>
+                <a:ea typeface="游ゴシック" panose="020B0400000000000000" pitchFamily="50" charset="-128"/>
+                <a:cs typeface="+mn-cs"/>
+              </a:rPr>
+              <a:t>SYSMON_HBM_INT</a:t>
+            </a:r>
+          </a:p>
+          <a:p>
+            <a:pPr marL="0" marR="0" lvl="0" indent="0" algn="l" defTabSz="457200" rtl="0" eaLnBrk="1" fontAlgn="auto" latinLnBrk="0" hangingPunct="1">
+              <a:lnSpc>
+                <a:spcPct val="100000"/>
+              </a:lnSpc>
+              <a:spcBef>
+                <a:spcPts val="0"/>
+              </a:spcBef>
+              <a:spcAft>
+                <a:spcPts val="0"/>
+              </a:spcAft>
+              <a:buClrTx/>
+              <a:buSzTx/>
+              <a:buFontTx/>
+              <a:buNone/>
+              <a:tabLst/>
+              <a:defRPr/>
+            </a:pPr>
+            <a:r>
+              <a:rPr kumimoji="0" lang="ja-JP" altLang="en-US" sz="1100" b="1" i="0" u="none" strike="noStrike" kern="1200" cap="none" spc="0" normalizeH="0" baseline="0" noProof="0" dirty="0">
+                <a:ln>
+                  <a:noFill/>
+                </a:ln>
+                <a:solidFill>
+                  <a:srgbClr val="70AD47"/>
+                </a:solidFill>
+                <a:effectLst/>
+                <a:uLnTx/>
+                <a:uFillTx/>
+                <a:latin typeface="Meirio"/>
+                <a:ea typeface="游ゴシック" panose="020B0400000000000000" pitchFamily="50" charset="-128"/>
+                <a:cs typeface="+mn-cs"/>
+              </a:rPr>
+              <a:t>　</a:t>
+            </a:r>
+            <a:r>
+              <a:rPr kumimoji="0" lang="en-US" altLang="ja-JP" sz="1100" b="1" i="0" u="none" strike="noStrike" kern="1200" cap="none" spc="0" normalizeH="0" baseline="0" noProof="0" dirty="0">
+                <a:ln>
+                  <a:noFill/>
+                </a:ln>
+                <a:solidFill>
+                  <a:srgbClr val="70AD47"/>
+                </a:solidFill>
+                <a:effectLst/>
+                <a:uLnTx/>
+                <a:uFillTx/>
+                <a:latin typeface="Meirio"/>
+                <a:ea typeface="游ゴシック" panose="020B0400000000000000" pitchFamily="50" charset="-128"/>
+                <a:cs typeface="+mn-cs"/>
+              </a:rPr>
+              <a:t>Register</a:t>
+            </a:r>
+            <a:r>
+              <a:rPr kumimoji="0" lang="ja-JP" altLang="en-US" sz="1100" b="1" i="0" u="none" strike="noStrike" kern="1200" cap="none" spc="0" normalizeH="0" baseline="0" noProof="0" dirty="0">
+                <a:ln>
+                  <a:noFill/>
+                </a:ln>
+                <a:solidFill>
+                  <a:srgbClr val="70AD47"/>
+                </a:solidFill>
+                <a:effectLst/>
+                <a:uLnTx/>
+                <a:uFillTx/>
+                <a:latin typeface="Meirio"/>
+                <a:ea typeface="游ゴシック" panose="020B0400000000000000" pitchFamily="50" charset="-128"/>
+                <a:cs typeface="+mn-cs"/>
+              </a:rPr>
+              <a:t> </a:t>
+            </a:r>
+            <a:r>
+              <a:rPr kumimoji="0" lang="en-US" altLang="ja-JP" sz="1100" b="1" i="0" u="none" strike="noStrike" kern="1200" cap="none" spc="0" normalizeH="0" baseline="0" noProof="0" dirty="0">
+                <a:ln>
+                  <a:noFill/>
+                </a:ln>
+                <a:solidFill>
+                  <a:srgbClr val="70AD47"/>
+                </a:solidFill>
+                <a:effectLst/>
+                <a:uLnTx/>
+                <a:uFillTx/>
+                <a:latin typeface="Meirio"/>
+                <a:ea typeface="游ゴシック" panose="020B0400000000000000" pitchFamily="50" charset="-128"/>
+                <a:cs typeface="+mn-cs"/>
+              </a:rPr>
+              <a:t>Read</a:t>
+            </a:r>
+          </a:p>
+          <a:p>
+            <a:pPr marL="0" marR="0" lvl="0" indent="0" algn="l" defTabSz="457200" rtl="0" eaLnBrk="1" fontAlgn="auto" latinLnBrk="0" hangingPunct="1">
+              <a:lnSpc>
+                <a:spcPct val="100000"/>
+              </a:lnSpc>
+              <a:spcBef>
+                <a:spcPts val="0"/>
+              </a:spcBef>
+              <a:spcAft>
+                <a:spcPts val="0"/>
+              </a:spcAft>
+              <a:buClrTx/>
+              <a:buSzTx/>
+              <a:buFontTx/>
+              <a:buNone/>
+              <a:tabLst/>
+              <a:defRPr/>
+            </a:pPr>
+            <a:r>
+              <a:rPr kumimoji="0" lang="ja-JP" altLang="en-US" sz="1100" b="1" i="0" u="none" strike="noStrike" kern="1200" cap="none" spc="0" normalizeH="0" baseline="0" noProof="0" dirty="0">
+                <a:ln>
+                  <a:noFill/>
+                </a:ln>
+                <a:solidFill>
+                  <a:srgbClr val="70AD47"/>
+                </a:solidFill>
+                <a:effectLst/>
+                <a:uLnTx/>
+                <a:uFillTx/>
+                <a:latin typeface="Meirio"/>
+                <a:ea typeface="游ゴシック" panose="020B0400000000000000" pitchFamily="50" charset="-128"/>
+                <a:cs typeface="+mn-cs"/>
+              </a:rPr>
+              <a:t>　</a:t>
+            </a:r>
+            <a:r>
+              <a:rPr kumimoji="0" lang="en-US" altLang="ja-JP" sz="1100" b="1" i="0" u="none" strike="noStrike" kern="1200" cap="none" spc="0" normalizeH="0" baseline="0" noProof="0" dirty="0">
+                <a:ln>
+                  <a:noFill/>
+                </a:ln>
+                <a:solidFill>
+                  <a:prstClr val="black"/>
+                </a:solidFill>
+                <a:effectLst/>
+                <a:uLnTx/>
+                <a:uFillTx/>
+                <a:latin typeface="Meirio"/>
+                <a:ea typeface="游ゴシック" panose="020B0400000000000000" pitchFamily="50" charset="-128"/>
+                <a:cs typeface="+mn-cs"/>
+              </a:rPr>
+              <a:t>BHM Interrupt Status Register</a:t>
+            </a:r>
+          </a:p>
+          <a:p>
+            <a:pPr marL="0" marR="0" lvl="0" indent="0" algn="l" defTabSz="457200" rtl="0" eaLnBrk="1" fontAlgn="auto" latinLnBrk="0" hangingPunct="1">
+              <a:lnSpc>
+                <a:spcPct val="100000"/>
+              </a:lnSpc>
+              <a:spcBef>
+                <a:spcPts val="0"/>
+              </a:spcBef>
+              <a:spcAft>
+                <a:spcPts val="0"/>
+              </a:spcAft>
+              <a:buClrTx/>
+              <a:buSzTx/>
+              <a:buFontTx/>
+              <a:buNone/>
+              <a:tabLst/>
+              <a:defRPr/>
+            </a:pPr>
+            <a:r>
+              <a:rPr kumimoji="0" lang="ja-JP" altLang="en-US" sz="1100" b="1" i="0" u="none" strike="noStrike" kern="1200" cap="none" spc="0" normalizeH="0" baseline="0" noProof="0" dirty="0">
+                <a:ln>
+                  <a:noFill/>
+                </a:ln>
+                <a:solidFill>
+                  <a:prstClr val="black"/>
+                </a:solidFill>
+                <a:effectLst/>
+                <a:uLnTx/>
+                <a:uFillTx/>
+                <a:latin typeface="Meirio"/>
+                <a:ea typeface="游ゴシック" panose="020B0400000000000000" pitchFamily="50" charset="-128"/>
+                <a:cs typeface="+mn-cs"/>
+              </a:rPr>
+              <a:t>　</a:t>
+            </a:r>
+            <a:r>
+              <a:rPr kumimoji="0" lang="en-US" altLang="ja-JP" sz="1100" b="0" i="0" u="none" strike="noStrike" kern="1200" cap="none" spc="0" normalizeH="0" baseline="0" noProof="0" dirty="0">
+                <a:ln>
+                  <a:noFill/>
+                </a:ln>
+                <a:solidFill>
+                  <a:prstClr val="black"/>
+                </a:solidFill>
+                <a:effectLst/>
+                <a:uLnTx/>
+                <a:uFillTx/>
+                <a:latin typeface="Meirio"/>
+                <a:ea typeface="游ゴシック" panose="020B0400000000000000" pitchFamily="50" charset="-128"/>
+                <a:cs typeface="+mn-cs"/>
+              </a:rPr>
+              <a:t>Read Data: 0x00000002</a:t>
+            </a:r>
+          </a:p>
+        </p:txBody>
+      </p:sp>
+      <p:cxnSp>
+        <p:nvCxnSpPr>
+          <p:cNvPr id="91" name="直線コネクタ 90">
+            <a:extLst>
+              <a:ext uri="{FF2B5EF4-FFF2-40B4-BE49-F238E27FC236}">
+                <a16:creationId xmlns:a16="http://schemas.microsoft.com/office/drawing/2014/main" id="{4AA7834A-3E4D-2D31-4E5A-6831C76EC3D8}"/>
+              </a:ext>
+            </a:extLst>
+          </p:cNvPr>
+          <p:cNvCxnSpPr>
+            <a:cxnSpLocks/>
+          </p:cNvCxnSpPr>
+          <p:nvPr/>
+        </p:nvCxnSpPr>
+        <p:spPr>
+          <a:xfrm>
+            <a:off x="3257820" y="1920399"/>
+            <a:ext cx="0" cy="635529"/>
+          </a:xfrm>
+          <a:prstGeom prst="line">
+            <a:avLst/>
+          </a:prstGeom>
+          <a:ln w="28575">
+            <a:solidFill>
+              <a:schemeClr val="accent1"/>
+            </a:solidFill>
+          </a:ln>
+        </p:spPr>
+        <p:style>
+          <a:lnRef idx="1">
+            <a:schemeClr val="accent1"/>
+          </a:lnRef>
+          <a:fillRef idx="0">
+            <a:schemeClr val="accent1"/>
+          </a:fillRef>
+          <a:effectRef idx="0">
+            <a:schemeClr val="accent1"/>
+          </a:effectRef>
+          <a:fontRef idx="minor">
+            <a:schemeClr val="tx1"/>
+          </a:fontRef>
+        </p:style>
+      </p:cxnSp>
+      <p:cxnSp>
+        <p:nvCxnSpPr>
+          <p:cNvPr id="92" name="直線コネクタ 91">
+            <a:extLst>
+              <a:ext uri="{FF2B5EF4-FFF2-40B4-BE49-F238E27FC236}">
+                <a16:creationId xmlns:a16="http://schemas.microsoft.com/office/drawing/2014/main" id="{A89B9EA6-DC71-FC48-85B8-9739F11F1E8B}"/>
+              </a:ext>
+            </a:extLst>
+          </p:cNvPr>
+          <p:cNvCxnSpPr>
+            <a:cxnSpLocks/>
+          </p:cNvCxnSpPr>
+          <p:nvPr/>
+        </p:nvCxnSpPr>
+        <p:spPr>
+          <a:xfrm>
+            <a:off x="3257820" y="2919714"/>
+            <a:ext cx="0" cy="1024591"/>
+          </a:xfrm>
+          <a:prstGeom prst="line">
+            <a:avLst/>
+          </a:prstGeom>
+          <a:ln w="28575">
+            <a:solidFill>
+              <a:schemeClr val="accent1"/>
+            </a:solidFill>
+          </a:ln>
+        </p:spPr>
+        <p:style>
+          <a:lnRef idx="1">
+            <a:schemeClr val="accent1"/>
+          </a:lnRef>
+          <a:fillRef idx="0">
+            <a:schemeClr val="accent1"/>
+          </a:fillRef>
+          <a:effectRef idx="0">
+            <a:schemeClr val="accent1"/>
+          </a:effectRef>
+          <a:fontRef idx="minor">
+            <a:schemeClr val="tx1"/>
+          </a:fontRef>
+        </p:style>
+      </p:cxnSp>
+      <p:sp>
+        <p:nvSpPr>
+          <p:cNvPr id="2" name="フローチャート: 端子 1">
+            <a:extLst>
+              <a:ext uri="{FF2B5EF4-FFF2-40B4-BE49-F238E27FC236}">
+                <a16:creationId xmlns:a16="http://schemas.microsoft.com/office/drawing/2014/main" id="{7B708E24-07C0-7176-EE9D-0370639C1F30}"/>
+              </a:ext>
+            </a:extLst>
+          </p:cNvPr>
+          <p:cNvSpPr/>
+          <p:nvPr/>
+        </p:nvSpPr>
+        <p:spPr>
+          <a:xfrm>
+            <a:off x="1207164" y="117163"/>
+            <a:ext cx="1296144" cy="360040"/>
+          </a:xfrm>
+          <a:prstGeom prst="flowChartTerminator">
+            <a:avLst/>
+          </a:prstGeom>
+        </p:spPr>
+        <p:style>
+          <a:lnRef idx="1">
+            <a:schemeClr val="accent5"/>
+          </a:lnRef>
+          <a:fillRef idx="3">
+            <a:schemeClr val="accent5"/>
+          </a:fillRef>
+          <a:effectRef idx="2">
+            <a:schemeClr val="accent5"/>
+          </a:effectRef>
+          <a:fontRef idx="minor">
+            <a:schemeClr val="lt1"/>
+          </a:fontRef>
+        </p:style>
+        <p:txBody>
+          <a:bodyPr rtlCol="0" anchor="ctr"/>
+          <a:lstStyle/>
+          <a:p>
+            <a:pPr marL="0" marR="0" lvl="0" indent="0" algn="ctr" defTabSz="457200" rtl="0" eaLnBrk="1" fontAlgn="auto" latinLnBrk="0" hangingPunct="1">
+              <a:lnSpc>
+                <a:spcPct val="100000"/>
+              </a:lnSpc>
+              <a:spcBef>
+                <a:spcPts val="0"/>
+              </a:spcBef>
+              <a:spcAft>
+                <a:spcPts val="0"/>
+              </a:spcAft>
+              <a:buClrTx/>
+              <a:buSzTx/>
+              <a:buFontTx/>
+              <a:buNone/>
+              <a:tabLst/>
+              <a:defRPr/>
+            </a:pPr>
+            <a:r>
+              <a:rPr kumimoji="1" lang="en-US" altLang="ja-JP" sz="1600" b="0" i="0" u="none" strike="noStrike" kern="1200" cap="none" spc="0" normalizeH="0" baseline="0" noProof="0" dirty="0">
+                <a:ln>
+                  <a:noFill/>
+                </a:ln>
+                <a:solidFill>
+                  <a:prstClr val="white"/>
+                </a:solidFill>
+                <a:effectLst/>
+                <a:uLnTx/>
+                <a:uFillTx/>
+                <a:latin typeface="メイリオ" panose="020B0604030504040204" pitchFamily="50" charset="-128"/>
+                <a:ea typeface="メイリオ" panose="020B0604030504040204" pitchFamily="50" charset="-128"/>
+                <a:cs typeface="+mn-cs"/>
+              </a:rPr>
+              <a:t>START</a:t>
+            </a:r>
+            <a:endParaRPr kumimoji="1" lang="ja-JP" altLang="en-US" sz="1600" b="0" i="0" u="none" strike="noStrike" kern="1200" cap="none" spc="0" normalizeH="0" baseline="0" noProof="0" dirty="0">
+              <a:ln>
+                <a:noFill/>
+              </a:ln>
+              <a:solidFill>
+                <a:prstClr val="white"/>
+              </a:solidFill>
+              <a:effectLst/>
+              <a:uLnTx/>
+              <a:uFillTx/>
+              <a:latin typeface="メイリオ" panose="020B0604030504040204" pitchFamily="50" charset="-128"/>
+              <a:ea typeface="メイリオ" panose="020B0604030504040204" pitchFamily="50" charset="-128"/>
+              <a:cs typeface="+mn-cs"/>
+            </a:endParaRPr>
+          </a:p>
+        </p:txBody>
+      </p:sp>
+      <p:cxnSp>
+        <p:nvCxnSpPr>
+          <p:cNvPr id="6" name="直線矢印コネクタ 5">
+            <a:extLst>
+              <a:ext uri="{FF2B5EF4-FFF2-40B4-BE49-F238E27FC236}">
+                <a16:creationId xmlns:a16="http://schemas.microsoft.com/office/drawing/2014/main" id="{4AB85C29-1778-D2FD-EEC2-0370E8390DBC}"/>
+              </a:ext>
+            </a:extLst>
+          </p:cNvPr>
+          <p:cNvCxnSpPr>
+            <a:cxnSpLocks/>
+          </p:cNvCxnSpPr>
+          <p:nvPr/>
+        </p:nvCxnSpPr>
+        <p:spPr>
+          <a:xfrm>
+            <a:off x="1855236" y="471760"/>
+            <a:ext cx="0" cy="432000"/>
+          </a:xfrm>
+          <a:prstGeom prst="straightConnector1">
+            <a:avLst/>
+          </a:prstGeom>
+          <a:ln w="28575">
+            <a:solidFill>
+              <a:schemeClr val="tx1"/>
+            </a:solidFill>
+            <a:headEnd type="none" w="med" len="med"/>
+            <a:tailEnd type="arrow" w="med" len="med"/>
+          </a:ln>
+        </p:spPr>
+        <p:style>
+          <a:lnRef idx="1">
+            <a:schemeClr val="accent1"/>
+          </a:lnRef>
+          <a:fillRef idx="0">
+            <a:schemeClr val="accent1"/>
+          </a:fillRef>
+          <a:effectRef idx="0">
+            <a:schemeClr val="accent1"/>
+          </a:effectRef>
+          <a:fontRef idx="minor">
+            <a:schemeClr val="tx1"/>
+          </a:fontRef>
+        </p:style>
+      </p:cxnSp>
+      <p:cxnSp>
+        <p:nvCxnSpPr>
+          <p:cNvPr id="7" name="直線矢印コネクタ 6">
+            <a:extLst>
+              <a:ext uri="{FF2B5EF4-FFF2-40B4-BE49-F238E27FC236}">
+                <a16:creationId xmlns:a16="http://schemas.microsoft.com/office/drawing/2014/main" id="{45B79587-7FFC-CA0F-C6E6-8B854ED4DD0A}"/>
+              </a:ext>
+            </a:extLst>
+          </p:cNvPr>
+          <p:cNvCxnSpPr>
+            <a:cxnSpLocks/>
+          </p:cNvCxnSpPr>
+          <p:nvPr/>
+        </p:nvCxnSpPr>
+        <p:spPr>
+          <a:xfrm>
+            <a:off x="1855236" y="4618186"/>
+            <a:ext cx="0" cy="432000"/>
+          </a:xfrm>
+          <a:prstGeom prst="straightConnector1">
+            <a:avLst/>
+          </a:prstGeom>
+          <a:ln w="28575">
+            <a:solidFill>
+              <a:schemeClr val="tx1"/>
+            </a:solidFill>
+            <a:headEnd type="none" w="med" len="med"/>
+            <a:tailEnd type="arrow" w="med" len="med"/>
+          </a:ln>
+        </p:spPr>
+        <p:style>
+          <a:lnRef idx="1">
+            <a:schemeClr val="accent1"/>
+          </a:lnRef>
+          <a:fillRef idx="0">
+            <a:schemeClr val="accent1"/>
+          </a:fillRef>
+          <a:effectRef idx="0">
+            <a:schemeClr val="accent1"/>
+          </a:effectRef>
+          <a:fontRef idx="minor">
+            <a:schemeClr val="tx1"/>
+          </a:fontRef>
+        </p:style>
+      </p:cxnSp>
+      <p:sp>
+        <p:nvSpPr>
+          <p:cNvPr id="8" name="正方形/長方形 7">
+            <a:extLst>
+              <a:ext uri="{FF2B5EF4-FFF2-40B4-BE49-F238E27FC236}">
+                <a16:creationId xmlns:a16="http://schemas.microsoft.com/office/drawing/2014/main" id="{7B7CEE3E-4976-467F-A211-CC91854A3235}"/>
+              </a:ext>
+            </a:extLst>
+          </p:cNvPr>
+          <p:cNvSpPr/>
+          <p:nvPr/>
+        </p:nvSpPr>
+        <p:spPr>
+          <a:xfrm>
+            <a:off x="883236" y="4160650"/>
+            <a:ext cx="1944000" cy="477020"/>
+          </a:xfrm>
+          <a:prstGeom prst="rect">
+            <a:avLst/>
+          </a:prstGeom>
+        </p:spPr>
+        <p:style>
+          <a:lnRef idx="1">
+            <a:schemeClr val="accent5"/>
+          </a:lnRef>
+          <a:fillRef idx="2">
+            <a:schemeClr val="accent5"/>
+          </a:fillRef>
+          <a:effectRef idx="1">
+            <a:schemeClr val="accent5"/>
+          </a:effectRef>
+          <a:fontRef idx="minor">
+            <a:schemeClr val="dk1"/>
+          </a:fontRef>
+        </p:style>
+        <p:txBody>
+          <a:bodyPr rtlCol="0" anchor="ctr"/>
+          <a:lstStyle/>
+          <a:p>
+            <a:pPr marL="0" marR="0" lvl="0" indent="0" algn="ctr" defTabSz="457200" rtl="0" eaLnBrk="1" fontAlgn="auto" latinLnBrk="0" hangingPunct="1">
+              <a:lnSpc>
+                <a:spcPct val="100000"/>
+              </a:lnSpc>
+              <a:spcBef>
+                <a:spcPts val="0"/>
+              </a:spcBef>
+              <a:spcAft>
+                <a:spcPts val="0"/>
+              </a:spcAft>
+              <a:buClrTx/>
+              <a:buSzTx/>
+              <a:buFontTx/>
+              <a:buNone/>
+              <a:tabLst/>
+              <a:defRPr/>
+            </a:pPr>
+            <a:r>
+              <a:rPr kumimoji="1" lang="en-US" altLang="ja-JP" sz="1200" dirty="0">
+                <a:solidFill>
+                  <a:prstClr val="black"/>
+                </a:solidFill>
+                <a:latin typeface="メイリオ" panose="020B0604030504040204" pitchFamily="50" charset="-128"/>
+                <a:ea typeface="メイリオ" panose="020B0604030504040204" pitchFamily="50" charset="-128"/>
+              </a:rPr>
+              <a:t>Read Software Access</a:t>
+            </a:r>
+          </a:p>
+          <a:p>
+            <a:pPr marL="0" marR="0" lvl="0" indent="0" algn="ctr" defTabSz="457200" rtl="0" eaLnBrk="1" fontAlgn="auto" latinLnBrk="0" hangingPunct="1">
+              <a:lnSpc>
+                <a:spcPct val="100000"/>
+              </a:lnSpc>
+              <a:spcBef>
+                <a:spcPts val="0"/>
+              </a:spcBef>
+              <a:spcAft>
+                <a:spcPts val="0"/>
+              </a:spcAft>
+              <a:buClrTx/>
+              <a:buSzTx/>
+              <a:buFontTx/>
+              <a:buNone/>
+              <a:tabLst/>
+              <a:defRPr/>
+            </a:pPr>
+            <a:r>
+              <a:rPr kumimoji="1" lang="en-US" altLang="ja-JP" sz="1200" dirty="0">
+                <a:solidFill>
+                  <a:prstClr val="black"/>
+                </a:solidFill>
+                <a:latin typeface="メイリオ" panose="020B0604030504040204" pitchFamily="50" charset="-128"/>
+                <a:ea typeface="メイリオ" panose="020B0604030504040204" pitchFamily="50" charset="-128"/>
+              </a:rPr>
+              <a:t>Read Data Register</a:t>
+            </a:r>
+          </a:p>
+        </p:txBody>
+      </p:sp>
+      <p:sp>
+        <p:nvSpPr>
+          <p:cNvPr id="9" name="正方形/長方形 8">
+            <a:extLst>
+              <a:ext uri="{FF2B5EF4-FFF2-40B4-BE49-F238E27FC236}">
+                <a16:creationId xmlns:a16="http://schemas.microsoft.com/office/drawing/2014/main" id="{2A08C3CA-E685-62DA-803E-92538073743C}"/>
+              </a:ext>
+            </a:extLst>
+          </p:cNvPr>
+          <p:cNvSpPr/>
+          <p:nvPr/>
+        </p:nvSpPr>
+        <p:spPr>
+          <a:xfrm>
+            <a:off x="883236" y="907231"/>
+            <a:ext cx="1944000" cy="566634"/>
+          </a:xfrm>
+          <a:prstGeom prst="rect">
+            <a:avLst/>
+          </a:prstGeom>
+        </p:spPr>
+        <p:style>
+          <a:lnRef idx="1">
+            <a:schemeClr val="accent5"/>
+          </a:lnRef>
+          <a:fillRef idx="2">
+            <a:schemeClr val="accent5"/>
+          </a:fillRef>
+          <a:effectRef idx="1">
+            <a:schemeClr val="accent5"/>
+          </a:effectRef>
+          <a:fontRef idx="minor">
+            <a:schemeClr val="dk1"/>
+          </a:fontRef>
+        </p:style>
+        <p:txBody>
+          <a:bodyPr rtlCol="0" anchor="ctr"/>
+          <a:lstStyle/>
+          <a:p>
+            <a:pPr marL="0" marR="0" lvl="0" indent="0" algn="ctr" defTabSz="457200" rtl="0" eaLnBrk="1" fontAlgn="auto" latinLnBrk="0" hangingPunct="1">
+              <a:lnSpc>
+                <a:spcPct val="100000"/>
+              </a:lnSpc>
+              <a:spcBef>
+                <a:spcPts val="0"/>
+              </a:spcBef>
+              <a:spcAft>
+                <a:spcPts val="0"/>
+              </a:spcAft>
+              <a:buClrTx/>
+              <a:buSzTx/>
+              <a:buFontTx/>
+              <a:buNone/>
+              <a:tabLst/>
+              <a:defRPr/>
+            </a:pPr>
+            <a:r>
+              <a:rPr lang="en-US" altLang="ja-JP" sz="1200" dirty="0">
+                <a:solidFill>
+                  <a:prstClr val="black"/>
+                </a:solidFill>
+                <a:latin typeface="メイリオ" panose="020B0604030504040204" pitchFamily="50" charset="-128"/>
+                <a:ea typeface="メイリオ" panose="020B0604030504040204" pitchFamily="50" charset="-128"/>
+              </a:rPr>
+              <a:t>Set Software Access</a:t>
+            </a:r>
+            <a:endParaRPr kumimoji="0" lang="en-US" altLang="ja-JP" sz="1200" b="0" i="0" u="none" strike="noStrike" kern="1200" cap="none" spc="0" normalizeH="0" baseline="0" noProof="0" dirty="0">
+              <a:ln>
+                <a:noFill/>
+              </a:ln>
+              <a:solidFill>
+                <a:prstClr val="black"/>
+              </a:solidFill>
+              <a:effectLst/>
+              <a:uLnTx/>
+              <a:uFillTx/>
+              <a:latin typeface="メイリオ" panose="020B0604030504040204" pitchFamily="50" charset="-128"/>
+              <a:ea typeface="メイリオ" panose="020B0604030504040204" pitchFamily="50" charset="-128"/>
+              <a:cs typeface="+mn-cs"/>
+            </a:endParaRPr>
+          </a:p>
+          <a:p>
+            <a:pPr marL="0" marR="0" lvl="0" indent="0" algn="ctr" defTabSz="457200" rtl="0" eaLnBrk="1" fontAlgn="auto" latinLnBrk="0" hangingPunct="1">
+              <a:lnSpc>
+                <a:spcPct val="100000"/>
+              </a:lnSpc>
+              <a:spcBef>
+                <a:spcPts val="0"/>
+              </a:spcBef>
+              <a:spcAft>
+                <a:spcPts val="0"/>
+              </a:spcAft>
+              <a:buClrTx/>
+              <a:buSzTx/>
+              <a:buFontTx/>
+              <a:buNone/>
+              <a:tabLst/>
+              <a:defRPr/>
+            </a:pPr>
+            <a:r>
+              <a:rPr kumimoji="0" lang="en-US" altLang="ja-JP" sz="1200" b="0" i="0" u="none" strike="noStrike" kern="1200" cap="none" spc="0" normalizeH="0" baseline="0" noProof="0" dirty="0">
+                <a:ln>
+                  <a:noFill/>
+                </a:ln>
+                <a:solidFill>
+                  <a:prstClr val="black"/>
+                </a:solidFill>
+                <a:effectLst/>
+                <a:uLnTx/>
+                <a:uFillTx/>
+                <a:latin typeface="メイリオ" panose="020B0604030504040204" pitchFamily="50" charset="-128"/>
+                <a:ea typeface="メイリオ" panose="020B0604030504040204" pitchFamily="50" charset="-128"/>
+                <a:cs typeface="+mn-cs"/>
+              </a:rPr>
+              <a:t>Control</a:t>
+            </a:r>
+            <a:r>
+              <a:rPr lang="en-US" altLang="ja-JP" sz="1200" dirty="0">
+                <a:solidFill>
+                  <a:prstClr val="black"/>
+                </a:solidFill>
+                <a:latin typeface="メイリオ" panose="020B0604030504040204" pitchFamily="50" charset="-128"/>
+                <a:ea typeface="メイリオ" panose="020B0604030504040204" pitchFamily="50" charset="-128"/>
+              </a:rPr>
+              <a:t> Register</a:t>
+            </a:r>
+            <a:endParaRPr kumimoji="0" lang="en-US" altLang="ja-JP" sz="1200" b="0" i="0" u="none" strike="noStrike" kern="1200" cap="none" spc="0" normalizeH="0" baseline="0" noProof="0" dirty="0">
+              <a:ln>
+                <a:noFill/>
+              </a:ln>
+              <a:solidFill>
+                <a:prstClr val="black"/>
+              </a:solidFill>
+              <a:effectLst/>
+              <a:uLnTx/>
+              <a:uFillTx/>
+              <a:latin typeface="メイリオ" panose="020B0604030504040204" pitchFamily="50" charset="-128"/>
+              <a:ea typeface="メイリオ" panose="020B0604030504040204" pitchFamily="50" charset="-128"/>
+              <a:cs typeface="+mn-cs"/>
+            </a:endParaRPr>
+          </a:p>
+        </p:txBody>
+      </p:sp>
+      <p:cxnSp>
+        <p:nvCxnSpPr>
+          <p:cNvPr id="10" name="直線矢印コネクタ 9">
+            <a:extLst>
+              <a:ext uri="{FF2B5EF4-FFF2-40B4-BE49-F238E27FC236}">
+                <a16:creationId xmlns:a16="http://schemas.microsoft.com/office/drawing/2014/main" id="{F5950641-F12C-6FB7-BC39-33D83F8587AC}"/>
+              </a:ext>
+            </a:extLst>
+          </p:cNvPr>
+          <p:cNvCxnSpPr>
+            <a:cxnSpLocks/>
+          </p:cNvCxnSpPr>
+          <p:nvPr/>
+        </p:nvCxnSpPr>
+        <p:spPr>
+          <a:xfrm flipH="1">
+            <a:off x="142875" y="2205582"/>
+            <a:ext cx="853893" cy="0"/>
+          </a:xfrm>
+          <a:prstGeom prst="straightConnector1">
+            <a:avLst/>
+          </a:prstGeom>
+          <a:ln w="28575">
+            <a:solidFill>
+              <a:schemeClr val="tx1"/>
+            </a:solidFill>
+            <a:headEnd type="none" w="med" len="med"/>
+            <a:tailEnd type="arrow" w="med" len="med"/>
+          </a:ln>
+        </p:spPr>
+        <p:style>
+          <a:lnRef idx="1">
+            <a:schemeClr val="accent1"/>
+          </a:lnRef>
+          <a:fillRef idx="0">
+            <a:schemeClr val="accent1"/>
+          </a:fillRef>
+          <a:effectRef idx="0">
+            <a:schemeClr val="accent1"/>
+          </a:effectRef>
+          <a:fontRef idx="minor">
+            <a:schemeClr val="tx1"/>
+          </a:fontRef>
+        </p:style>
+      </p:cxnSp>
+      <p:cxnSp>
+        <p:nvCxnSpPr>
+          <p:cNvPr id="14" name="直線矢印コネクタ 13">
+            <a:extLst>
+              <a:ext uri="{FF2B5EF4-FFF2-40B4-BE49-F238E27FC236}">
+                <a16:creationId xmlns:a16="http://schemas.microsoft.com/office/drawing/2014/main" id="{49E6CAD1-5FD2-26DA-D5AD-FC06050B45E0}"/>
+              </a:ext>
+            </a:extLst>
+          </p:cNvPr>
+          <p:cNvCxnSpPr>
+            <a:cxnSpLocks/>
+          </p:cNvCxnSpPr>
+          <p:nvPr/>
+        </p:nvCxnSpPr>
+        <p:spPr>
+          <a:xfrm>
+            <a:off x="1855236" y="1486329"/>
+            <a:ext cx="0" cy="432000"/>
+          </a:xfrm>
+          <a:prstGeom prst="straightConnector1">
+            <a:avLst/>
+          </a:prstGeom>
+          <a:ln w="28575">
+            <a:solidFill>
+              <a:schemeClr val="tx1"/>
+            </a:solidFill>
+            <a:headEnd type="none" w="med" len="med"/>
+            <a:tailEnd type="arrow" w="med" len="med"/>
+          </a:ln>
+        </p:spPr>
+        <p:style>
+          <a:lnRef idx="1">
+            <a:schemeClr val="accent1"/>
+          </a:lnRef>
+          <a:fillRef idx="0">
+            <a:schemeClr val="accent1"/>
+          </a:fillRef>
+          <a:effectRef idx="0">
+            <a:schemeClr val="accent1"/>
+          </a:effectRef>
+          <a:fontRef idx="minor">
+            <a:schemeClr val="tx1"/>
+          </a:fontRef>
+        </p:style>
+      </p:cxnSp>
+      <p:sp>
+        <p:nvSpPr>
+          <p:cNvPr id="15" name="フローチャート: 判断 14">
+            <a:extLst>
+              <a:ext uri="{FF2B5EF4-FFF2-40B4-BE49-F238E27FC236}">
+                <a16:creationId xmlns:a16="http://schemas.microsoft.com/office/drawing/2014/main" id="{143B3DDE-075E-74D2-9FB3-32238C063F9A}"/>
+              </a:ext>
+            </a:extLst>
+          </p:cNvPr>
+          <p:cNvSpPr/>
+          <p:nvPr/>
+        </p:nvSpPr>
+        <p:spPr>
+          <a:xfrm>
+            <a:off x="919135" y="1920399"/>
+            <a:ext cx="1872202" cy="576064"/>
+          </a:xfrm>
+          <a:prstGeom prst="flowChartDecision">
+            <a:avLst/>
+          </a:prstGeom>
+        </p:spPr>
+        <p:style>
+          <a:lnRef idx="1">
+            <a:schemeClr val="accent2"/>
+          </a:lnRef>
+          <a:fillRef idx="2">
+            <a:schemeClr val="accent2"/>
+          </a:fillRef>
+          <a:effectRef idx="1">
+            <a:schemeClr val="accent2"/>
+          </a:effectRef>
+          <a:fontRef idx="minor">
+            <a:schemeClr val="dk1"/>
+          </a:fontRef>
+        </p:style>
+        <p:txBody>
+          <a:bodyPr lIns="0" rIns="0" rtlCol="0" anchor="ctr"/>
+          <a:lstStyle/>
+          <a:p>
+            <a:pPr marL="0" marR="0" lvl="0" indent="0" algn="ctr" defTabSz="457200" rtl="0" eaLnBrk="1" fontAlgn="auto" latinLnBrk="0" hangingPunct="1">
+              <a:lnSpc>
+                <a:spcPct val="100000"/>
+              </a:lnSpc>
+              <a:spcBef>
+                <a:spcPts val="0"/>
+              </a:spcBef>
+              <a:spcAft>
+                <a:spcPts val="0"/>
+              </a:spcAft>
+              <a:buClrTx/>
+              <a:buSzTx/>
+              <a:buFontTx/>
+              <a:buNone/>
+              <a:tabLst/>
+              <a:defRPr/>
+            </a:pPr>
+            <a:endParaRPr kumimoji="1" lang="ja-JP" altLang="en-US" sz="1050" b="0" i="0" u="none" strike="noStrike" kern="1200" cap="none" spc="0" normalizeH="0" baseline="0" noProof="0" dirty="0">
+              <a:ln>
+                <a:noFill/>
+              </a:ln>
+              <a:solidFill>
+                <a:prstClr val="black"/>
+              </a:solidFill>
+              <a:effectLst/>
+              <a:uLnTx/>
+              <a:uFillTx/>
+              <a:latin typeface="メイリオ" panose="020B0604030504040204" pitchFamily="50" charset="-128"/>
+              <a:ea typeface="メイリオ" panose="020B0604030504040204" pitchFamily="50" charset="-128"/>
+              <a:cs typeface="+mn-cs"/>
+            </a:endParaRPr>
+          </a:p>
+        </p:txBody>
+      </p:sp>
+      <p:sp>
+        <p:nvSpPr>
+          <p:cNvPr id="16" name="正方形/長方形 15">
+            <a:extLst>
+              <a:ext uri="{FF2B5EF4-FFF2-40B4-BE49-F238E27FC236}">
+                <a16:creationId xmlns:a16="http://schemas.microsoft.com/office/drawing/2014/main" id="{25B93038-AB6B-41F0-7B3E-199D95B60AE3}"/>
+              </a:ext>
+            </a:extLst>
+          </p:cNvPr>
+          <p:cNvSpPr/>
+          <p:nvPr/>
+        </p:nvSpPr>
+        <p:spPr>
+          <a:xfrm>
+            <a:off x="996768" y="2144794"/>
+            <a:ext cx="1716936" cy="288032"/>
+          </a:xfrm>
+          <a:prstGeom prst="rect">
+            <a:avLst/>
+          </a:prstGeom>
+          <a:noFill/>
+          <a:ln>
+            <a:noFill/>
+          </a:ln>
+        </p:spPr>
+        <p:style>
+          <a:lnRef idx="1">
+            <a:schemeClr val="accent5"/>
+          </a:lnRef>
+          <a:fillRef idx="2">
+            <a:schemeClr val="accent5"/>
+          </a:fillRef>
+          <a:effectRef idx="1">
+            <a:schemeClr val="accent5"/>
+          </a:effectRef>
+          <a:fontRef idx="minor">
+            <a:schemeClr val="dk1"/>
+          </a:fontRef>
+        </p:style>
+        <p:txBody>
+          <a:bodyPr rtlCol="0" anchor="ctr"/>
+          <a:lstStyle/>
+          <a:p>
+            <a:pPr marL="0" marR="0" lvl="0" indent="0" algn="ctr" defTabSz="457200" rtl="0" eaLnBrk="1" fontAlgn="auto" latinLnBrk="0" hangingPunct="1">
+              <a:lnSpc>
+                <a:spcPct val="100000"/>
+              </a:lnSpc>
+              <a:spcBef>
+                <a:spcPts val="0"/>
+              </a:spcBef>
+              <a:spcAft>
+                <a:spcPts val="0"/>
+              </a:spcAft>
+              <a:buClrTx/>
+              <a:buSzTx/>
+              <a:buFontTx/>
+              <a:buNone/>
+              <a:tabLst/>
+              <a:defRPr/>
+            </a:pPr>
+            <a:r>
+              <a:rPr kumimoji="0" lang="en-US" altLang="ja-JP" sz="1200" b="0" i="0" u="none" strike="noStrike" kern="1200" cap="none" spc="0" normalizeH="0" baseline="0" noProof="0" dirty="0">
+                <a:ln>
+                  <a:noFill/>
+                </a:ln>
+                <a:solidFill>
+                  <a:prstClr val="black"/>
+                </a:solidFill>
+                <a:effectLst/>
+                <a:uLnTx/>
+                <a:uFillTx/>
+                <a:latin typeface="メイリオ" panose="020B0604030504040204" pitchFamily="50" charset="-128"/>
+                <a:ea typeface="メイリオ" panose="020B0604030504040204" pitchFamily="50" charset="-128"/>
+                <a:cs typeface="+mn-cs"/>
+              </a:rPr>
+              <a:t>SYSMON_HBM_INT</a:t>
+            </a:r>
+          </a:p>
+          <a:p>
+            <a:pPr marL="0" marR="0" lvl="0" indent="0" algn="ctr" defTabSz="457200" rtl="0" eaLnBrk="1" fontAlgn="auto" latinLnBrk="0" hangingPunct="1">
+              <a:lnSpc>
+                <a:spcPct val="100000"/>
+              </a:lnSpc>
+              <a:spcBef>
+                <a:spcPts val="0"/>
+              </a:spcBef>
+              <a:spcAft>
+                <a:spcPts val="0"/>
+              </a:spcAft>
+              <a:buClrTx/>
+              <a:buSzTx/>
+              <a:buFontTx/>
+              <a:buNone/>
+              <a:tabLst/>
+              <a:defRPr/>
+            </a:pPr>
+            <a:r>
+              <a:rPr kumimoji="0" lang="en-US" altLang="ja-JP" sz="1200" b="0" i="0" u="none" strike="noStrike" kern="1200" cap="none" spc="0" normalizeH="0" baseline="0" noProof="0" dirty="0">
+                <a:ln>
+                  <a:noFill/>
+                </a:ln>
+                <a:solidFill>
+                  <a:prstClr val="black"/>
+                </a:solidFill>
+                <a:effectLst/>
+                <a:uLnTx/>
+                <a:uFillTx/>
+                <a:latin typeface="メイリオ" panose="020B0604030504040204" pitchFamily="50" charset="-128"/>
+                <a:ea typeface="メイリオ" panose="020B0604030504040204" pitchFamily="50" charset="-128"/>
+                <a:cs typeface="+mn-cs"/>
+              </a:rPr>
+              <a:t>=‘1’</a:t>
+            </a:r>
+          </a:p>
+        </p:txBody>
+      </p:sp>
+      <p:cxnSp>
+        <p:nvCxnSpPr>
+          <p:cNvPr id="17" name="直線矢印コネクタ 16">
+            <a:extLst>
+              <a:ext uri="{FF2B5EF4-FFF2-40B4-BE49-F238E27FC236}">
+                <a16:creationId xmlns:a16="http://schemas.microsoft.com/office/drawing/2014/main" id="{0BDCC296-ABAA-3536-A3E8-6C42203010ED}"/>
+              </a:ext>
+            </a:extLst>
+          </p:cNvPr>
+          <p:cNvCxnSpPr>
+            <a:cxnSpLocks/>
+          </p:cNvCxnSpPr>
+          <p:nvPr/>
+        </p:nvCxnSpPr>
+        <p:spPr>
+          <a:xfrm>
+            <a:off x="1855236" y="2496388"/>
+            <a:ext cx="0" cy="432000"/>
+          </a:xfrm>
+          <a:prstGeom prst="straightConnector1">
+            <a:avLst/>
+          </a:prstGeom>
+          <a:ln w="28575">
+            <a:solidFill>
+              <a:schemeClr val="tx1"/>
+            </a:solidFill>
+            <a:headEnd type="none" w="med" len="med"/>
+            <a:tailEnd type="arrow" w="med" len="med"/>
+          </a:ln>
+        </p:spPr>
+        <p:style>
+          <a:lnRef idx="1">
+            <a:schemeClr val="accent1"/>
+          </a:lnRef>
+          <a:fillRef idx="0">
+            <a:schemeClr val="accent1"/>
+          </a:fillRef>
+          <a:effectRef idx="0">
+            <a:schemeClr val="accent1"/>
+          </a:effectRef>
+          <a:fontRef idx="minor">
+            <a:schemeClr val="tx1"/>
+          </a:fontRef>
+        </p:style>
+      </p:cxnSp>
+      <p:sp>
+        <p:nvSpPr>
+          <p:cNvPr id="18" name="正方形/長方形 17">
+            <a:extLst>
+              <a:ext uri="{FF2B5EF4-FFF2-40B4-BE49-F238E27FC236}">
+                <a16:creationId xmlns:a16="http://schemas.microsoft.com/office/drawing/2014/main" id="{06E52254-72D6-12D3-54C1-58A512337071}"/>
+              </a:ext>
+            </a:extLst>
+          </p:cNvPr>
+          <p:cNvSpPr/>
+          <p:nvPr/>
+        </p:nvSpPr>
+        <p:spPr>
+          <a:xfrm>
+            <a:off x="883236" y="2919714"/>
+            <a:ext cx="1944000" cy="514967"/>
+          </a:xfrm>
+          <a:prstGeom prst="rect">
+            <a:avLst/>
+          </a:prstGeom>
+        </p:spPr>
+        <p:style>
+          <a:lnRef idx="1">
+            <a:schemeClr val="accent5"/>
+          </a:lnRef>
+          <a:fillRef idx="2">
+            <a:schemeClr val="accent5"/>
+          </a:fillRef>
+          <a:effectRef idx="1">
+            <a:schemeClr val="accent5"/>
+          </a:effectRef>
+          <a:fontRef idx="minor">
+            <a:schemeClr val="dk1"/>
+          </a:fontRef>
+        </p:style>
+        <p:txBody>
+          <a:bodyPr rtlCol="0" anchor="ctr"/>
+          <a:lstStyle/>
+          <a:p>
+            <a:pPr marL="0" marR="0" lvl="0" indent="0" algn="ctr" defTabSz="457200" rtl="0" eaLnBrk="1" fontAlgn="auto" latinLnBrk="0" hangingPunct="1">
+              <a:lnSpc>
+                <a:spcPct val="100000"/>
+              </a:lnSpc>
+              <a:spcBef>
+                <a:spcPts val="0"/>
+              </a:spcBef>
+              <a:spcAft>
+                <a:spcPts val="0"/>
+              </a:spcAft>
+              <a:buClrTx/>
+              <a:buSzTx/>
+              <a:buFontTx/>
+              <a:buNone/>
+              <a:tabLst/>
+              <a:defRPr/>
+            </a:pPr>
+            <a:r>
+              <a:rPr kumimoji="0" lang="en-US" altLang="ja-JP" sz="1200" b="0" i="0" u="none" strike="noStrike" kern="1200" cap="none" spc="0" normalizeH="0" baseline="0" noProof="0" dirty="0">
+                <a:ln>
+                  <a:noFill/>
+                </a:ln>
+                <a:solidFill>
+                  <a:prstClr val="black"/>
+                </a:solidFill>
+                <a:effectLst/>
+                <a:uLnTx/>
+                <a:uFillTx/>
+                <a:latin typeface="メイリオ" panose="020B0604030504040204" pitchFamily="50" charset="-128"/>
+                <a:ea typeface="メイリオ" panose="020B0604030504040204" pitchFamily="50" charset="-128"/>
+                <a:cs typeface="+mn-cs"/>
+              </a:rPr>
+              <a:t>Interrupt</a:t>
+            </a:r>
+            <a:r>
+              <a:rPr kumimoji="0" lang="ja-JP" altLang="en-US" sz="1200" b="0" i="0" u="none" strike="noStrike" kern="1200" cap="none" spc="0" normalizeH="0" baseline="0" noProof="0" dirty="0">
+                <a:ln>
+                  <a:noFill/>
+                </a:ln>
+                <a:solidFill>
+                  <a:prstClr val="black"/>
+                </a:solidFill>
+                <a:effectLst/>
+                <a:uLnTx/>
+                <a:uFillTx/>
+                <a:latin typeface="メイリオ" panose="020B0604030504040204" pitchFamily="50" charset="-128"/>
+                <a:ea typeface="メイリオ" panose="020B0604030504040204" pitchFamily="50" charset="-128"/>
+                <a:cs typeface="+mn-cs"/>
+              </a:rPr>
+              <a:t> </a:t>
+            </a:r>
+            <a:r>
+              <a:rPr kumimoji="0" lang="en-US" altLang="ja-JP" sz="1200" b="0" i="0" u="none" strike="noStrike" kern="1200" cap="none" spc="0" normalizeH="0" baseline="0" noProof="0" dirty="0">
+                <a:ln>
+                  <a:noFill/>
+                </a:ln>
+                <a:solidFill>
+                  <a:prstClr val="black"/>
+                </a:solidFill>
+                <a:effectLst/>
+                <a:uLnTx/>
+                <a:uFillTx/>
+                <a:latin typeface="メイリオ" panose="020B0604030504040204" pitchFamily="50" charset="-128"/>
+                <a:ea typeface="メイリオ" panose="020B0604030504040204" pitchFamily="50" charset="-128"/>
+                <a:cs typeface="+mn-cs"/>
+              </a:rPr>
+              <a:t>Clear</a:t>
+            </a:r>
+          </a:p>
+        </p:txBody>
+      </p:sp>
+      <p:sp>
+        <p:nvSpPr>
+          <p:cNvPr id="19" name="フローチャート: 端子 18">
+            <a:extLst>
+              <a:ext uri="{FF2B5EF4-FFF2-40B4-BE49-F238E27FC236}">
+                <a16:creationId xmlns:a16="http://schemas.microsoft.com/office/drawing/2014/main" id="{595CC7E0-33BD-C4DE-A3B8-25DE1E2F763E}"/>
+              </a:ext>
+            </a:extLst>
+          </p:cNvPr>
+          <p:cNvSpPr/>
+          <p:nvPr/>
+        </p:nvSpPr>
+        <p:spPr>
+          <a:xfrm>
+            <a:off x="1207164" y="5053343"/>
+            <a:ext cx="1296144" cy="360040"/>
+          </a:xfrm>
+          <a:prstGeom prst="flowChartTerminator">
+            <a:avLst/>
+          </a:prstGeom>
+        </p:spPr>
+        <p:style>
+          <a:lnRef idx="1">
+            <a:schemeClr val="accent5"/>
+          </a:lnRef>
+          <a:fillRef idx="3">
+            <a:schemeClr val="accent5"/>
+          </a:fillRef>
+          <a:effectRef idx="2">
+            <a:schemeClr val="accent5"/>
+          </a:effectRef>
+          <a:fontRef idx="minor">
+            <a:schemeClr val="lt1"/>
+          </a:fontRef>
+        </p:style>
+        <p:txBody>
+          <a:bodyPr rtlCol="0" anchor="ctr"/>
+          <a:lstStyle/>
+          <a:p>
+            <a:pPr marL="0" marR="0" lvl="0" indent="0" algn="ctr" defTabSz="457200" rtl="0" eaLnBrk="1" fontAlgn="auto" latinLnBrk="0" hangingPunct="1">
+              <a:lnSpc>
+                <a:spcPct val="100000"/>
+              </a:lnSpc>
+              <a:spcBef>
+                <a:spcPts val="0"/>
+              </a:spcBef>
+              <a:spcAft>
+                <a:spcPts val="0"/>
+              </a:spcAft>
+              <a:buClrTx/>
+              <a:buSzTx/>
+              <a:buFontTx/>
+              <a:buNone/>
+              <a:tabLst/>
+              <a:defRPr/>
+            </a:pPr>
+            <a:r>
+              <a:rPr kumimoji="1" lang="en-US" altLang="ja-JP" sz="1600" b="0" i="0" u="none" strike="noStrike" kern="1200" cap="none" spc="0" normalizeH="0" baseline="0" noProof="0" dirty="0">
+                <a:ln>
+                  <a:noFill/>
+                </a:ln>
+                <a:solidFill>
+                  <a:prstClr val="white"/>
+                </a:solidFill>
+                <a:effectLst/>
+                <a:uLnTx/>
+                <a:uFillTx/>
+                <a:latin typeface="メイリオ" panose="020B0604030504040204" pitchFamily="50" charset="-128"/>
+                <a:ea typeface="メイリオ" panose="020B0604030504040204" pitchFamily="50" charset="-128"/>
+                <a:cs typeface="+mn-cs"/>
+              </a:rPr>
+              <a:t>END</a:t>
+            </a:r>
+            <a:endParaRPr kumimoji="1" lang="ja-JP" altLang="en-US" sz="1600" b="0" i="0" u="none" strike="noStrike" kern="1200" cap="none" spc="0" normalizeH="0" baseline="0" noProof="0" dirty="0">
+              <a:ln>
+                <a:noFill/>
+              </a:ln>
+              <a:solidFill>
+                <a:prstClr val="white"/>
+              </a:solidFill>
+              <a:effectLst/>
+              <a:uLnTx/>
+              <a:uFillTx/>
+              <a:latin typeface="メイリオ" panose="020B0604030504040204" pitchFamily="50" charset="-128"/>
+              <a:ea typeface="メイリオ" panose="020B0604030504040204" pitchFamily="50" charset="-128"/>
+              <a:cs typeface="+mn-cs"/>
+            </a:endParaRPr>
+          </a:p>
+        </p:txBody>
+      </p:sp>
+      <p:cxnSp>
+        <p:nvCxnSpPr>
+          <p:cNvPr id="20" name="直線矢印コネクタ 19">
+            <a:extLst>
+              <a:ext uri="{FF2B5EF4-FFF2-40B4-BE49-F238E27FC236}">
+                <a16:creationId xmlns:a16="http://schemas.microsoft.com/office/drawing/2014/main" id="{9DD0738C-5E99-579B-7051-B6DA426DDA04}"/>
+              </a:ext>
+            </a:extLst>
+          </p:cNvPr>
+          <p:cNvCxnSpPr>
+            <a:cxnSpLocks/>
+          </p:cNvCxnSpPr>
+          <p:nvPr/>
+        </p:nvCxnSpPr>
+        <p:spPr>
+          <a:xfrm>
+            <a:off x="1855236" y="3430357"/>
+            <a:ext cx="0" cy="730293"/>
+          </a:xfrm>
+          <a:prstGeom prst="straightConnector1">
+            <a:avLst/>
+          </a:prstGeom>
+          <a:ln w="28575">
+            <a:solidFill>
+              <a:schemeClr val="tx1"/>
+            </a:solidFill>
+            <a:headEnd type="none" w="med" len="med"/>
+            <a:tailEnd type="arrow" w="med" len="med"/>
+          </a:ln>
+        </p:spPr>
+        <p:style>
+          <a:lnRef idx="1">
+            <a:schemeClr val="accent1"/>
+          </a:lnRef>
+          <a:fillRef idx="0">
+            <a:schemeClr val="accent1"/>
+          </a:fillRef>
+          <a:effectRef idx="0">
+            <a:schemeClr val="accent1"/>
+          </a:effectRef>
+          <a:fontRef idx="minor">
+            <a:schemeClr val="tx1"/>
+          </a:fontRef>
+        </p:style>
+      </p:cxnSp>
+      <p:sp>
+        <p:nvSpPr>
+          <p:cNvPr id="21" name="テキスト ボックス 20">
+            <a:extLst>
+              <a:ext uri="{FF2B5EF4-FFF2-40B4-BE49-F238E27FC236}">
+                <a16:creationId xmlns:a16="http://schemas.microsoft.com/office/drawing/2014/main" id="{733FCB9C-B562-4CF5-C8A9-4A2B17A61D3C}"/>
+              </a:ext>
+            </a:extLst>
+          </p:cNvPr>
+          <p:cNvSpPr txBox="1"/>
+          <p:nvPr/>
+        </p:nvSpPr>
+        <p:spPr>
+          <a:xfrm>
+            <a:off x="183961" y="2271864"/>
+            <a:ext cx="1023203" cy="400110"/>
+          </a:xfrm>
+          <a:prstGeom prst="rect">
+            <a:avLst/>
+          </a:prstGeom>
+          <a:noFill/>
+        </p:spPr>
+        <p:txBody>
+          <a:bodyPr wrap="square" lIns="0" rIns="0" rtlCol="0">
+            <a:spAutoFit/>
+          </a:bodyPr>
+          <a:lstStyle/>
+          <a:p>
+            <a:r>
+              <a:rPr kumimoji="1" lang="en-US" altLang="ja-JP" sz="1000" i="1" dirty="0">
+                <a:latin typeface="メイリオ" panose="020B0604030504040204" pitchFamily="50" charset="-128"/>
+                <a:ea typeface="メイリオ" panose="020B0604030504040204" pitchFamily="50" charset="-128"/>
+              </a:rPr>
+              <a:t>Other Interrupt</a:t>
+            </a:r>
+          </a:p>
+          <a:p>
+            <a:r>
+              <a:rPr kumimoji="1" lang="en-US" altLang="ja-JP" sz="1000" i="1" dirty="0">
+                <a:latin typeface="メイリオ" panose="020B0604030504040204" pitchFamily="50" charset="-128"/>
+                <a:ea typeface="メイリオ" panose="020B0604030504040204" pitchFamily="50" charset="-128"/>
+              </a:rPr>
+              <a:t>Operation </a:t>
+            </a:r>
+          </a:p>
+        </p:txBody>
+      </p:sp>
+      <p:sp>
+        <p:nvSpPr>
+          <p:cNvPr id="22" name="テキスト ボックス 21">
+            <a:extLst>
+              <a:ext uri="{FF2B5EF4-FFF2-40B4-BE49-F238E27FC236}">
+                <a16:creationId xmlns:a16="http://schemas.microsoft.com/office/drawing/2014/main" id="{F543E3A8-5F82-E571-EDAD-2FFA10DFBC4E}"/>
+              </a:ext>
+            </a:extLst>
+          </p:cNvPr>
+          <p:cNvSpPr txBox="1"/>
+          <p:nvPr/>
+        </p:nvSpPr>
+        <p:spPr>
+          <a:xfrm>
+            <a:off x="602035" y="1955086"/>
+            <a:ext cx="392671" cy="261610"/>
+          </a:xfrm>
+          <a:prstGeom prst="rect">
+            <a:avLst/>
+          </a:prstGeom>
+          <a:noFill/>
+        </p:spPr>
+        <p:txBody>
+          <a:bodyPr wrap="square" rtlCol="0">
+            <a:spAutoFit/>
+          </a:bodyPr>
+          <a:lstStyle/>
+          <a:p>
+            <a:pPr algn="ctr"/>
+            <a:r>
+              <a:rPr kumimoji="1" lang="en-US" altLang="ja-JP" sz="1050" i="1" dirty="0">
+                <a:latin typeface="メイリオ" panose="020B0604030504040204" pitchFamily="50" charset="-128"/>
+                <a:ea typeface="メイリオ" panose="020B0604030504040204" pitchFamily="50" charset="-128"/>
+              </a:rPr>
+              <a:t>NO</a:t>
+            </a:r>
+            <a:endParaRPr kumimoji="1" lang="ja-JP" altLang="en-US" sz="1050" i="1" dirty="0">
+              <a:latin typeface="メイリオ" panose="020B0604030504040204" pitchFamily="50" charset="-128"/>
+              <a:ea typeface="メイリオ" panose="020B0604030504040204" pitchFamily="50" charset="-128"/>
+            </a:endParaRPr>
+          </a:p>
+        </p:txBody>
+      </p:sp>
+      <p:sp>
+        <p:nvSpPr>
+          <p:cNvPr id="23" name="テキスト ボックス 22">
+            <a:extLst>
+              <a:ext uri="{FF2B5EF4-FFF2-40B4-BE49-F238E27FC236}">
+                <a16:creationId xmlns:a16="http://schemas.microsoft.com/office/drawing/2014/main" id="{FE8B0534-5D7D-066B-D45E-1947F7C918D3}"/>
+              </a:ext>
+            </a:extLst>
+          </p:cNvPr>
+          <p:cNvSpPr txBox="1"/>
+          <p:nvPr/>
+        </p:nvSpPr>
+        <p:spPr>
+          <a:xfrm>
+            <a:off x="1866138" y="2510841"/>
+            <a:ext cx="456354" cy="261610"/>
+          </a:xfrm>
+          <a:prstGeom prst="rect">
+            <a:avLst/>
+          </a:prstGeom>
+          <a:noFill/>
+        </p:spPr>
+        <p:txBody>
+          <a:bodyPr wrap="square" rtlCol="0">
+            <a:spAutoFit/>
+          </a:bodyPr>
+          <a:lstStyle/>
+          <a:p>
+            <a:pPr algn="ctr"/>
+            <a:r>
+              <a:rPr kumimoji="1" lang="en-US" altLang="ja-JP" sz="1050" i="1" dirty="0">
+                <a:latin typeface="メイリオ" panose="020B0604030504040204" pitchFamily="50" charset="-128"/>
+                <a:ea typeface="メイリオ" panose="020B0604030504040204" pitchFamily="50" charset="-128"/>
+              </a:rPr>
+              <a:t>YES</a:t>
+            </a:r>
+            <a:endParaRPr kumimoji="1" lang="ja-JP" altLang="en-US" sz="1050" i="1" dirty="0">
+              <a:latin typeface="メイリオ" panose="020B0604030504040204" pitchFamily="50" charset="-128"/>
+              <a:ea typeface="メイリオ" panose="020B0604030504040204" pitchFamily="50" charset="-128"/>
+            </a:endParaRPr>
+          </a:p>
+        </p:txBody>
+      </p:sp>
+    </p:spTree>
+    <p:extLst>
+      <p:ext uri="{BB962C8B-B14F-4D97-AF65-F5344CB8AC3E}">
+        <p14:creationId xmlns:p14="http://schemas.microsoft.com/office/powerpoint/2010/main" val="613410099"/>
+      </p:ext>
+    </p:extLst>
+  </p:cSld>
+  <p:clrMapOvr>
+    <a:masterClrMapping/>
+  </p:clrMapOvr>
+</p:sld>
+</file>
+
 <file path=ppt/theme/theme1.xml><?xml version="1.0" encoding="utf-8"?>
 <a:theme xmlns:a="http://schemas.openxmlformats.org/drawingml/2006/main" name="Office テーマ">
   <a:themeElements>

--- a/images/bhm.pptx
+++ b/images/bhm.pptx
@@ -9,6 +9,7 @@
     <p:sldId id="339" r:id="rId3"/>
     <p:sldId id="332" r:id="rId4"/>
     <p:sldId id="333" r:id="rId5"/>
+    <p:sldId id="340" r:id="rId6"/>
   </p:sldIdLst>
   <p:sldSz cx="12192000" cy="12599988"/>
   <p:notesSz cx="6858000" cy="9144000"/>
@@ -246,7 +247,7 @@
           <a:p>
             <a:fld id="{1D5CBE32-40CF-434E-AE60-D7507FFD6B5F}" type="datetimeFigureOut">
               <a:rPr kumimoji="1" lang="ja-JP" altLang="en-US" smtClean="0"/>
-              <a:t>2023/2/28</a:t>
+              <a:t>2023/3/9</a:t>
             </a:fld>
             <a:endParaRPr kumimoji="1" lang="ja-JP" altLang="en-US"/>
           </a:p>
@@ -448,7 +449,7 @@
           <a:p>
             <a:fld id="{1D5CBE32-40CF-434E-AE60-D7507FFD6B5F}" type="datetimeFigureOut">
               <a:rPr kumimoji="1" lang="ja-JP" altLang="en-US" smtClean="0"/>
-              <a:t>2023/2/28</a:t>
+              <a:t>2023/3/9</a:t>
             </a:fld>
             <a:endParaRPr kumimoji="1" lang="ja-JP" altLang="en-US"/>
           </a:p>
@@ -660,7 +661,7 @@
           <a:p>
             <a:fld id="{1D5CBE32-40CF-434E-AE60-D7507FFD6B5F}" type="datetimeFigureOut">
               <a:rPr kumimoji="1" lang="ja-JP" altLang="en-US" smtClean="0"/>
-              <a:t>2023/2/28</a:t>
+              <a:t>2023/3/9</a:t>
             </a:fld>
             <a:endParaRPr kumimoji="1" lang="ja-JP" altLang="en-US"/>
           </a:p>
@@ -862,7 +863,7 @@
           <a:p>
             <a:fld id="{1D5CBE32-40CF-434E-AE60-D7507FFD6B5F}" type="datetimeFigureOut">
               <a:rPr kumimoji="1" lang="ja-JP" altLang="en-US" smtClean="0"/>
-              <a:t>2023/2/28</a:t>
+              <a:t>2023/3/9</a:t>
             </a:fld>
             <a:endParaRPr kumimoji="1" lang="ja-JP" altLang="en-US"/>
           </a:p>
@@ -1106,7 +1107,7 @@
           <a:p>
             <a:fld id="{1D5CBE32-40CF-434E-AE60-D7507FFD6B5F}" type="datetimeFigureOut">
               <a:rPr kumimoji="1" lang="ja-JP" altLang="en-US" smtClean="0"/>
-              <a:t>2023/2/28</a:t>
+              <a:t>2023/3/9</a:t>
             </a:fld>
             <a:endParaRPr kumimoji="1" lang="ja-JP" altLang="en-US"/>
           </a:p>
@@ -1402,7 +1403,7 @@
           <a:p>
             <a:fld id="{1D5CBE32-40CF-434E-AE60-D7507FFD6B5F}" type="datetimeFigureOut">
               <a:rPr kumimoji="1" lang="ja-JP" altLang="en-US" smtClean="0"/>
-              <a:t>2023/2/28</a:t>
+              <a:t>2023/3/9</a:t>
             </a:fld>
             <a:endParaRPr kumimoji="1" lang="ja-JP" altLang="en-US"/>
           </a:p>
@@ -1833,7 +1834,7 @@
           <a:p>
             <a:fld id="{1D5CBE32-40CF-434E-AE60-D7507FFD6B5F}" type="datetimeFigureOut">
               <a:rPr kumimoji="1" lang="ja-JP" altLang="en-US" smtClean="0"/>
-              <a:t>2023/2/28</a:t>
+              <a:t>2023/3/9</a:t>
             </a:fld>
             <a:endParaRPr kumimoji="1" lang="ja-JP" altLang="en-US"/>
           </a:p>
@@ -1951,7 +1952,7 @@
           <a:p>
             <a:fld id="{1D5CBE32-40CF-434E-AE60-D7507FFD6B5F}" type="datetimeFigureOut">
               <a:rPr kumimoji="1" lang="ja-JP" altLang="en-US" smtClean="0"/>
-              <a:t>2023/2/28</a:t>
+              <a:t>2023/3/9</a:t>
             </a:fld>
             <a:endParaRPr kumimoji="1" lang="ja-JP" altLang="en-US"/>
           </a:p>
@@ -2046,7 +2047,7 @@
           <a:p>
             <a:fld id="{1D5CBE32-40CF-434E-AE60-D7507FFD6B5F}" type="datetimeFigureOut">
               <a:rPr kumimoji="1" lang="ja-JP" altLang="en-US" smtClean="0"/>
-              <a:t>2023/2/28</a:t>
+              <a:t>2023/3/9</a:t>
             </a:fld>
             <a:endParaRPr kumimoji="1" lang="ja-JP" altLang="en-US"/>
           </a:p>
@@ -2355,7 +2356,7 @@
           <a:p>
             <a:fld id="{1D5CBE32-40CF-434E-AE60-D7507FFD6B5F}" type="datetimeFigureOut">
               <a:rPr kumimoji="1" lang="ja-JP" altLang="en-US" smtClean="0"/>
-              <a:t>2023/2/28</a:t>
+              <a:t>2023/3/9</a:t>
             </a:fld>
             <a:endParaRPr kumimoji="1" lang="ja-JP" altLang="en-US"/>
           </a:p>
@@ -2612,7 +2613,7 @@
           <a:p>
             <a:fld id="{1D5CBE32-40CF-434E-AE60-D7507FFD6B5F}" type="datetimeFigureOut">
               <a:rPr kumimoji="1" lang="ja-JP" altLang="en-US" smtClean="0"/>
-              <a:t>2023/2/28</a:t>
+              <a:t>2023/3/9</a:t>
             </a:fld>
             <a:endParaRPr kumimoji="1" lang="ja-JP" altLang="en-US"/>
           </a:p>
@@ -2857,7 +2858,7 @@
           <a:p>
             <a:fld id="{1D5CBE32-40CF-434E-AE60-D7507FFD6B5F}" type="datetimeFigureOut">
               <a:rPr kumimoji="1" lang="ja-JP" altLang="en-US" smtClean="0"/>
-              <a:t>2023/2/28</a:t>
+              <a:t>2023/3/9</a:t>
             </a:fld>
             <a:endParaRPr kumimoji="1" lang="ja-JP" altLang="en-US"/>
           </a:p>
@@ -15916,6 +15917,2149 @@
 </p:sld>
 </file>
 
+<file path=ppt/slides/slide5.xml><?xml version="1.0" encoding="utf-8"?>
+<p:sld xmlns:a="http://schemas.openxmlformats.org/drawingml/2006/main" xmlns:r="http://schemas.openxmlformats.org/officeDocument/2006/relationships" xmlns:p="http://schemas.openxmlformats.org/presentationml/2006/main">
+  <p:cSld>
+    <p:spTree>
+      <p:nvGrpSpPr>
+        <p:cNvPr id="1" name=""/>
+        <p:cNvGrpSpPr/>
+        <p:nvPr/>
+      </p:nvGrpSpPr>
+      <p:grpSpPr>
+        <a:xfrm>
+          <a:off x="0" y="0"/>
+          <a:ext cx="0" cy="0"/>
+          <a:chOff x="0" y="0"/>
+          <a:chExt cx="0" cy="0"/>
+        </a:xfrm>
+      </p:grpSpPr>
+      <p:sp>
+        <p:nvSpPr>
+          <p:cNvPr id="62" name="テキスト ボックス 61">
+            <a:extLst>
+              <a:ext uri="{FF2B5EF4-FFF2-40B4-BE49-F238E27FC236}">
+                <a16:creationId xmlns:a16="http://schemas.microsoft.com/office/drawing/2014/main" id="{D2961484-C205-1621-F53A-0A26577D7E60}"/>
+              </a:ext>
+            </a:extLst>
+          </p:cNvPr>
+          <p:cNvSpPr txBox="1"/>
+          <p:nvPr/>
+        </p:nvSpPr>
+        <p:spPr>
+          <a:xfrm>
+            <a:off x="3257820" y="907231"/>
+            <a:ext cx="3249875" cy="553998"/>
+          </a:xfrm>
+          <a:prstGeom prst="rect">
+            <a:avLst/>
+          </a:prstGeom>
+          <a:noFill/>
+        </p:spPr>
+        <p:txBody>
+          <a:bodyPr wrap="square" tIns="0" rtlCol="0">
+            <a:spAutoFit/>
+          </a:bodyPr>
+          <a:lstStyle/>
+          <a:p>
+            <a:pPr marL="0" marR="0" lvl="0" indent="0" algn="l" defTabSz="457200" rtl="0" eaLnBrk="1" fontAlgn="auto" latinLnBrk="0" hangingPunct="1">
+              <a:lnSpc>
+                <a:spcPct val="100000"/>
+              </a:lnSpc>
+              <a:spcBef>
+                <a:spcPts val="0"/>
+              </a:spcBef>
+              <a:spcAft>
+                <a:spcPts val="0"/>
+              </a:spcAft>
+              <a:buClrTx/>
+              <a:buSzTx/>
+              <a:buFontTx/>
+              <a:buNone/>
+              <a:tabLst/>
+              <a:defRPr/>
+            </a:pPr>
+            <a:r>
+              <a:rPr kumimoji="0" lang="en-US" altLang="ja-JP" sz="1100" b="1" i="0" u="none" strike="noStrike" kern="1200" cap="none" spc="0" normalizeH="0" baseline="0" noProof="0" dirty="0">
+                <a:ln>
+                  <a:noFill/>
+                </a:ln>
+                <a:solidFill>
+                  <a:prstClr val="black"/>
+                </a:solidFill>
+                <a:effectLst/>
+                <a:uLnTx/>
+                <a:uFillTx/>
+                <a:latin typeface="Meirio"/>
+                <a:ea typeface="游ゴシック" panose="020B0400000000000000" pitchFamily="50" charset="-128"/>
+                <a:cs typeface="+mn-cs"/>
+              </a:rPr>
+              <a:t>1. </a:t>
+            </a:r>
+            <a:r>
+              <a:rPr kumimoji="0" lang="en-US" altLang="ja-JP" sz="1100" b="1" i="0" u="none" strike="noStrike" kern="1200" cap="none" spc="0" normalizeH="0" baseline="0" noProof="0" dirty="0">
+                <a:ln>
+                  <a:noFill/>
+                </a:ln>
+                <a:solidFill>
+                  <a:srgbClr val="3366FF"/>
+                </a:solidFill>
+                <a:effectLst/>
+                <a:uLnTx/>
+                <a:uFillTx/>
+                <a:latin typeface="Meirio"/>
+                <a:ea typeface="游ゴシック" panose="020B0400000000000000" pitchFamily="50" charset="-128"/>
+                <a:cs typeface="+mn-cs"/>
+              </a:rPr>
+              <a:t>Register</a:t>
+            </a:r>
+            <a:r>
+              <a:rPr kumimoji="0" lang="ja-JP" altLang="en-US" sz="1100" b="1" i="0" u="none" strike="noStrike" kern="1200" cap="none" spc="0" normalizeH="0" baseline="0" noProof="0" dirty="0">
+                <a:ln>
+                  <a:noFill/>
+                </a:ln>
+                <a:solidFill>
+                  <a:srgbClr val="3366FF"/>
+                </a:solidFill>
+                <a:effectLst/>
+                <a:uLnTx/>
+                <a:uFillTx/>
+                <a:latin typeface="Meirio"/>
+                <a:ea typeface="游ゴシック" panose="020B0400000000000000" pitchFamily="50" charset="-128"/>
+                <a:cs typeface="+mn-cs"/>
+              </a:rPr>
+              <a:t> </a:t>
+            </a:r>
+            <a:r>
+              <a:rPr kumimoji="0" lang="en-US" altLang="ja-JP" sz="1100" b="1" i="0" u="none" strike="noStrike" kern="1200" cap="none" spc="0" normalizeH="0" baseline="0" noProof="0" dirty="0">
+                <a:ln>
+                  <a:noFill/>
+                </a:ln>
+                <a:solidFill>
+                  <a:srgbClr val="3366FF"/>
+                </a:solidFill>
+                <a:effectLst/>
+                <a:uLnTx/>
+                <a:uFillTx/>
+                <a:latin typeface="Meirio"/>
+                <a:ea typeface="游ゴシック" panose="020B0400000000000000" pitchFamily="50" charset="-128"/>
+                <a:cs typeface="+mn-cs"/>
+              </a:rPr>
+              <a:t>Write</a:t>
+            </a:r>
+          </a:p>
+          <a:p>
+            <a:pPr marL="0" marR="0" lvl="0" indent="0" algn="l" defTabSz="457200" rtl="0" eaLnBrk="1" fontAlgn="auto" latinLnBrk="0" hangingPunct="1">
+              <a:lnSpc>
+                <a:spcPct val="100000"/>
+              </a:lnSpc>
+              <a:spcBef>
+                <a:spcPts val="0"/>
+              </a:spcBef>
+              <a:spcAft>
+                <a:spcPts val="0"/>
+              </a:spcAft>
+              <a:buClrTx/>
+              <a:buSzTx/>
+              <a:buFontTx/>
+              <a:buNone/>
+              <a:tabLst/>
+              <a:defRPr/>
+            </a:pPr>
+            <a:r>
+              <a:rPr kumimoji="0" lang="ja-JP" altLang="en-US" sz="1100" b="1" i="0" u="none" strike="noStrike" kern="1200" cap="none" spc="0" normalizeH="0" baseline="0" noProof="0" dirty="0">
+                <a:ln>
+                  <a:noFill/>
+                </a:ln>
+                <a:solidFill>
+                  <a:prstClr val="black"/>
+                </a:solidFill>
+                <a:effectLst/>
+                <a:uLnTx/>
+                <a:uFillTx/>
+                <a:latin typeface="Meirio"/>
+                <a:ea typeface="游ゴシック" panose="020B0400000000000000" pitchFamily="50" charset="-128"/>
+                <a:cs typeface="+mn-cs"/>
+              </a:rPr>
+              <a:t>　</a:t>
+            </a:r>
+            <a:r>
+              <a:rPr kumimoji="0" lang="en-US" altLang="ja-JP" sz="1100" b="1" i="0" u="none" strike="noStrike" kern="1200" cap="none" spc="0" normalizeH="0" baseline="0" noProof="0" dirty="0">
+                <a:ln>
+                  <a:noFill/>
+                </a:ln>
+                <a:solidFill>
+                  <a:prstClr val="black"/>
+                </a:solidFill>
+                <a:effectLst/>
+                <a:uLnTx/>
+                <a:uFillTx/>
+                <a:latin typeface="Meirio"/>
+                <a:ea typeface="游ゴシック" panose="020B0400000000000000" pitchFamily="50" charset="-128"/>
+                <a:cs typeface="+mn-cs"/>
+              </a:rPr>
+              <a:t>BHM Initialization Access Control Register</a:t>
+            </a:r>
+          </a:p>
+          <a:p>
+            <a:pPr marL="0" marR="0" lvl="0" indent="0" algn="l" defTabSz="457200" rtl="0" eaLnBrk="1" fontAlgn="auto" latinLnBrk="0" hangingPunct="1">
+              <a:lnSpc>
+                <a:spcPct val="100000"/>
+              </a:lnSpc>
+              <a:spcBef>
+                <a:spcPts val="0"/>
+              </a:spcBef>
+              <a:spcAft>
+                <a:spcPts val="0"/>
+              </a:spcAft>
+              <a:buClrTx/>
+              <a:buSzTx/>
+              <a:buFontTx/>
+              <a:buNone/>
+              <a:tabLst/>
+              <a:defRPr/>
+            </a:pPr>
+            <a:r>
+              <a:rPr kumimoji="0" lang="ja-JP" altLang="en-US" sz="1100" b="1" i="0" u="none" strike="noStrike" kern="1200" cap="none" spc="0" normalizeH="0" baseline="0" noProof="0" dirty="0">
+                <a:ln>
+                  <a:noFill/>
+                </a:ln>
+                <a:solidFill>
+                  <a:prstClr val="black"/>
+                </a:solidFill>
+                <a:effectLst/>
+                <a:uLnTx/>
+                <a:uFillTx/>
+                <a:latin typeface="Meirio"/>
+                <a:ea typeface="游ゴシック" panose="020B0400000000000000" pitchFamily="50" charset="-128"/>
+                <a:cs typeface="+mn-cs"/>
+              </a:rPr>
+              <a:t>　</a:t>
+            </a:r>
+            <a:r>
+              <a:rPr kumimoji="0" lang="en-US" altLang="ja-JP" sz="1100" b="0" i="0" u="none" strike="noStrike" kern="1200" cap="none" spc="0" normalizeH="0" baseline="0" noProof="0" dirty="0">
+                <a:ln>
+                  <a:noFill/>
+                </a:ln>
+                <a:solidFill>
+                  <a:prstClr val="black"/>
+                </a:solidFill>
+                <a:effectLst/>
+                <a:uLnTx/>
+                <a:uFillTx/>
+                <a:latin typeface="Meirio"/>
+                <a:ea typeface="游ゴシック" panose="020B0400000000000000" pitchFamily="50" charset="-128"/>
+                <a:cs typeface="+mn-cs"/>
+              </a:rPr>
+              <a:t>Write Data:</a:t>
+            </a:r>
+            <a:r>
+              <a:rPr kumimoji="0" lang="ja-JP" altLang="en-US" sz="1100" b="0" i="0" u="none" strike="noStrike" kern="1200" cap="none" spc="0" normalizeH="0" baseline="0" noProof="0" dirty="0">
+                <a:ln>
+                  <a:noFill/>
+                </a:ln>
+                <a:solidFill>
+                  <a:prstClr val="black"/>
+                </a:solidFill>
+                <a:effectLst/>
+                <a:uLnTx/>
+                <a:uFillTx/>
+                <a:latin typeface="Meirio"/>
+                <a:ea typeface="游ゴシック" panose="020B0400000000000000" pitchFamily="50" charset="-128"/>
+                <a:cs typeface="+mn-cs"/>
+              </a:rPr>
+              <a:t> </a:t>
+            </a:r>
+            <a:r>
+              <a:rPr lang="en-US" altLang="ja-JP" sz="1100">
+                <a:solidFill>
+                  <a:prstClr val="black"/>
+                </a:solidFill>
+                <a:latin typeface="Meirio"/>
+                <a:ea typeface="游ゴシック" panose="020B0400000000000000" pitchFamily="50" charset="-128"/>
+              </a:rPr>
+              <a:t>0x0001001F</a:t>
+            </a:r>
+            <a:endParaRPr kumimoji="0" lang="en-US" altLang="ja-JP" sz="1100" b="0" i="0" u="none" strike="noStrike" kern="1200" cap="none" spc="0" normalizeH="0" baseline="0" noProof="0" dirty="0">
+              <a:ln>
+                <a:noFill/>
+              </a:ln>
+              <a:solidFill>
+                <a:prstClr val="black"/>
+              </a:solidFill>
+              <a:effectLst/>
+              <a:uLnTx/>
+              <a:uFillTx/>
+              <a:latin typeface="Meirio"/>
+              <a:ea typeface="游ゴシック" panose="020B0400000000000000" pitchFamily="50" charset="-128"/>
+              <a:cs typeface="+mn-cs"/>
+            </a:endParaRPr>
+          </a:p>
+        </p:txBody>
+      </p:sp>
+      <p:cxnSp>
+        <p:nvCxnSpPr>
+          <p:cNvPr id="63" name="直線コネクタ 62">
+            <a:extLst>
+              <a:ext uri="{FF2B5EF4-FFF2-40B4-BE49-F238E27FC236}">
+                <a16:creationId xmlns:a16="http://schemas.microsoft.com/office/drawing/2014/main" id="{BC1362A1-2769-D96A-212C-27460FD4DE21}"/>
+              </a:ext>
+            </a:extLst>
+          </p:cNvPr>
+          <p:cNvCxnSpPr>
+            <a:cxnSpLocks/>
+          </p:cNvCxnSpPr>
+          <p:nvPr/>
+        </p:nvCxnSpPr>
+        <p:spPr>
+          <a:xfrm>
+            <a:off x="3257820" y="907231"/>
+            <a:ext cx="0" cy="477024"/>
+          </a:xfrm>
+          <a:prstGeom prst="line">
+            <a:avLst/>
+          </a:prstGeom>
+          <a:ln w="28575">
+            <a:solidFill>
+              <a:schemeClr val="accent1"/>
+            </a:solidFill>
+          </a:ln>
+        </p:spPr>
+        <p:style>
+          <a:lnRef idx="1">
+            <a:schemeClr val="accent1"/>
+          </a:lnRef>
+          <a:fillRef idx="0">
+            <a:schemeClr val="accent1"/>
+          </a:fillRef>
+          <a:effectRef idx="0">
+            <a:schemeClr val="accent1"/>
+          </a:effectRef>
+          <a:fontRef idx="minor">
+            <a:schemeClr val="tx1"/>
+          </a:fontRef>
+        </p:style>
+      </p:cxnSp>
+      <p:sp>
+        <p:nvSpPr>
+          <p:cNvPr id="85" name="テキスト ボックス 84">
+            <a:extLst>
+              <a:ext uri="{FF2B5EF4-FFF2-40B4-BE49-F238E27FC236}">
+                <a16:creationId xmlns:a16="http://schemas.microsoft.com/office/drawing/2014/main" id="{AC7883F7-F75E-D14C-311B-CEB485D554C0}"/>
+              </a:ext>
+            </a:extLst>
+          </p:cNvPr>
+          <p:cNvSpPr txBox="1"/>
+          <p:nvPr/>
+        </p:nvSpPr>
+        <p:spPr>
+          <a:xfrm>
+            <a:off x="3257820" y="2919714"/>
+            <a:ext cx="3328503" cy="1061829"/>
+          </a:xfrm>
+          <a:prstGeom prst="rect">
+            <a:avLst/>
+          </a:prstGeom>
+          <a:noFill/>
+        </p:spPr>
+        <p:txBody>
+          <a:bodyPr wrap="square" tIns="0" rtlCol="0">
+            <a:spAutoFit/>
+          </a:bodyPr>
+          <a:lstStyle/>
+          <a:p>
+            <a:pPr marL="0" marR="0" lvl="0" indent="0" algn="l" defTabSz="457200" rtl="0" eaLnBrk="1" fontAlgn="auto" latinLnBrk="0" hangingPunct="1">
+              <a:lnSpc>
+                <a:spcPct val="100000"/>
+              </a:lnSpc>
+              <a:spcBef>
+                <a:spcPts val="0"/>
+              </a:spcBef>
+              <a:spcAft>
+                <a:spcPts val="0"/>
+              </a:spcAft>
+              <a:buClrTx/>
+              <a:buSzTx/>
+              <a:buFontTx/>
+              <a:buNone/>
+              <a:tabLst/>
+              <a:defRPr/>
+            </a:pPr>
+            <a:r>
+              <a:rPr kumimoji="0" lang="en-US" altLang="ja-JP" sz="1100" b="1" i="0" u="none" strike="noStrike" kern="1200" cap="none" spc="0" normalizeH="0" baseline="0" noProof="0" dirty="0">
+                <a:ln>
+                  <a:noFill/>
+                </a:ln>
+                <a:solidFill>
+                  <a:prstClr val="black"/>
+                </a:solidFill>
+                <a:effectLst/>
+                <a:uLnTx/>
+                <a:uFillTx/>
+                <a:latin typeface="Meirio"/>
+                <a:ea typeface="游ゴシック" panose="020B0400000000000000" pitchFamily="50" charset="-128"/>
+                <a:cs typeface="+mn-cs"/>
+              </a:rPr>
+              <a:t>3. </a:t>
+            </a:r>
+            <a:r>
+              <a:rPr kumimoji="0" lang="en-US" altLang="ja-JP" sz="1100" b="1" i="0" u="none" strike="noStrike" kern="1200" cap="none" spc="0" normalizeH="0" baseline="0" noProof="0" dirty="0">
+                <a:ln>
+                  <a:noFill/>
+                </a:ln>
+                <a:solidFill>
+                  <a:srgbClr val="3366FF"/>
+                </a:solidFill>
+                <a:effectLst/>
+                <a:uLnTx/>
+                <a:uFillTx/>
+                <a:latin typeface="Meirio"/>
+                <a:ea typeface="游ゴシック" panose="020B0400000000000000" pitchFamily="50" charset="-128"/>
+                <a:cs typeface="+mn-cs"/>
+              </a:rPr>
+              <a:t>Register</a:t>
+            </a:r>
+            <a:r>
+              <a:rPr kumimoji="0" lang="ja-JP" altLang="en-US" sz="1100" b="1" i="0" u="none" strike="noStrike" kern="1200" cap="none" spc="0" normalizeH="0" baseline="0" noProof="0" dirty="0">
+                <a:ln>
+                  <a:noFill/>
+                </a:ln>
+                <a:solidFill>
+                  <a:srgbClr val="3366FF"/>
+                </a:solidFill>
+                <a:effectLst/>
+                <a:uLnTx/>
+                <a:uFillTx/>
+                <a:latin typeface="Meirio"/>
+                <a:ea typeface="游ゴシック" panose="020B0400000000000000" pitchFamily="50" charset="-128"/>
+                <a:cs typeface="+mn-cs"/>
+              </a:rPr>
+              <a:t> </a:t>
+            </a:r>
+            <a:r>
+              <a:rPr kumimoji="0" lang="en-US" altLang="ja-JP" sz="1100" b="1" i="0" u="none" strike="noStrike" kern="1200" cap="none" spc="0" normalizeH="0" baseline="0" noProof="0" dirty="0">
+                <a:ln>
+                  <a:noFill/>
+                </a:ln>
+                <a:solidFill>
+                  <a:srgbClr val="3366FF"/>
+                </a:solidFill>
+                <a:effectLst/>
+                <a:uLnTx/>
+                <a:uFillTx/>
+                <a:latin typeface="Meirio"/>
+                <a:ea typeface="游ゴシック" panose="020B0400000000000000" pitchFamily="50" charset="-128"/>
+                <a:cs typeface="+mn-cs"/>
+              </a:rPr>
+              <a:t>Write</a:t>
+            </a:r>
+          </a:p>
+          <a:p>
+            <a:pPr marL="0" marR="0" lvl="0" indent="0" algn="l" defTabSz="457200" rtl="0" eaLnBrk="1" fontAlgn="auto" latinLnBrk="0" hangingPunct="1">
+              <a:lnSpc>
+                <a:spcPct val="100000"/>
+              </a:lnSpc>
+              <a:spcBef>
+                <a:spcPts val="0"/>
+              </a:spcBef>
+              <a:spcAft>
+                <a:spcPts val="0"/>
+              </a:spcAft>
+              <a:buClrTx/>
+              <a:buSzTx/>
+              <a:buFontTx/>
+              <a:buNone/>
+              <a:tabLst/>
+              <a:defRPr/>
+            </a:pPr>
+            <a:r>
+              <a:rPr kumimoji="0" lang="ja-JP" altLang="en-US" sz="1100" b="1" i="0" u="none" strike="noStrike" kern="1200" cap="none" spc="0" normalizeH="0" baseline="0" noProof="0" dirty="0">
+                <a:ln>
+                  <a:noFill/>
+                </a:ln>
+                <a:solidFill>
+                  <a:srgbClr val="3366FF"/>
+                </a:solidFill>
+                <a:effectLst/>
+                <a:uLnTx/>
+                <a:uFillTx/>
+                <a:latin typeface="Meirio"/>
+                <a:ea typeface="游ゴシック" panose="020B0400000000000000" pitchFamily="50" charset="-128"/>
+                <a:cs typeface="+mn-cs"/>
+              </a:rPr>
+              <a:t>　</a:t>
+            </a:r>
+            <a:r>
+              <a:rPr kumimoji="0" lang="en-US" altLang="ja-JP" sz="1100" b="1" i="0" u="none" strike="noStrike" kern="1200" cap="none" spc="0" normalizeH="0" baseline="0" noProof="0" dirty="0">
+                <a:ln>
+                  <a:noFill/>
+                </a:ln>
+                <a:solidFill>
+                  <a:prstClr val="black"/>
+                </a:solidFill>
+                <a:effectLst/>
+                <a:uLnTx/>
+                <a:uFillTx/>
+                <a:latin typeface="Meirio"/>
+                <a:ea typeface="游ゴシック" panose="020B0400000000000000" pitchFamily="50" charset="-128"/>
+                <a:cs typeface="+mn-cs"/>
+              </a:rPr>
+              <a:t>BHM Interrupt Status Register</a:t>
+            </a:r>
+          </a:p>
+          <a:p>
+            <a:pPr marL="0" marR="0" lvl="0" indent="0" algn="l" defTabSz="457200" rtl="0" eaLnBrk="1" fontAlgn="auto" latinLnBrk="0" hangingPunct="1">
+              <a:lnSpc>
+                <a:spcPct val="100000"/>
+              </a:lnSpc>
+              <a:spcBef>
+                <a:spcPts val="0"/>
+              </a:spcBef>
+              <a:spcAft>
+                <a:spcPts val="0"/>
+              </a:spcAft>
+              <a:buClrTx/>
+              <a:buSzTx/>
+              <a:buFontTx/>
+              <a:buNone/>
+              <a:tabLst/>
+              <a:defRPr/>
+            </a:pPr>
+            <a:r>
+              <a:rPr kumimoji="0" lang="ja-JP" altLang="en-US" sz="1100" b="0" i="0" u="none" strike="noStrike" kern="1200" cap="none" spc="0" normalizeH="0" baseline="0" noProof="0" dirty="0">
+                <a:ln>
+                  <a:noFill/>
+                </a:ln>
+                <a:solidFill>
+                  <a:prstClr val="black"/>
+                </a:solidFill>
+                <a:effectLst/>
+                <a:uLnTx/>
+                <a:uFillTx/>
+                <a:latin typeface="Meirio"/>
+                <a:ea typeface="游ゴシック" panose="020B0400000000000000" pitchFamily="50" charset="-128"/>
+                <a:cs typeface="+mn-cs"/>
+              </a:rPr>
+              <a:t>　</a:t>
+            </a:r>
+            <a:r>
+              <a:rPr kumimoji="0" lang="en-US" altLang="ja-JP" sz="1100" b="0" i="0" u="none" strike="noStrike" kern="1200" cap="none" spc="0" normalizeH="0" baseline="0" noProof="0" dirty="0">
+                <a:ln>
+                  <a:noFill/>
+                </a:ln>
+                <a:solidFill>
+                  <a:prstClr val="black"/>
+                </a:solidFill>
+                <a:effectLst/>
+                <a:uLnTx/>
+                <a:uFillTx/>
+                <a:latin typeface="Meirio"/>
+                <a:ea typeface="游ゴシック" panose="020B0400000000000000" pitchFamily="50" charset="-128"/>
+                <a:cs typeface="+mn-cs"/>
+              </a:rPr>
+              <a:t>Write Data: 0x00000001</a:t>
+            </a:r>
+          </a:p>
+          <a:p>
+            <a:pPr marL="0" marR="0" lvl="0" indent="0" algn="l" defTabSz="457200" rtl="0" eaLnBrk="1" fontAlgn="auto" latinLnBrk="0" hangingPunct="1">
+              <a:lnSpc>
+                <a:spcPct val="100000"/>
+              </a:lnSpc>
+              <a:spcBef>
+                <a:spcPts val="0"/>
+              </a:spcBef>
+              <a:spcAft>
+                <a:spcPts val="0"/>
+              </a:spcAft>
+              <a:buClrTx/>
+              <a:buSzTx/>
+              <a:buFontTx/>
+              <a:buNone/>
+              <a:tabLst/>
+              <a:defRPr/>
+            </a:pPr>
+            <a:r>
+              <a:rPr kumimoji="0" lang="ja-JP" altLang="en-US" sz="1100" b="1" i="0" u="none" strike="noStrike" kern="1200" cap="none" spc="0" normalizeH="0" baseline="0" noProof="0" dirty="0">
+                <a:ln>
+                  <a:noFill/>
+                </a:ln>
+                <a:solidFill>
+                  <a:srgbClr val="70AD47"/>
+                </a:solidFill>
+                <a:effectLst/>
+                <a:uLnTx/>
+                <a:uFillTx/>
+                <a:latin typeface="Meirio"/>
+                <a:ea typeface="游ゴシック" panose="020B0400000000000000" pitchFamily="50" charset="-128"/>
+                <a:cs typeface="+mn-cs"/>
+              </a:rPr>
+              <a:t>　</a:t>
+            </a:r>
+            <a:r>
+              <a:rPr kumimoji="0" lang="en-US" altLang="ja-JP" sz="1100" b="1" i="0" u="none" strike="noStrike" kern="1200" cap="none" spc="0" normalizeH="0" baseline="0" noProof="0" dirty="0">
+                <a:ln>
+                  <a:noFill/>
+                </a:ln>
+                <a:solidFill>
+                  <a:srgbClr val="70AD47"/>
+                </a:solidFill>
+                <a:effectLst/>
+                <a:uLnTx/>
+                <a:uFillTx/>
+                <a:latin typeface="Meirio"/>
+                <a:ea typeface="游ゴシック" panose="020B0400000000000000" pitchFamily="50" charset="-128"/>
+                <a:cs typeface="+mn-cs"/>
+              </a:rPr>
+              <a:t>Register</a:t>
+            </a:r>
+            <a:r>
+              <a:rPr kumimoji="0" lang="ja-JP" altLang="en-US" sz="1100" b="1" i="0" u="none" strike="noStrike" kern="1200" cap="none" spc="0" normalizeH="0" baseline="0" noProof="0" dirty="0">
+                <a:ln>
+                  <a:noFill/>
+                </a:ln>
+                <a:solidFill>
+                  <a:srgbClr val="70AD47"/>
+                </a:solidFill>
+                <a:effectLst/>
+                <a:uLnTx/>
+                <a:uFillTx/>
+                <a:latin typeface="Meirio"/>
+                <a:ea typeface="游ゴシック" panose="020B0400000000000000" pitchFamily="50" charset="-128"/>
+                <a:cs typeface="+mn-cs"/>
+              </a:rPr>
+              <a:t> </a:t>
+            </a:r>
+            <a:r>
+              <a:rPr kumimoji="0" lang="en-US" altLang="ja-JP" sz="1100" b="1" i="0" u="none" strike="noStrike" kern="1200" cap="none" spc="0" normalizeH="0" baseline="0" noProof="0" dirty="0">
+                <a:ln>
+                  <a:noFill/>
+                </a:ln>
+                <a:solidFill>
+                  <a:srgbClr val="70AD47"/>
+                </a:solidFill>
+                <a:effectLst/>
+                <a:uLnTx/>
+                <a:uFillTx/>
+                <a:latin typeface="Meirio"/>
+                <a:ea typeface="游ゴシック" panose="020B0400000000000000" pitchFamily="50" charset="-128"/>
+                <a:cs typeface="+mn-cs"/>
+              </a:rPr>
+              <a:t>Read</a:t>
+            </a:r>
+          </a:p>
+          <a:p>
+            <a:pPr marL="0" marR="0" lvl="0" indent="0" algn="l" defTabSz="457200" rtl="0" eaLnBrk="1" fontAlgn="auto" latinLnBrk="0" hangingPunct="1">
+              <a:lnSpc>
+                <a:spcPct val="100000"/>
+              </a:lnSpc>
+              <a:spcBef>
+                <a:spcPts val="0"/>
+              </a:spcBef>
+              <a:spcAft>
+                <a:spcPts val="0"/>
+              </a:spcAft>
+              <a:buClrTx/>
+              <a:buSzTx/>
+              <a:buFontTx/>
+              <a:buNone/>
+              <a:tabLst/>
+              <a:defRPr/>
+            </a:pPr>
+            <a:r>
+              <a:rPr kumimoji="0" lang="ja-JP" altLang="en-US" sz="1100" b="1" i="0" u="none" strike="noStrike" kern="1200" cap="none" spc="0" normalizeH="0" baseline="0" noProof="0" dirty="0">
+                <a:ln>
+                  <a:noFill/>
+                </a:ln>
+                <a:solidFill>
+                  <a:srgbClr val="70AD47"/>
+                </a:solidFill>
+                <a:effectLst/>
+                <a:uLnTx/>
+                <a:uFillTx/>
+                <a:latin typeface="Meirio"/>
+                <a:ea typeface="游ゴシック" panose="020B0400000000000000" pitchFamily="50" charset="-128"/>
+                <a:cs typeface="+mn-cs"/>
+              </a:rPr>
+              <a:t>　</a:t>
+            </a:r>
+            <a:r>
+              <a:rPr kumimoji="0" lang="en-US" altLang="ja-JP" sz="1100" b="1" i="0" u="none" strike="noStrike" kern="1200" cap="none" spc="0" normalizeH="0" baseline="0" noProof="0" dirty="0">
+                <a:ln>
+                  <a:noFill/>
+                </a:ln>
+                <a:solidFill>
+                  <a:prstClr val="black"/>
+                </a:solidFill>
+                <a:effectLst/>
+                <a:uLnTx/>
+                <a:uFillTx/>
+                <a:latin typeface="Meirio"/>
+                <a:ea typeface="游ゴシック" panose="020B0400000000000000" pitchFamily="50" charset="-128"/>
+                <a:cs typeface="+mn-cs"/>
+              </a:rPr>
+              <a:t>BHM Interrupt Status Register</a:t>
+            </a:r>
+          </a:p>
+          <a:p>
+            <a:pPr marL="0" marR="0" lvl="0" indent="0" algn="l" defTabSz="457200" rtl="0" eaLnBrk="1" fontAlgn="auto" latinLnBrk="0" hangingPunct="1">
+              <a:lnSpc>
+                <a:spcPct val="100000"/>
+              </a:lnSpc>
+              <a:spcBef>
+                <a:spcPts val="0"/>
+              </a:spcBef>
+              <a:spcAft>
+                <a:spcPts val="0"/>
+              </a:spcAft>
+              <a:buClrTx/>
+              <a:buSzTx/>
+              <a:buFontTx/>
+              <a:buNone/>
+              <a:tabLst/>
+              <a:defRPr/>
+            </a:pPr>
+            <a:r>
+              <a:rPr kumimoji="0" lang="ja-JP" altLang="en-US" sz="1100" b="0" i="0" u="none" strike="noStrike" kern="1200" cap="none" spc="0" normalizeH="0" baseline="0" noProof="0" dirty="0">
+                <a:ln>
+                  <a:noFill/>
+                </a:ln>
+                <a:solidFill>
+                  <a:prstClr val="black"/>
+                </a:solidFill>
+                <a:effectLst/>
+                <a:uLnTx/>
+                <a:uFillTx/>
+                <a:latin typeface="Meirio"/>
+                <a:ea typeface="游ゴシック" panose="020B0400000000000000" pitchFamily="50" charset="-128"/>
+                <a:cs typeface="+mn-cs"/>
+              </a:rPr>
+              <a:t>　</a:t>
+            </a:r>
+            <a:r>
+              <a:rPr kumimoji="0" lang="en-US" altLang="ja-JP" sz="1100" b="0" i="0" u="none" strike="noStrike" kern="1200" cap="none" spc="0" normalizeH="0" baseline="0" noProof="0" dirty="0">
+                <a:ln>
+                  <a:noFill/>
+                </a:ln>
+                <a:solidFill>
+                  <a:prstClr val="black"/>
+                </a:solidFill>
+                <a:effectLst/>
+                <a:uLnTx/>
+                <a:uFillTx/>
+                <a:latin typeface="Meirio"/>
+                <a:ea typeface="游ゴシック" panose="020B0400000000000000" pitchFamily="50" charset="-128"/>
+                <a:cs typeface="+mn-cs"/>
+              </a:rPr>
+              <a:t>Read Data: 0x00000000</a:t>
+            </a:r>
+          </a:p>
+        </p:txBody>
+      </p:sp>
+      <p:sp>
+        <p:nvSpPr>
+          <p:cNvPr id="90" name="テキスト ボックス 89">
+            <a:extLst>
+              <a:ext uri="{FF2B5EF4-FFF2-40B4-BE49-F238E27FC236}">
+                <a16:creationId xmlns:a16="http://schemas.microsoft.com/office/drawing/2014/main" id="{F93F6BAC-A4F0-63BF-921E-25CB4627DEF6}"/>
+              </a:ext>
+            </a:extLst>
+          </p:cNvPr>
+          <p:cNvSpPr txBox="1"/>
+          <p:nvPr/>
+        </p:nvSpPr>
+        <p:spPr>
+          <a:xfrm>
+            <a:off x="3257820" y="1920399"/>
+            <a:ext cx="3328503" cy="723275"/>
+          </a:xfrm>
+          <a:prstGeom prst="rect">
+            <a:avLst/>
+          </a:prstGeom>
+          <a:noFill/>
+        </p:spPr>
+        <p:txBody>
+          <a:bodyPr wrap="square" tIns="0" rtlCol="0">
+            <a:spAutoFit/>
+          </a:bodyPr>
+          <a:lstStyle/>
+          <a:p>
+            <a:pPr marL="0" marR="0" lvl="0" indent="0" algn="l" defTabSz="457200" rtl="0" eaLnBrk="1" fontAlgn="auto" latinLnBrk="0" hangingPunct="1">
+              <a:lnSpc>
+                <a:spcPct val="100000"/>
+              </a:lnSpc>
+              <a:spcBef>
+                <a:spcPts val="0"/>
+              </a:spcBef>
+              <a:spcAft>
+                <a:spcPts val="0"/>
+              </a:spcAft>
+              <a:buClrTx/>
+              <a:buSzTx/>
+              <a:buFontTx/>
+              <a:buNone/>
+              <a:tabLst/>
+              <a:defRPr/>
+            </a:pPr>
+            <a:r>
+              <a:rPr kumimoji="0" lang="en-US" altLang="ja-JP" sz="1100" b="1" i="0" u="none" strike="noStrike" kern="1200" cap="none" spc="0" normalizeH="0" baseline="0" noProof="0" dirty="0">
+                <a:ln>
+                  <a:noFill/>
+                </a:ln>
+                <a:solidFill>
+                  <a:prstClr val="black"/>
+                </a:solidFill>
+                <a:effectLst/>
+                <a:uLnTx/>
+                <a:uFillTx/>
+                <a:latin typeface="Meirio"/>
+                <a:ea typeface="游ゴシック" panose="020B0400000000000000" pitchFamily="50" charset="-128"/>
+                <a:cs typeface="+mn-cs"/>
+              </a:rPr>
+              <a:t>2.</a:t>
+            </a:r>
+            <a:r>
+              <a:rPr kumimoji="0" lang="ja-JP" altLang="en-US" sz="1100" b="1" i="0" u="none" strike="noStrike" kern="1200" cap="none" spc="0" normalizeH="0" baseline="0" noProof="0" dirty="0">
+                <a:ln>
+                  <a:noFill/>
+                </a:ln>
+                <a:solidFill>
+                  <a:prstClr val="black"/>
+                </a:solidFill>
+                <a:effectLst/>
+                <a:uLnTx/>
+                <a:uFillTx/>
+                <a:latin typeface="Meirio"/>
+                <a:ea typeface="游ゴシック" panose="020B0400000000000000" pitchFamily="50" charset="-128"/>
+                <a:cs typeface="+mn-cs"/>
+              </a:rPr>
+              <a:t> </a:t>
+            </a:r>
+            <a:r>
+              <a:rPr kumimoji="0" lang="en-US" altLang="ja-JP" sz="1100" b="1" i="0" u="none" strike="noStrike" kern="1200" cap="none" spc="0" normalizeH="0" baseline="0" noProof="0" dirty="0">
+                <a:ln>
+                  <a:noFill/>
+                </a:ln>
+                <a:solidFill>
+                  <a:srgbClr val="ED7D31"/>
+                </a:solidFill>
+                <a:effectLst/>
+                <a:uLnTx/>
+                <a:uFillTx/>
+                <a:latin typeface="Meirio"/>
+                <a:ea typeface="游ゴシック" panose="020B0400000000000000" pitchFamily="50" charset="-128"/>
+                <a:cs typeface="+mn-cs"/>
+              </a:rPr>
+              <a:t>Assert</a:t>
+            </a:r>
+            <a:r>
+              <a:rPr kumimoji="0" lang="en-US" altLang="ja-JP" sz="1100" b="0" i="0" u="none" strike="noStrike" kern="1200" cap="none" spc="0" normalizeH="0" baseline="0" noProof="0" dirty="0">
+                <a:ln>
+                  <a:noFill/>
+                </a:ln>
+                <a:solidFill>
+                  <a:prstClr val="black"/>
+                </a:solidFill>
+                <a:effectLst/>
+                <a:uLnTx/>
+                <a:uFillTx/>
+                <a:latin typeface="Meirio"/>
+                <a:ea typeface="游ゴシック" panose="020B0400000000000000" pitchFamily="50" charset="-128"/>
+                <a:cs typeface="+mn-cs"/>
+              </a:rPr>
+              <a:t> </a:t>
+            </a:r>
+            <a:r>
+              <a:rPr kumimoji="0" lang="en-US" altLang="ja-JP" sz="1100" b="1" i="0" u="none" strike="noStrike" kern="1200" cap="none" spc="0" normalizeH="0" baseline="0" noProof="0" dirty="0">
+                <a:ln>
+                  <a:noFill/>
+                </a:ln>
+                <a:solidFill>
+                  <a:prstClr val="black"/>
+                </a:solidFill>
+                <a:effectLst/>
+                <a:uLnTx/>
+                <a:uFillTx/>
+                <a:latin typeface="Meirio"/>
+                <a:ea typeface="游ゴシック" panose="020B0400000000000000" pitchFamily="50" charset="-128"/>
+                <a:cs typeface="+mn-cs"/>
+              </a:rPr>
+              <a:t>SYSMON_HBM_INT</a:t>
+            </a:r>
+          </a:p>
+          <a:p>
+            <a:pPr marL="0" marR="0" lvl="0" indent="0" algn="l" defTabSz="457200" rtl="0" eaLnBrk="1" fontAlgn="auto" latinLnBrk="0" hangingPunct="1">
+              <a:lnSpc>
+                <a:spcPct val="100000"/>
+              </a:lnSpc>
+              <a:spcBef>
+                <a:spcPts val="0"/>
+              </a:spcBef>
+              <a:spcAft>
+                <a:spcPts val="0"/>
+              </a:spcAft>
+              <a:buClrTx/>
+              <a:buSzTx/>
+              <a:buFontTx/>
+              <a:buNone/>
+              <a:tabLst/>
+              <a:defRPr/>
+            </a:pPr>
+            <a:r>
+              <a:rPr kumimoji="0" lang="ja-JP" altLang="en-US" sz="1100" b="1" i="0" u="none" strike="noStrike" kern="1200" cap="none" spc="0" normalizeH="0" baseline="0" noProof="0" dirty="0">
+                <a:ln>
+                  <a:noFill/>
+                </a:ln>
+                <a:solidFill>
+                  <a:srgbClr val="70AD47"/>
+                </a:solidFill>
+                <a:effectLst/>
+                <a:uLnTx/>
+                <a:uFillTx/>
+                <a:latin typeface="Meirio"/>
+                <a:ea typeface="游ゴシック" panose="020B0400000000000000" pitchFamily="50" charset="-128"/>
+                <a:cs typeface="+mn-cs"/>
+              </a:rPr>
+              <a:t>　</a:t>
+            </a:r>
+            <a:r>
+              <a:rPr kumimoji="0" lang="en-US" altLang="ja-JP" sz="1100" b="1" i="0" u="none" strike="noStrike" kern="1200" cap="none" spc="0" normalizeH="0" baseline="0" noProof="0" dirty="0">
+                <a:ln>
+                  <a:noFill/>
+                </a:ln>
+                <a:solidFill>
+                  <a:srgbClr val="70AD47"/>
+                </a:solidFill>
+                <a:effectLst/>
+                <a:uLnTx/>
+                <a:uFillTx/>
+                <a:latin typeface="Meirio"/>
+                <a:ea typeface="游ゴシック" panose="020B0400000000000000" pitchFamily="50" charset="-128"/>
+                <a:cs typeface="+mn-cs"/>
+              </a:rPr>
+              <a:t>Register</a:t>
+            </a:r>
+            <a:r>
+              <a:rPr kumimoji="0" lang="ja-JP" altLang="en-US" sz="1100" b="1" i="0" u="none" strike="noStrike" kern="1200" cap="none" spc="0" normalizeH="0" baseline="0" noProof="0" dirty="0">
+                <a:ln>
+                  <a:noFill/>
+                </a:ln>
+                <a:solidFill>
+                  <a:srgbClr val="70AD47"/>
+                </a:solidFill>
+                <a:effectLst/>
+                <a:uLnTx/>
+                <a:uFillTx/>
+                <a:latin typeface="Meirio"/>
+                <a:ea typeface="游ゴシック" panose="020B0400000000000000" pitchFamily="50" charset="-128"/>
+                <a:cs typeface="+mn-cs"/>
+              </a:rPr>
+              <a:t> </a:t>
+            </a:r>
+            <a:r>
+              <a:rPr kumimoji="0" lang="en-US" altLang="ja-JP" sz="1100" b="1" i="0" u="none" strike="noStrike" kern="1200" cap="none" spc="0" normalizeH="0" baseline="0" noProof="0" dirty="0">
+                <a:ln>
+                  <a:noFill/>
+                </a:ln>
+                <a:solidFill>
+                  <a:srgbClr val="70AD47"/>
+                </a:solidFill>
+                <a:effectLst/>
+                <a:uLnTx/>
+                <a:uFillTx/>
+                <a:latin typeface="Meirio"/>
+                <a:ea typeface="游ゴシック" panose="020B0400000000000000" pitchFamily="50" charset="-128"/>
+                <a:cs typeface="+mn-cs"/>
+              </a:rPr>
+              <a:t>Read</a:t>
+            </a:r>
+          </a:p>
+          <a:p>
+            <a:pPr marL="0" marR="0" lvl="0" indent="0" algn="l" defTabSz="457200" rtl="0" eaLnBrk="1" fontAlgn="auto" latinLnBrk="0" hangingPunct="1">
+              <a:lnSpc>
+                <a:spcPct val="100000"/>
+              </a:lnSpc>
+              <a:spcBef>
+                <a:spcPts val="0"/>
+              </a:spcBef>
+              <a:spcAft>
+                <a:spcPts val="0"/>
+              </a:spcAft>
+              <a:buClrTx/>
+              <a:buSzTx/>
+              <a:buFontTx/>
+              <a:buNone/>
+              <a:tabLst/>
+              <a:defRPr/>
+            </a:pPr>
+            <a:r>
+              <a:rPr kumimoji="0" lang="ja-JP" altLang="en-US" sz="1100" b="1" i="0" u="none" strike="noStrike" kern="1200" cap="none" spc="0" normalizeH="0" baseline="0" noProof="0" dirty="0">
+                <a:ln>
+                  <a:noFill/>
+                </a:ln>
+                <a:solidFill>
+                  <a:srgbClr val="70AD47"/>
+                </a:solidFill>
+                <a:effectLst/>
+                <a:uLnTx/>
+                <a:uFillTx/>
+                <a:latin typeface="Meirio"/>
+                <a:ea typeface="游ゴシック" panose="020B0400000000000000" pitchFamily="50" charset="-128"/>
+                <a:cs typeface="+mn-cs"/>
+              </a:rPr>
+              <a:t>　</a:t>
+            </a:r>
+            <a:r>
+              <a:rPr kumimoji="0" lang="en-US" altLang="ja-JP" sz="1100" b="1" i="0" u="none" strike="noStrike" kern="1200" cap="none" spc="0" normalizeH="0" baseline="0" noProof="0" dirty="0">
+                <a:ln>
+                  <a:noFill/>
+                </a:ln>
+                <a:solidFill>
+                  <a:prstClr val="black"/>
+                </a:solidFill>
+                <a:effectLst/>
+                <a:uLnTx/>
+                <a:uFillTx/>
+                <a:latin typeface="Meirio"/>
+                <a:ea typeface="游ゴシック" panose="020B0400000000000000" pitchFamily="50" charset="-128"/>
+                <a:cs typeface="+mn-cs"/>
+              </a:rPr>
+              <a:t>BHM Interrupt Status Register</a:t>
+            </a:r>
+          </a:p>
+          <a:p>
+            <a:pPr marL="0" marR="0" lvl="0" indent="0" algn="l" defTabSz="457200" rtl="0" eaLnBrk="1" fontAlgn="auto" latinLnBrk="0" hangingPunct="1">
+              <a:lnSpc>
+                <a:spcPct val="100000"/>
+              </a:lnSpc>
+              <a:spcBef>
+                <a:spcPts val="0"/>
+              </a:spcBef>
+              <a:spcAft>
+                <a:spcPts val="0"/>
+              </a:spcAft>
+              <a:buClrTx/>
+              <a:buSzTx/>
+              <a:buFontTx/>
+              <a:buNone/>
+              <a:tabLst/>
+              <a:defRPr/>
+            </a:pPr>
+            <a:r>
+              <a:rPr kumimoji="0" lang="ja-JP" altLang="en-US" sz="1100" b="1" i="0" u="none" strike="noStrike" kern="1200" cap="none" spc="0" normalizeH="0" baseline="0" noProof="0" dirty="0">
+                <a:ln>
+                  <a:noFill/>
+                </a:ln>
+                <a:solidFill>
+                  <a:prstClr val="black"/>
+                </a:solidFill>
+                <a:effectLst/>
+                <a:uLnTx/>
+                <a:uFillTx/>
+                <a:latin typeface="Meirio"/>
+                <a:ea typeface="游ゴシック" panose="020B0400000000000000" pitchFamily="50" charset="-128"/>
+                <a:cs typeface="+mn-cs"/>
+              </a:rPr>
+              <a:t>　</a:t>
+            </a:r>
+            <a:r>
+              <a:rPr kumimoji="0" lang="en-US" altLang="ja-JP" sz="1100" b="0" i="0" u="none" strike="noStrike" kern="1200" cap="none" spc="0" normalizeH="0" baseline="0" noProof="0" dirty="0">
+                <a:ln>
+                  <a:noFill/>
+                </a:ln>
+                <a:solidFill>
+                  <a:prstClr val="black"/>
+                </a:solidFill>
+                <a:effectLst/>
+                <a:uLnTx/>
+                <a:uFillTx/>
+                <a:latin typeface="Meirio"/>
+                <a:ea typeface="游ゴシック" panose="020B0400000000000000" pitchFamily="50" charset="-128"/>
+                <a:cs typeface="+mn-cs"/>
+              </a:rPr>
+              <a:t>Read Data: 0x00000001</a:t>
+            </a:r>
+          </a:p>
+        </p:txBody>
+      </p:sp>
+      <p:cxnSp>
+        <p:nvCxnSpPr>
+          <p:cNvPr id="91" name="直線コネクタ 90">
+            <a:extLst>
+              <a:ext uri="{FF2B5EF4-FFF2-40B4-BE49-F238E27FC236}">
+                <a16:creationId xmlns:a16="http://schemas.microsoft.com/office/drawing/2014/main" id="{4AA7834A-3E4D-2D31-4E5A-6831C76EC3D8}"/>
+              </a:ext>
+            </a:extLst>
+          </p:cNvPr>
+          <p:cNvCxnSpPr>
+            <a:cxnSpLocks/>
+          </p:cNvCxnSpPr>
+          <p:nvPr/>
+        </p:nvCxnSpPr>
+        <p:spPr>
+          <a:xfrm>
+            <a:off x="3257820" y="1920399"/>
+            <a:ext cx="0" cy="635529"/>
+          </a:xfrm>
+          <a:prstGeom prst="line">
+            <a:avLst/>
+          </a:prstGeom>
+          <a:ln w="28575">
+            <a:solidFill>
+              <a:schemeClr val="accent1"/>
+            </a:solidFill>
+          </a:ln>
+        </p:spPr>
+        <p:style>
+          <a:lnRef idx="1">
+            <a:schemeClr val="accent1"/>
+          </a:lnRef>
+          <a:fillRef idx="0">
+            <a:schemeClr val="accent1"/>
+          </a:fillRef>
+          <a:effectRef idx="0">
+            <a:schemeClr val="accent1"/>
+          </a:effectRef>
+          <a:fontRef idx="minor">
+            <a:schemeClr val="tx1"/>
+          </a:fontRef>
+        </p:style>
+      </p:cxnSp>
+      <p:cxnSp>
+        <p:nvCxnSpPr>
+          <p:cNvPr id="92" name="直線コネクタ 91">
+            <a:extLst>
+              <a:ext uri="{FF2B5EF4-FFF2-40B4-BE49-F238E27FC236}">
+                <a16:creationId xmlns:a16="http://schemas.microsoft.com/office/drawing/2014/main" id="{A89B9EA6-DC71-FC48-85B8-9739F11F1E8B}"/>
+              </a:ext>
+            </a:extLst>
+          </p:cNvPr>
+          <p:cNvCxnSpPr>
+            <a:cxnSpLocks/>
+          </p:cNvCxnSpPr>
+          <p:nvPr/>
+        </p:nvCxnSpPr>
+        <p:spPr>
+          <a:xfrm>
+            <a:off x="3257820" y="2919714"/>
+            <a:ext cx="0" cy="1024591"/>
+          </a:xfrm>
+          <a:prstGeom prst="line">
+            <a:avLst/>
+          </a:prstGeom>
+          <a:ln w="28575">
+            <a:solidFill>
+              <a:schemeClr val="accent1"/>
+            </a:solidFill>
+          </a:ln>
+        </p:spPr>
+        <p:style>
+          <a:lnRef idx="1">
+            <a:schemeClr val="accent1"/>
+          </a:lnRef>
+          <a:fillRef idx="0">
+            <a:schemeClr val="accent1"/>
+          </a:fillRef>
+          <a:effectRef idx="0">
+            <a:schemeClr val="accent1"/>
+          </a:effectRef>
+          <a:fontRef idx="minor">
+            <a:schemeClr val="tx1"/>
+          </a:fontRef>
+        </p:style>
+      </p:cxnSp>
+      <p:sp>
+        <p:nvSpPr>
+          <p:cNvPr id="2" name="フローチャート: 端子 1">
+            <a:extLst>
+              <a:ext uri="{FF2B5EF4-FFF2-40B4-BE49-F238E27FC236}">
+                <a16:creationId xmlns:a16="http://schemas.microsoft.com/office/drawing/2014/main" id="{7B708E24-07C0-7176-EE9D-0370639C1F30}"/>
+              </a:ext>
+            </a:extLst>
+          </p:cNvPr>
+          <p:cNvSpPr/>
+          <p:nvPr/>
+        </p:nvSpPr>
+        <p:spPr>
+          <a:xfrm>
+            <a:off x="1207164" y="117163"/>
+            <a:ext cx="1296144" cy="360040"/>
+          </a:xfrm>
+          <a:prstGeom prst="flowChartTerminator">
+            <a:avLst/>
+          </a:prstGeom>
+        </p:spPr>
+        <p:style>
+          <a:lnRef idx="1">
+            <a:schemeClr val="accent5"/>
+          </a:lnRef>
+          <a:fillRef idx="3">
+            <a:schemeClr val="accent5"/>
+          </a:fillRef>
+          <a:effectRef idx="2">
+            <a:schemeClr val="accent5"/>
+          </a:effectRef>
+          <a:fontRef idx="minor">
+            <a:schemeClr val="lt1"/>
+          </a:fontRef>
+        </p:style>
+        <p:txBody>
+          <a:bodyPr rtlCol="0" anchor="ctr"/>
+          <a:lstStyle/>
+          <a:p>
+            <a:pPr marL="0" marR="0" lvl="0" indent="0" algn="ctr" defTabSz="457200" rtl="0" eaLnBrk="1" fontAlgn="auto" latinLnBrk="0" hangingPunct="1">
+              <a:lnSpc>
+                <a:spcPct val="100000"/>
+              </a:lnSpc>
+              <a:spcBef>
+                <a:spcPts val="0"/>
+              </a:spcBef>
+              <a:spcAft>
+                <a:spcPts val="0"/>
+              </a:spcAft>
+              <a:buClrTx/>
+              <a:buSzTx/>
+              <a:buFontTx/>
+              <a:buNone/>
+              <a:tabLst/>
+              <a:defRPr/>
+            </a:pPr>
+            <a:r>
+              <a:rPr kumimoji="1" lang="en-US" altLang="ja-JP" sz="1600" b="0" i="0" u="none" strike="noStrike" kern="1200" cap="none" spc="0" normalizeH="0" baseline="0" noProof="0" dirty="0">
+                <a:ln>
+                  <a:noFill/>
+                </a:ln>
+                <a:solidFill>
+                  <a:prstClr val="white"/>
+                </a:solidFill>
+                <a:effectLst/>
+                <a:uLnTx/>
+                <a:uFillTx/>
+                <a:latin typeface="メイリオ" panose="020B0604030504040204" pitchFamily="50" charset="-128"/>
+                <a:ea typeface="メイリオ" panose="020B0604030504040204" pitchFamily="50" charset="-128"/>
+                <a:cs typeface="+mn-cs"/>
+              </a:rPr>
+              <a:t>START</a:t>
+            </a:r>
+            <a:endParaRPr kumimoji="1" lang="ja-JP" altLang="en-US" sz="1600" b="0" i="0" u="none" strike="noStrike" kern="1200" cap="none" spc="0" normalizeH="0" baseline="0" noProof="0" dirty="0">
+              <a:ln>
+                <a:noFill/>
+              </a:ln>
+              <a:solidFill>
+                <a:prstClr val="white"/>
+              </a:solidFill>
+              <a:effectLst/>
+              <a:uLnTx/>
+              <a:uFillTx/>
+              <a:latin typeface="メイリオ" panose="020B0604030504040204" pitchFamily="50" charset="-128"/>
+              <a:ea typeface="メイリオ" panose="020B0604030504040204" pitchFamily="50" charset="-128"/>
+              <a:cs typeface="+mn-cs"/>
+            </a:endParaRPr>
+          </a:p>
+        </p:txBody>
+      </p:sp>
+      <p:cxnSp>
+        <p:nvCxnSpPr>
+          <p:cNvPr id="6" name="直線矢印コネクタ 5">
+            <a:extLst>
+              <a:ext uri="{FF2B5EF4-FFF2-40B4-BE49-F238E27FC236}">
+                <a16:creationId xmlns:a16="http://schemas.microsoft.com/office/drawing/2014/main" id="{4AB85C29-1778-D2FD-EEC2-0370E8390DBC}"/>
+              </a:ext>
+            </a:extLst>
+          </p:cNvPr>
+          <p:cNvCxnSpPr>
+            <a:cxnSpLocks/>
+          </p:cNvCxnSpPr>
+          <p:nvPr/>
+        </p:nvCxnSpPr>
+        <p:spPr>
+          <a:xfrm>
+            <a:off x="1855236" y="471760"/>
+            <a:ext cx="0" cy="432000"/>
+          </a:xfrm>
+          <a:prstGeom prst="straightConnector1">
+            <a:avLst/>
+          </a:prstGeom>
+          <a:ln w="28575">
+            <a:solidFill>
+              <a:schemeClr val="tx1"/>
+            </a:solidFill>
+            <a:headEnd type="none" w="med" len="med"/>
+            <a:tailEnd type="arrow" w="med" len="med"/>
+          </a:ln>
+        </p:spPr>
+        <p:style>
+          <a:lnRef idx="1">
+            <a:schemeClr val="accent1"/>
+          </a:lnRef>
+          <a:fillRef idx="0">
+            <a:schemeClr val="accent1"/>
+          </a:fillRef>
+          <a:effectRef idx="0">
+            <a:schemeClr val="accent1"/>
+          </a:effectRef>
+          <a:fontRef idx="minor">
+            <a:schemeClr val="tx1"/>
+          </a:fontRef>
+        </p:style>
+      </p:cxnSp>
+      <p:sp>
+        <p:nvSpPr>
+          <p:cNvPr id="9" name="正方形/長方形 8">
+            <a:extLst>
+              <a:ext uri="{FF2B5EF4-FFF2-40B4-BE49-F238E27FC236}">
+                <a16:creationId xmlns:a16="http://schemas.microsoft.com/office/drawing/2014/main" id="{2A08C3CA-E685-62DA-803E-92538073743C}"/>
+              </a:ext>
+            </a:extLst>
+          </p:cNvPr>
+          <p:cNvSpPr/>
+          <p:nvPr/>
+        </p:nvSpPr>
+        <p:spPr>
+          <a:xfrm>
+            <a:off x="883236" y="907231"/>
+            <a:ext cx="1944000" cy="566634"/>
+          </a:xfrm>
+          <a:prstGeom prst="rect">
+            <a:avLst/>
+          </a:prstGeom>
+        </p:spPr>
+        <p:style>
+          <a:lnRef idx="1">
+            <a:schemeClr val="accent5"/>
+          </a:lnRef>
+          <a:fillRef idx="2">
+            <a:schemeClr val="accent5"/>
+          </a:fillRef>
+          <a:effectRef idx="1">
+            <a:schemeClr val="accent5"/>
+          </a:effectRef>
+          <a:fontRef idx="minor">
+            <a:schemeClr val="dk1"/>
+          </a:fontRef>
+        </p:style>
+        <p:txBody>
+          <a:bodyPr rtlCol="0" anchor="ctr"/>
+          <a:lstStyle/>
+          <a:p>
+            <a:pPr marL="0" marR="0" lvl="0" indent="0" algn="ctr" defTabSz="457200" rtl="0" eaLnBrk="1" fontAlgn="auto" latinLnBrk="0" hangingPunct="1">
+              <a:lnSpc>
+                <a:spcPct val="100000"/>
+              </a:lnSpc>
+              <a:spcBef>
+                <a:spcPts val="0"/>
+              </a:spcBef>
+              <a:spcAft>
+                <a:spcPts val="0"/>
+              </a:spcAft>
+              <a:buClrTx/>
+              <a:buSzTx/>
+              <a:buFontTx/>
+              <a:buNone/>
+              <a:tabLst/>
+              <a:defRPr/>
+            </a:pPr>
+            <a:r>
+              <a:rPr lang="en-US" altLang="ja-JP" sz="1200" dirty="0">
+                <a:solidFill>
+                  <a:prstClr val="black"/>
+                </a:solidFill>
+                <a:latin typeface="メイリオ" panose="020B0604030504040204" pitchFamily="50" charset="-128"/>
+                <a:ea typeface="メイリオ" panose="020B0604030504040204" pitchFamily="50" charset="-128"/>
+              </a:rPr>
+              <a:t>Set Initialization Access</a:t>
+            </a:r>
+            <a:endParaRPr kumimoji="0" lang="en-US" altLang="ja-JP" sz="1200" b="0" i="0" u="none" strike="noStrike" kern="1200" cap="none" spc="0" normalizeH="0" baseline="0" noProof="0" dirty="0">
+              <a:ln>
+                <a:noFill/>
+              </a:ln>
+              <a:solidFill>
+                <a:prstClr val="black"/>
+              </a:solidFill>
+              <a:effectLst/>
+              <a:uLnTx/>
+              <a:uFillTx/>
+              <a:latin typeface="メイリオ" panose="020B0604030504040204" pitchFamily="50" charset="-128"/>
+              <a:ea typeface="メイリオ" panose="020B0604030504040204" pitchFamily="50" charset="-128"/>
+              <a:cs typeface="+mn-cs"/>
+            </a:endParaRPr>
+          </a:p>
+          <a:p>
+            <a:pPr marL="0" marR="0" lvl="0" indent="0" algn="ctr" defTabSz="457200" rtl="0" eaLnBrk="1" fontAlgn="auto" latinLnBrk="0" hangingPunct="1">
+              <a:lnSpc>
+                <a:spcPct val="100000"/>
+              </a:lnSpc>
+              <a:spcBef>
+                <a:spcPts val="0"/>
+              </a:spcBef>
+              <a:spcAft>
+                <a:spcPts val="0"/>
+              </a:spcAft>
+              <a:buClrTx/>
+              <a:buSzTx/>
+              <a:buFontTx/>
+              <a:buNone/>
+              <a:tabLst/>
+              <a:defRPr/>
+            </a:pPr>
+            <a:r>
+              <a:rPr kumimoji="0" lang="en-US" altLang="ja-JP" sz="1200" b="0" i="0" u="none" strike="noStrike" kern="1200" cap="none" spc="0" normalizeH="0" baseline="0" noProof="0" dirty="0">
+                <a:ln>
+                  <a:noFill/>
+                </a:ln>
+                <a:solidFill>
+                  <a:prstClr val="black"/>
+                </a:solidFill>
+                <a:effectLst/>
+                <a:uLnTx/>
+                <a:uFillTx/>
+                <a:latin typeface="メイリオ" panose="020B0604030504040204" pitchFamily="50" charset="-128"/>
+                <a:ea typeface="メイリオ" panose="020B0604030504040204" pitchFamily="50" charset="-128"/>
+                <a:cs typeface="+mn-cs"/>
+              </a:rPr>
+              <a:t>Control</a:t>
+            </a:r>
+            <a:r>
+              <a:rPr lang="en-US" altLang="ja-JP" sz="1200" dirty="0">
+                <a:solidFill>
+                  <a:prstClr val="black"/>
+                </a:solidFill>
+                <a:latin typeface="メイリオ" panose="020B0604030504040204" pitchFamily="50" charset="-128"/>
+                <a:ea typeface="メイリオ" panose="020B0604030504040204" pitchFamily="50" charset="-128"/>
+              </a:rPr>
+              <a:t> Register</a:t>
+            </a:r>
+            <a:endParaRPr kumimoji="0" lang="en-US" altLang="ja-JP" sz="1200" b="0" i="0" u="none" strike="noStrike" kern="1200" cap="none" spc="0" normalizeH="0" baseline="0" noProof="0" dirty="0">
+              <a:ln>
+                <a:noFill/>
+              </a:ln>
+              <a:solidFill>
+                <a:prstClr val="black"/>
+              </a:solidFill>
+              <a:effectLst/>
+              <a:uLnTx/>
+              <a:uFillTx/>
+              <a:latin typeface="メイリオ" panose="020B0604030504040204" pitchFamily="50" charset="-128"/>
+              <a:ea typeface="メイリオ" panose="020B0604030504040204" pitchFamily="50" charset="-128"/>
+              <a:cs typeface="+mn-cs"/>
+            </a:endParaRPr>
+          </a:p>
+        </p:txBody>
+      </p:sp>
+      <p:cxnSp>
+        <p:nvCxnSpPr>
+          <p:cNvPr id="10" name="直線矢印コネクタ 9">
+            <a:extLst>
+              <a:ext uri="{FF2B5EF4-FFF2-40B4-BE49-F238E27FC236}">
+                <a16:creationId xmlns:a16="http://schemas.microsoft.com/office/drawing/2014/main" id="{F5950641-F12C-6FB7-BC39-33D83F8587AC}"/>
+              </a:ext>
+            </a:extLst>
+          </p:cNvPr>
+          <p:cNvCxnSpPr>
+            <a:cxnSpLocks/>
+          </p:cNvCxnSpPr>
+          <p:nvPr/>
+        </p:nvCxnSpPr>
+        <p:spPr>
+          <a:xfrm flipH="1">
+            <a:off x="142875" y="2205582"/>
+            <a:ext cx="853893" cy="0"/>
+          </a:xfrm>
+          <a:prstGeom prst="straightConnector1">
+            <a:avLst/>
+          </a:prstGeom>
+          <a:ln w="28575">
+            <a:solidFill>
+              <a:schemeClr val="tx1"/>
+            </a:solidFill>
+            <a:headEnd type="none" w="med" len="med"/>
+            <a:tailEnd type="arrow" w="med" len="med"/>
+          </a:ln>
+        </p:spPr>
+        <p:style>
+          <a:lnRef idx="1">
+            <a:schemeClr val="accent1"/>
+          </a:lnRef>
+          <a:fillRef idx="0">
+            <a:schemeClr val="accent1"/>
+          </a:fillRef>
+          <a:effectRef idx="0">
+            <a:schemeClr val="accent1"/>
+          </a:effectRef>
+          <a:fontRef idx="minor">
+            <a:schemeClr val="tx1"/>
+          </a:fontRef>
+        </p:style>
+      </p:cxnSp>
+      <p:cxnSp>
+        <p:nvCxnSpPr>
+          <p:cNvPr id="14" name="直線矢印コネクタ 13">
+            <a:extLst>
+              <a:ext uri="{FF2B5EF4-FFF2-40B4-BE49-F238E27FC236}">
+                <a16:creationId xmlns:a16="http://schemas.microsoft.com/office/drawing/2014/main" id="{49E6CAD1-5FD2-26DA-D5AD-FC06050B45E0}"/>
+              </a:ext>
+            </a:extLst>
+          </p:cNvPr>
+          <p:cNvCxnSpPr>
+            <a:cxnSpLocks/>
+          </p:cNvCxnSpPr>
+          <p:nvPr/>
+        </p:nvCxnSpPr>
+        <p:spPr>
+          <a:xfrm>
+            <a:off x="1855236" y="1486329"/>
+            <a:ext cx="0" cy="432000"/>
+          </a:xfrm>
+          <a:prstGeom prst="straightConnector1">
+            <a:avLst/>
+          </a:prstGeom>
+          <a:ln w="28575">
+            <a:solidFill>
+              <a:schemeClr val="tx1"/>
+            </a:solidFill>
+            <a:headEnd type="none" w="med" len="med"/>
+            <a:tailEnd type="arrow" w="med" len="med"/>
+          </a:ln>
+        </p:spPr>
+        <p:style>
+          <a:lnRef idx="1">
+            <a:schemeClr val="accent1"/>
+          </a:lnRef>
+          <a:fillRef idx="0">
+            <a:schemeClr val="accent1"/>
+          </a:fillRef>
+          <a:effectRef idx="0">
+            <a:schemeClr val="accent1"/>
+          </a:effectRef>
+          <a:fontRef idx="minor">
+            <a:schemeClr val="tx1"/>
+          </a:fontRef>
+        </p:style>
+      </p:cxnSp>
+      <p:sp>
+        <p:nvSpPr>
+          <p:cNvPr id="15" name="フローチャート: 判断 14">
+            <a:extLst>
+              <a:ext uri="{FF2B5EF4-FFF2-40B4-BE49-F238E27FC236}">
+                <a16:creationId xmlns:a16="http://schemas.microsoft.com/office/drawing/2014/main" id="{143B3DDE-075E-74D2-9FB3-32238C063F9A}"/>
+              </a:ext>
+            </a:extLst>
+          </p:cNvPr>
+          <p:cNvSpPr/>
+          <p:nvPr/>
+        </p:nvSpPr>
+        <p:spPr>
+          <a:xfrm>
+            <a:off x="919135" y="1920399"/>
+            <a:ext cx="1872202" cy="576064"/>
+          </a:xfrm>
+          <a:prstGeom prst="flowChartDecision">
+            <a:avLst/>
+          </a:prstGeom>
+        </p:spPr>
+        <p:style>
+          <a:lnRef idx="1">
+            <a:schemeClr val="accent2"/>
+          </a:lnRef>
+          <a:fillRef idx="2">
+            <a:schemeClr val="accent2"/>
+          </a:fillRef>
+          <a:effectRef idx="1">
+            <a:schemeClr val="accent2"/>
+          </a:effectRef>
+          <a:fontRef idx="minor">
+            <a:schemeClr val="dk1"/>
+          </a:fontRef>
+        </p:style>
+        <p:txBody>
+          <a:bodyPr lIns="0" rIns="0" rtlCol="0" anchor="ctr"/>
+          <a:lstStyle/>
+          <a:p>
+            <a:pPr marL="0" marR="0" lvl="0" indent="0" algn="ctr" defTabSz="457200" rtl="0" eaLnBrk="1" fontAlgn="auto" latinLnBrk="0" hangingPunct="1">
+              <a:lnSpc>
+                <a:spcPct val="100000"/>
+              </a:lnSpc>
+              <a:spcBef>
+                <a:spcPts val="0"/>
+              </a:spcBef>
+              <a:spcAft>
+                <a:spcPts val="0"/>
+              </a:spcAft>
+              <a:buClrTx/>
+              <a:buSzTx/>
+              <a:buFontTx/>
+              <a:buNone/>
+              <a:tabLst/>
+              <a:defRPr/>
+            </a:pPr>
+            <a:endParaRPr kumimoji="1" lang="ja-JP" altLang="en-US" sz="1050" b="0" i="0" u="none" strike="noStrike" kern="1200" cap="none" spc="0" normalizeH="0" baseline="0" noProof="0" dirty="0">
+              <a:ln>
+                <a:noFill/>
+              </a:ln>
+              <a:solidFill>
+                <a:prstClr val="black"/>
+              </a:solidFill>
+              <a:effectLst/>
+              <a:uLnTx/>
+              <a:uFillTx/>
+              <a:latin typeface="メイリオ" panose="020B0604030504040204" pitchFamily="50" charset="-128"/>
+              <a:ea typeface="メイリオ" panose="020B0604030504040204" pitchFamily="50" charset="-128"/>
+              <a:cs typeface="+mn-cs"/>
+            </a:endParaRPr>
+          </a:p>
+        </p:txBody>
+      </p:sp>
+      <p:sp>
+        <p:nvSpPr>
+          <p:cNvPr id="16" name="正方形/長方形 15">
+            <a:extLst>
+              <a:ext uri="{FF2B5EF4-FFF2-40B4-BE49-F238E27FC236}">
+                <a16:creationId xmlns:a16="http://schemas.microsoft.com/office/drawing/2014/main" id="{25B93038-AB6B-41F0-7B3E-199D95B60AE3}"/>
+              </a:ext>
+            </a:extLst>
+          </p:cNvPr>
+          <p:cNvSpPr/>
+          <p:nvPr/>
+        </p:nvSpPr>
+        <p:spPr>
+          <a:xfrm>
+            <a:off x="996768" y="2144794"/>
+            <a:ext cx="1716936" cy="288032"/>
+          </a:xfrm>
+          <a:prstGeom prst="rect">
+            <a:avLst/>
+          </a:prstGeom>
+          <a:noFill/>
+          <a:ln>
+            <a:noFill/>
+          </a:ln>
+        </p:spPr>
+        <p:style>
+          <a:lnRef idx="1">
+            <a:schemeClr val="accent5"/>
+          </a:lnRef>
+          <a:fillRef idx="2">
+            <a:schemeClr val="accent5"/>
+          </a:fillRef>
+          <a:effectRef idx="1">
+            <a:schemeClr val="accent5"/>
+          </a:effectRef>
+          <a:fontRef idx="minor">
+            <a:schemeClr val="dk1"/>
+          </a:fontRef>
+        </p:style>
+        <p:txBody>
+          <a:bodyPr rtlCol="0" anchor="ctr"/>
+          <a:lstStyle/>
+          <a:p>
+            <a:pPr marL="0" marR="0" lvl="0" indent="0" algn="ctr" defTabSz="457200" rtl="0" eaLnBrk="1" fontAlgn="auto" latinLnBrk="0" hangingPunct="1">
+              <a:lnSpc>
+                <a:spcPct val="100000"/>
+              </a:lnSpc>
+              <a:spcBef>
+                <a:spcPts val="0"/>
+              </a:spcBef>
+              <a:spcAft>
+                <a:spcPts val="0"/>
+              </a:spcAft>
+              <a:buClrTx/>
+              <a:buSzTx/>
+              <a:buFontTx/>
+              <a:buNone/>
+              <a:tabLst/>
+              <a:defRPr/>
+            </a:pPr>
+            <a:r>
+              <a:rPr kumimoji="0" lang="en-US" altLang="ja-JP" sz="1200" b="0" i="0" u="none" strike="noStrike" kern="1200" cap="none" spc="0" normalizeH="0" baseline="0" noProof="0" dirty="0">
+                <a:ln>
+                  <a:noFill/>
+                </a:ln>
+                <a:solidFill>
+                  <a:prstClr val="black"/>
+                </a:solidFill>
+                <a:effectLst/>
+                <a:uLnTx/>
+                <a:uFillTx/>
+                <a:latin typeface="メイリオ" panose="020B0604030504040204" pitchFamily="50" charset="-128"/>
+                <a:ea typeface="メイリオ" panose="020B0604030504040204" pitchFamily="50" charset="-128"/>
+                <a:cs typeface="+mn-cs"/>
+              </a:rPr>
+              <a:t>SYSMON_HBM_INT</a:t>
+            </a:r>
+          </a:p>
+          <a:p>
+            <a:pPr marL="0" marR="0" lvl="0" indent="0" algn="ctr" defTabSz="457200" rtl="0" eaLnBrk="1" fontAlgn="auto" latinLnBrk="0" hangingPunct="1">
+              <a:lnSpc>
+                <a:spcPct val="100000"/>
+              </a:lnSpc>
+              <a:spcBef>
+                <a:spcPts val="0"/>
+              </a:spcBef>
+              <a:spcAft>
+                <a:spcPts val="0"/>
+              </a:spcAft>
+              <a:buClrTx/>
+              <a:buSzTx/>
+              <a:buFontTx/>
+              <a:buNone/>
+              <a:tabLst/>
+              <a:defRPr/>
+            </a:pPr>
+            <a:r>
+              <a:rPr kumimoji="0" lang="en-US" altLang="ja-JP" sz="1200" b="0" i="0" u="none" strike="noStrike" kern="1200" cap="none" spc="0" normalizeH="0" baseline="0" noProof="0" dirty="0">
+                <a:ln>
+                  <a:noFill/>
+                </a:ln>
+                <a:solidFill>
+                  <a:prstClr val="black"/>
+                </a:solidFill>
+                <a:effectLst/>
+                <a:uLnTx/>
+                <a:uFillTx/>
+                <a:latin typeface="メイリオ" panose="020B0604030504040204" pitchFamily="50" charset="-128"/>
+                <a:ea typeface="メイリオ" panose="020B0604030504040204" pitchFamily="50" charset="-128"/>
+                <a:cs typeface="+mn-cs"/>
+              </a:rPr>
+              <a:t>=‘1’</a:t>
+            </a:r>
+          </a:p>
+        </p:txBody>
+      </p:sp>
+      <p:cxnSp>
+        <p:nvCxnSpPr>
+          <p:cNvPr id="17" name="直線矢印コネクタ 16">
+            <a:extLst>
+              <a:ext uri="{FF2B5EF4-FFF2-40B4-BE49-F238E27FC236}">
+                <a16:creationId xmlns:a16="http://schemas.microsoft.com/office/drawing/2014/main" id="{0BDCC296-ABAA-3536-A3E8-6C42203010ED}"/>
+              </a:ext>
+            </a:extLst>
+          </p:cNvPr>
+          <p:cNvCxnSpPr>
+            <a:cxnSpLocks/>
+          </p:cNvCxnSpPr>
+          <p:nvPr/>
+        </p:nvCxnSpPr>
+        <p:spPr>
+          <a:xfrm>
+            <a:off x="1855236" y="2496388"/>
+            <a:ext cx="0" cy="432000"/>
+          </a:xfrm>
+          <a:prstGeom prst="straightConnector1">
+            <a:avLst/>
+          </a:prstGeom>
+          <a:ln w="28575">
+            <a:solidFill>
+              <a:schemeClr val="tx1"/>
+            </a:solidFill>
+            <a:headEnd type="none" w="med" len="med"/>
+            <a:tailEnd type="arrow" w="med" len="med"/>
+          </a:ln>
+        </p:spPr>
+        <p:style>
+          <a:lnRef idx="1">
+            <a:schemeClr val="accent1"/>
+          </a:lnRef>
+          <a:fillRef idx="0">
+            <a:schemeClr val="accent1"/>
+          </a:fillRef>
+          <a:effectRef idx="0">
+            <a:schemeClr val="accent1"/>
+          </a:effectRef>
+          <a:fontRef idx="minor">
+            <a:schemeClr val="tx1"/>
+          </a:fontRef>
+        </p:style>
+      </p:cxnSp>
+      <p:sp>
+        <p:nvSpPr>
+          <p:cNvPr id="18" name="正方形/長方形 17">
+            <a:extLst>
+              <a:ext uri="{FF2B5EF4-FFF2-40B4-BE49-F238E27FC236}">
+                <a16:creationId xmlns:a16="http://schemas.microsoft.com/office/drawing/2014/main" id="{06E52254-72D6-12D3-54C1-58A512337071}"/>
+              </a:ext>
+            </a:extLst>
+          </p:cNvPr>
+          <p:cNvSpPr/>
+          <p:nvPr/>
+        </p:nvSpPr>
+        <p:spPr>
+          <a:xfrm>
+            <a:off x="883236" y="2919714"/>
+            <a:ext cx="1944000" cy="514967"/>
+          </a:xfrm>
+          <a:prstGeom prst="rect">
+            <a:avLst/>
+          </a:prstGeom>
+        </p:spPr>
+        <p:style>
+          <a:lnRef idx="1">
+            <a:schemeClr val="accent5"/>
+          </a:lnRef>
+          <a:fillRef idx="2">
+            <a:schemeClr val="accent5"/>
+          </a:fillRef>
+          <a:effectRef idx="1">
+            <a:schemeClr val="accent5"/>
+          </a:effectRef>
+          <a:fontRef idx="minor">
+            <a:schemeClr val="dk1"/>
+          </a:fontRef>
+        </p:style>
+        <p:txBody>
+          <a:bodyPr rtlCol="0" anchor="ctr"/>
+          <a:lstStyle/>
+          <a:p>
+            <a:pPr marL="0" marR="0" lvl="0" indent="0" algn="ctr" defTabSz="457200" rtl="0" eaLnBrk="1" fontAlgn="auto" latinLnBrk="0" hangingPunct="1">
+              <a:lnSpc>
+                <a:spcPct val="100000"/>
+              </a:lnSpc>
+              <a:spcBef>
+                <a:spcPts val="0"/>
+              </a:spcBef>
+              <a:spcAft>
+                <a:spcPts val="0"/>
+              </a:spcAft>
+              <a:buClrTx/>
+              <a:buSzTx/>
+              <a:buFontTx/>
+              <a:buNone/>
+              <a:tabLst/>
+              <a:defRPr/>
+            </a:pPr>
+            <a:r>
+              <a:rPr kumimoji="0" lang="en-US" altLang="ja-JP" sz="1200" b="0" i="0" u="none" strike="noStrike" kern="1200" cap="none" spc="0" normalizeH="0" baseline="0" noProof="0" dirty="0">
+                <a:ln>
+                  <a:noFill/>
+                </a:ln>
+                <a:solidFill>
+                  <a:prstClr val="black"/>
+                </a:solidFill>
+                <a:effectLst/>
+                <a:uLnTx/>
+                <a:uFillTx/>
+                <a:latin typeface="メイリオ" panose="020B0604030504040204" pitchFamily="50" charset="-128"/>
+                <a:ea typeface="メイリオ" panose="020B0604030504040204" pitchFamily="50" charset="-128"/>
+                <a:cs typeface="+mn-cs"/>
+              </a:rPr>
+              <a:t>Interrupt</a:t>
+            </a:r>
+            <a:r>
+              <a:rPr kumimoji="0" lang="ja-JP" altLang="en-US" sz="1200" b="0" i="0" u="none" strike="noStrike" kern="1200" cap="none" spc="0" normalizeH="0" baseline="0" noProof="0" dirty="0">
+                <a:ln>
+                  <a:noFill/>
+                </a:ln>
+                <a:solidFill>
+                  <a:prstClr val="black"/>
+                </a:solidFill>
+                <a:effectLst/>
+                <a:uLnTx/>
+                <a:uFillTx/>
+                <a:latin typeface="メイリオ" panose="020B0604030504040204" pitchFamily="50" charset="-128"/>
+                <a:ea typeface="メイリオ" panose="020B0604030504040204" pitchFamily="50" charset="-128"/>
+                <a:cs typeface="+mn-cs"/>
+              </a:rPr>
+              <a:t> </a:t>
+            </a:r>
+            <a:r>
+              <a:rPr kumimoji="0" lang="en-US" altLang="ja-JP" sz="1200" b="0" i="0" u="none" strike="noStrike" kern="1200" cap="none" spc="0" normalizeH="0" baseline="0" noProof="0" dirty="0">
+                <a:ln>
+                  <a:noFill/>
+                </a:ln>
+                <a:solidFill>
+                  <a:prstClr val="black"/>
+                </a:solidFill>
+                <a:effectLst/>
+                <a:uLnTx/>
+                <a:uFillTx/>
+                <a:latin typeface="メイリオ" panose="020B0604030504040204" pitchFamily="50" charset="-128"/>
+                <a:ea typeface="メイリオ" panose="020B0604030504040204" pitchFamily="50" charset="-128"/>
+                <a:cs typeface="+mn-cs"/>
+              </a:rPr>
+              <a:t>Clear</a:t>
+            </a:r>
+          </a:p>
+        </p:txBody>
+      </p:sp>
+      <p:sp>
+        <p:nvSpPr>
+          <p:cNvPr id="19" name="フローチャート: 端子 18">
+            <a:extLst>
+              <a:ext uri="{FF2B5EF4-FFF2-40B4-BE49-F238E27FC236}">
+                <a16:creationId xmlns:a16="http://schemas.microsoft.com/office/drawing/2014/main" id="{595CC7E0-33BD-C4DE-A3B8-25DE1E2F763E}"/>
+              </a:ext>
+            </a:extLst>
+          </p:cNvPr>
+          <p:cNvSpPr/>
+          <p:nvPr/>
+        </p:nvSpPr>
+        <p:spPr>
+          <a:xfrm>
+            <a:off x="1207164" y="4154315"/>
+            <a:ext cx="1296144" cy="360040"/>
+          </a:xfrm>
+          <a:prstGeom prst="flowChartTerminator">
+            <a:avLst/>
+          </a:prstGeom>
+        </p:spPr>
+        <p:style>
+          <a:lnRef idx="1">
+            <a:schemeClr val="accent5"/>
+          </a:lnRef>
+          <a:fillRef idx="3">
+            <a:schemeClr val="accent5"/>
+          </a:fillRef>
+          <a:effectRef idx="2">
+            <a:schemeClr val="accent5"/>
+          </a:effectRef>
+          <a:fontRef idx="minor">
+            <a:schemeClr val="lt1"/>
+          </a:fontRef>
+        </p:style>
+        <p:txBody>
+          <a:bodyPr rtlCol="0" anchor="ctr"/>
+          <a:lstStyle/>
+          <a:p>
+            <a:pPr marL="0" marR="0" lvl="0" indent="0" algn="ctr" defTabSz="457200" rtl="0" eaLnBrk="1" fontAlgn="auto" latinLnBrk="0" hangingPunct="1">
+              <a:lnSpc>
+                <a:spcPct val="100000"/>
+              </a:lnSpc>
+              <a:spcBef>
+                <a:spcPts val="0"/>
+              </a:spcBef>
+              <a:spcAft>
+                <a:spcPts val="0"/>
+              </a:spcAft>
+              <a:buClrTx/>
+              <a:buSzTx/>
+              <a:buFontTx/>
+              <a:buNone/>
+              <a:tabLst/>
+              <a:defRPr/>
+            </a:pPr>
+            <a:r>
+              <a:rPr kumimoji="1" lang="en-US" altLang="ja-JP" sz="1600" b="0" i="0" u="none" strike="noStrike" kern="1200" cap="none" spc="0" normalizeH="0" baseline="0" noProof="0" dirty="0">
+                <a:ln>
+                  <a:noFill/>
+                </a:ln>
+                <a:solidFill>
+                  <a:prstClr val="white"/>
+                </a:solidFill>
+                <a:effectLst/>
+                <a:uLnTx/>
+                <a:uFillTx/>
+                <a:latin typeface="メイリオ" panose="020B0604030504040204" pitchFamily="50" charset="-128"/>
+                <a:ea typeface="メイリオ" panose="020B0604030504040204" pitchFamily="50" charset="-128"/>
+                <a:cs typeface="+mn-cs"/>
+              </a:rPr>
+              <a:t>END</a:t>
+            </a:r>
+            <a:endParaRPr kumimoji="1" lang="ja-JP" altLang="en-US" sz="1600" b="0" i="0" u="none" strike="noStrike" kern="1200" cap="none" spc="0" normalizeH="0" baseline="0" noProof="0" dirty="0">
+              <a:ln>
+                <a:noFill/>
+              </a:ln>
+              <a:solidFill>
+                <a:prstClr val="white"/>
+              </a:solidFill>
+              <a:effectLst/>
+              <a:uLnTx/>
+              <a:uFillTx/>
+              <a:latin typeface="メイリオ" panose="020B0604030504040204" pitchFamily="50" charset="-128"/>
+              <a:ea typeface="メイリオ" panose="020B0604030504040204" pitchFamily="50" charset="-128"/>
+              <a:cs typeface="+mn-cs"/>
+            </a:endParaRPr>
+          </a:p>
+        </p:txBody>
+      </p:sp>
+      <p:cxnSp>
+        <p:nvCxnSpPr>
+          <p:cNvPr id="20" name="直線矢印コネクタ 19">
+            <a:extLst>
+              <a:ext uri="{FF2B5EF4-FFF2-40B4-BE49-F238E27FC236}">
+                <a16:creationId xmlns:a16="http://schemas.microsoft.com/office/drawing/2014/main" id="{9DD0738C-5E99-579B-7051-B6DA426DDA04}"/>
+              </a:ext>
+            </a:extLst>
+          </p:cNvPr>
+          <p:cNvCxnSpPr>
+            <a:cxnSpLocks/>
+          </p:cNvCxnSpPr>
+          <p:nvPr/>
+        </p:nvCxnSpPr>
+        <p:spPr>
+          <a:xfrm>
+            <a:off x="1855236" y="3430357"/>
+            <a:ext cx="0" cy="730293"/>
+          </a:xfrm>
+          <a:prstGeom prst="straightConnector1">
+            <a:avLst/>
+          </a:prstGeom>
+          <a:ln w="28575">
+            <a:solidFill>
+              <a:schemeClr val="tx1"/>
+            </a:solidFill>
+            <a:headEnd type="none" w="med" len="med"/>
+            <a:tailEnd type="arrow" w="med" len="med"/>
+          </a:ln>
+        </p:spPr>
+        <p:style>
+          <a:lnRef idx="1">
+            <a:schemeClr val="accent1"/>
+          </a:lnRef>
+          <a:fillRef idx="0">
+            <a:schemeClr val="accent1"/>
+          </a:fillRef>
+          <a:effectRef idx="0">
+            <a:schemeClr val="accent1"/>
+          </a:effectRef>
+          <a:fontRef idx="minor">
+            <a:schemeClr val="tx1"/>
+          </a:fontRef>
+        </p:style>
+      </p:cxnSp>
+      <p:sp>
+        <p:nvSpPr>
+          <p:cNvPr id="21" name="テキスト ボックス 20">
+            <a:extLst>
+              <a:ext uri="{FF2B5EF4-FFF2-40B4-BE49-F238E27FC236}">
+                <a16:creationId xmlns:a16="http://schemas.microsoft.com/office/drawing/2014/main" id="{733FCB9C-B562-4CF5-C8A9-4A2B17A61D3C}"/>
+              </a:ext>
+            </a:extLst>
+          </p:cNvPr>
+          <p:cNvSpPr txBox="1"/>
+          <p:nvPr/>
+        </p:nvSpPr>
+        <p:spPr>
+          <a:xfrm>
+            <a:off x="183961" y="2271864"/>
+            <a:ext cx="1023203" cy="400110"/>
+          </a:xfrm>
+          <a:prstGeom prst="rect">
+            <a:avLst/>
+          </a:prstGeom>
+          <a:noFill/>
+        </p:spPr>
+        <p:txBody>
+          <a:bodyPr wrap="square" lIns="0" rIns="0" rtlCol="0">
+            <a:spAutoFit/>
+          </a:bodyPr>
+          <a:lstStyle/>
+          <a:p>
+            <a:r>
+              <a:rPr kumimoji="1" lang="en-US" altLang="ja-JP" sz="1000" i="1" dirty="0">
+                <a:latin typeface="メイリオ" panose="020B0604030504040204" pitchFamily="50" charset="-128"/>
+                <a:ea typeface="メイリオ" panose="020B0604030504040204" pitchFamily="50" charset="-128"/>
+              </a:rPr>
+              <a:t>Other Interrupt</a:t>
+            </a:r>
+          </a:p>
+          <a:p>
+            <a:r>
+              <a:rPr kumimoji="1" lang="en-US" altLang="ja-JP" sz="1000" i="1" dirty="0">
+                <a:latin typeface="メイリオ" panose="020B0604030504040204" pitchFamily="50" charset="-128"/>
+                <a:ea typeface="メイリオ" panose="020B0604030504040204" pitchFamily="50" charset="-128"/>
+              </a:rPr>
+              <a:t>Operation </a:t>
+            </a:r>
+          </a:p>
+        </p:txBody>
+      </p:sp>
+      <p:sp>
+        <p:nvSpPr>
+          <p:cNvPr id="22" name="テキスト ボックス 21">
+            <a:extLst>
+              <a:ext uri="{FF2B5EF4-FFF2-40B4-BE49-F238E27FC236}">
+                <a16:creationId xmlns:a16="http://schemas.microsoft.com/office/drawing/2014/main" id="{F543E3A8-5F82-E571-EDAD-2FFA10DFBC4E}"/>
+              </a:ext>
+            </a:extLst>
+          </p:cNvPr>
+          <p:cNvSpPr txBox="1"/>
+          <p:nvPr/>
+        </p:nvSpPr>
+        <p:spPr>
+          <a:xfrm>
+            <a:off x="602035" y="1955086"/>
+            <a:ext cx="392671" cy="261610"/>
+          </a:xfrm>
+          <a:prstGeom prst="rect">
+            <a:avLst/>
+          </a:prstGeom>
+          <a:noFill/>
+        </p:spPr>
+        <p:txBody>
+          <a:bodyPr wrap="square" rtlCol="0">
+            <a:spAutoFit/>
+          </a:bodyPr>
+          <a:lstStyle/>
+          <a:p>
+            <a:pPr algn="ctr"/>
+            <a:r>
+              <a:rPr kumimoji="1" lang="en-US" altLang="ja-JP" sz="1050" i="1" dirty="0">
+                <a:latin typeface="メイリオ" panose="020B0604030504040204" pitchFamily="50" charset="-128"/>
+                <a:ea typeface="メイリオ" panose="020B0604030504040204" pitchFamily="50" charset="-128"/>
+              </a:rPr>
+              <a:t>NO</a:t>
+            </a:r>
+            <a:endParaRPr kumimoji="1" lang="ja-JP" altLang="en-US" sz="1050" i="1" dirty="0">
+              <a:latin typeface="メイリオ" panose="020B0604030504040204" pitchFamily="50" charset="-128"/>
+              <a:ea typeface="メイリオ" panose="020B0604030504040204" pitchFamily="50" charset="-128"/>
+            </a:endParaRPr>
+          </a:p>
+        </p:txBody>
+      </p:sp>
+      <p:sp>
+        <p:nvSpPr>
+          <p:cNvPr id="23" name="テキスト ボックス 22">
+            <a:extLst>
+              <a:ext uri="{FF2B5EF4-FFF2-40B4-BE49-F238E27FC236}">
+                <a16:creationId xmlns:a16="http://schemas.microsoft.com/office/drawing/2014/main" id="{FE8B0534-5D7D-066B-D45E-1947F7C918D3}"/>
+              </a:ext>
+            </a:extLst>
+          </p:cNvPr>
+          <p:cNvSpPr txBox="1"/>
+          <p:nvPr/>
+        </p:nvSpPr>
+        <p:spPr>
+          <a:xfrm>
+            <a:off x="1866138" y="2510841"/>
+            <a:ext cx="456354" cy="261610"/>
+          </a:xfrm>
+          <a:prstGeom prst="rect">
+            <a:avLst/>
+          </a:prstGeom>
+          <a:noFill/>
+        </p:spPr>
+        <p:txBody>
+          <a:bodyPr wrap="square" rtlCol="0">
+            <a:spAutoFit/>
+          </a:bodyPr>
+          <a:lstStyle/>
+          <a:p>
+            <a:pPr algn="ctr"/>
+            <a:r>
+              <a:rPr kumimoji="1" lang="en-US" altLang="ja-JP" sz="1050" i="1" dirty="0">
+                <a:latin typeface="メイリオ" panose="020B0604030504040204" pitchFamily="50" charset="-128"/>
+                <a:ea typeface="メイリオ" panose="020B0604030504040204" pitchFamily="50" charset="-128"/>
+              </a:rPr>
+              <a:t>YES</a:t>
+            </a:r>
+            <a:endParaRPr kumimoji="1" lang="ja-JP" altLang="en-US" sz="1050" i="1" dirty="0">
+              <a:latin typeface="メイリオ" panose="020B0604030504040204" pitchFamily="50" charset="-128"/>
+              <a:ea typeface="メイリオ" panose="020B0604030504040204" pitchFamily="50" charset="-128"/>
+            </a:endParaRPr>
+          </a:p>
+        </p:txBody>
+      </p:sp>
+    </p:spTree>
+    <p:extLst>
+      <p:ext uri="{BB962C8B-B14F-4D97-AF65-F5344CB8AC3E}">
+        <p14:creationId xmlns:p14="http://schemas.microsoft.com/office/powerpoint/2010/main" val="256687150"/>
+      </p:ext>
+    </p:extLst>
+  </p:cSld>
+  <p:clrMapOvr>
+    <a:masterClrMapping/>
+  </p:clrMapOvr>
+</p:sld>
+</file>
+
 <file path=ppt/theme/theme1.xml><?xml version="1.0" encoding="utf-8"?>
 <a:theme xmlns:a="http://schemas.openxmlformats.org/drawingml/2006/main" name="Office テーマ">
   <a:themeElements>
